--- a/esercitazione_6/documents/Esercitazione 6.pptx
+++ b/esercitazione_6/documents/Esercitazione 6.pptx
@@ -1,77 +1,45 @@
 
 <file path=ppt/presentation.xml><?xml version="1.0" encoding="utf-8"?>
-<p:presentation xmlns:a="http://schemas.openxmlformats.org/drawingml/2006/main" xmlns:r="http://schemas.openxmlformats.org/officeDocument/2006/relationships" xmlns:p="http://schemas.openxmlformats.org/presentationml/2006/main" saveSubsetFonts="1" embedTrueTypeFonts="true">
+<p:presentation xmlns:a="http://schemas.openxmlformats.org/drawingml/2006/main" xmlns:r="http://schemas.openxmlformats.org/officeDocument/2006/relationships" xmlns:p="http://schemas.openxmlformats.org/presentationml/2006/main" embedTrueTypeFonts="1" saveSubsetFonts="1">
   <p:sldMasterIdLst>
     <p:sldMasterId id="2147483648" r:id="rId1"/>
   </p:sldMasterIdLst>
   <p:sldIdLst>
-    <p:sldId id="256" r:id="rId20"/>
-    <p:sldId id="257" r:id="rId21"/>
-    <p:sldId id="258" r:id="rId22"/>
-    <p:sldId id="259" r:id="rId23"/>
-    <p:sldId id="260" r:id="rId24"/>
-    <p:sldId id="261" r:id="rId25"/>
-    <p:sldId id="262" r:id="rId26"/>
-    <p:sldId id="263" r:id="rId27"/>
+    <p:sldId id="256" r:id="rId2"/>
+    <p:sldId id="257" r:id="rId3"/>
+    <p:sldId id="258" r:id="rId4"/>
+    <p:sldId id="259" r:id="rId5"/>
+    <p:sldId id="260" r:id="rId6"/>
+    <p:sldId id="261" r:id="rId7"/>
+    <p:sldId id="262" r:id="rId8"/>
+    <p:sldId id="263" r:id="rId9"/>
   </p:sldIdLst>
   <p:sldSz cx="18288000" cy="10287000"/>
   <p:notesSz cx="6858000" cy="9144000"/>
   <p:embeddedFontLst>
     <p:embeddedFont>
-      <p:font typeface="Arimo" charset="1" panose="020B0604020202020204"/>
-      <p:regular r:id="rId6"/>
+      <p:font typeface="Calibri" panose="020F0502020204030204" pitchFamily="34" charset="0"/>
+      <p:regular r:id="rId10"/>
+      <p:bold r:id="rId11"/>
+      <p:italic r:id="rId12"/>
+      <p:boldItalic r:id="rId13"/>
     </p:embeddedFont>
     <p:embeddedFont>
-      <p:font typeface="Arimo Bold" charset="1" panose="020B0704020202020204"/>
-      <p:regular r:id="rId7"/>
-    </p:embeddedFont>
-    <p:embeddedFont>
-      <p:font typeface="Arimo Italics" charset="1" panose="020B0604020202090204"/>
-      <p:regular r:id="rId8"/>
-    </p:embeddedFont>
-    <p:embeddedFont>
-      <p:font typeface="Arimo Bold Italics" charset="1" panose="020B0704020202090204"/>
-      <p:regular r:id="rId9"/>
-    </p:embeddedFont>
-    <p:embeddedFont>
-      <p:font typeface="Open Sans Light" charset="1" panose="020B0306030504020204"/>
-      <p:regular r:id="rId10"/>
-    </p:embeddedFont>
-    <p:embeddedFont>
-      <p:font typeface="Open Sans Light Bold" charset="1" panose="020B0806030504020204"/>
-      <p:regular r:id="rId11"/>
-    </p:embeddedFont>
-    <p:embeddedFont>
-      <p:font typeface="Open Sans Light Italics" charset="1" panose="020B0306030504020204"/>
-      <p:regular r:id="rId12"/>
-    </p:embeddedFont>
-    <p:embeddedFont>
-      <p:font typeface="Open Sans Light Bold Italics" charset="1" panose="020B0806030504020204"/>
-      <p:regular r:id="rId13"/>
-    </p:embeddedFont>
-    <p:embeddedFont>
-      <p:font typeface="Open Sans" charset="1" panose="020B0606030504020204"/>
+      <p:font typeface="Open Sans" panose="020B0606030504020204" pitchFamily="34" charset="0"/>
       <p:regular r:id="rId14"/>
     </p:embeddedFont>
     <p:embeddedFont>
-      <p:font typeface="Open Sans Bold" charset="1" panose="020B0806030504020204"/>
+      <p:font typeface="Open Sans Extra Bold" panose="020B0604020202020204" charset="0"/>
       <p:regular r:id="rId15"/>
     </p:embeddedFont>
     <p:embeddedFont>
-      <p:font typeface="Open Sans Italics" charset="1" panose="020B0606030504020204"/>
+      <p:font typeface="Open Sans Light" panose="020B0306030504020204" pitchFamily="34" charset="0"/>
       <p:regular r:id="rId16"/>
+      <p:italic r:id="rId17"/>
     </p:embeddedFont>
     <p:embeddedFont>
-      <p:font typeface="Open Sans Bold Italics" charset="1" panose="020B0806030504020204"/>
-      <p:regular r:id="rId17"/>
-    </p:embeddedFont>
-    <p:embeddedFont>
-      <p:font typeface="Open Sans Extra Bold" charset="1" panose="020B0906030804020204"/>
+      <p:font typeface="Open Sans Light Bold" panose="020B0604020202020204" charset="0"/>
       <p:regular r:id="rId18"/>
-    </p:embeddedFont>
-    <p:embeddedFont>
-      <p:font typeface="Open Sans Extra Bold Italics" charset="1" panose="020B0906030804020204"/>
-      <p:regular r:id="rId19"/>
     </p:embeddedFont>
   </p:embeddedFontLst>
   <p:defaultTextStyle>
@@ -169,6 +137,22 @@
       </a:defRPr>
     </a:lvl9pPr>
   </p:defaultTextStyle>
+  <p:extLst>
+    <p:ext uri="{EFAFB233-063F-42B5-8137-9DF3F51BA10A}">
+      <p15:sldGuideLst xmlns:p15="http://schemas.microsoft.com/office/powerpoint/2012/main">
+        <p15:guide id="1" orient="horz" pos="2160">
+          <p15:clr>
+            <a:srgbClr val="A4A3A4"/>
+          </p15:clr>
+        </p15:guide>
+        <p15:guide id="2" pos="2880">
+          <p15:clr>
+            <a:srgbClr val="A4A3A4"/>
+          </p15:clr>
+        </p15:guide>
+      </p15:sldGuideLst>
+    </p:ext>
+  </p:extLst>
 </p:presentation>
 </file>
 
@@ -210,10 +194,9 @@
           <a:lstStyle/>
           <a:p>
             <a:r>
-              <a:rPr lang="en-US" smtClean="0"/>
+              <a:rPr lang="en-US"/>
               <a:t>Click to edit Master title style</a:t>
             </a:r>
-            <a:endParaRPr lang="en-US"/>
           </a:p>
         </p:txBody>
       </p:sp>
@@ -329,10 +312,9 @@
           </a:lstStyle>
           <a:p>
             <a:r>
-              <a:rPr lang="en-US" smtClean="0"/>
+              <a:rPr lang="en-US"/>
               <a:t>Click to edit Master subtitle style</a:t>
             </a:r>
-            <a:endParaRPr lang="en-US"/>
           </a:p>
         </p:txBody>
       </p:sp>
@@ -354,7 +336,7 @@
             <a:fld id="{1D8BD707-D9CF-40AE-B4C6-C98DA3205C09}" type="datetimeFigureOut">
               <a:rPr lang="en-US" smtClean="0"/>
               <a:pPr/>
-              <a:t>8/1/2011</a:t>
+              <a:t>11/22/2021</a:t>
             </a:fld>
             <a:endParaRPr lang="en-US"/>
           </a:p>
@@ -444,10 +426,9 @@
           <a:lstStyle/>
           <a:p>
             <a:r>
-              <a:rPr lang="en-US" smtClean="0"/>
+              <a:rPr lang="en-US"/>
               <a:t>Click to edit Master title style</a:t>
             </a:r>
-            <a:endParaRPr lang="en-US"/>
           </a:p>
         </p:txBody>
       </p:sp>
@@ -468,38 +449,37 @@
           <a:p>
             <a:pPr lvl="0"/>
             <a:r>
-              <a:rPr lang="en-US" smtClean="0"/>
+              <a:rPr lang="en-US"/>
               <a:t>Click to edit Master text styles</a:t>
             </a:r>
           </a:p>
           <a:p>
             <a:pPr lvl="1"/>
             <a:r>
-              <a:rPr lang="en-US" smtClean="0"/>
+              <a:rPr lang="en-US"/>
               <a:t>Second level</a:t>
             </a:r>
           </a:p>
           <a:p>
             <a:pPr lvl="2"/>
             <a:r>
-              <a:rPr lang="en-US" smtClean="0"/>
+              <a:rPr lang="en-US"/>
               <a:t>Third level</a:t>
             </a:r>
           </a:p>
           <a:p>
             <a:pPr lvl="3"/>
             <a:r>
-              <a:rPr lang="en-US" smtClean="0"/>
+              <a:rPr lang="en-US"/>
               <a:t>Fourth level</a:t>
             </a:r>
           </a:p>
           <a:p>
             <a:pPr lvl="4"/>
             <a:r>
-              <a:rPr lang="en-US" smtClean="0"/>
+              <a:rPr lang="en-US"/>
               <a:t>Fifth level</a:t>
             </a:r>
-            <a:endParaRPr lang="en-US"/>
           </a:p>
         </p:txBody>
       </p:sp>
@@ -521,7 +501,7 @@
             <a:fld id="{1D8BD707-D9CF-40AE-B4C6-C98DA3205C09}" type="datetimeFigureOut">
               <a:rPr lang="en-US" smtClean="0"/>
               <a:pPr/>
-              <a:t>8/1/2011</a:t>
+              <a:t>11/22/2021</a:t>
             </a:fld>
             <a:endParaRPr lang="en-US"/>
           </a:p>
@@ -616,10 +596,9 @@
           <a:lstStyle/>
           <a:p>
             <a:r>
-              <a:rPr lang="en-US" smtClean="0"/>
+              <a:rPr lang="en-US"/>
               <a:t>Click to edit Master title style</a:t>
             </a:r>
-            <a:endParaRPr lang="en-US"/>
           </a:p>
         </p:txBody>
       </p:sp>
@@ -645,38 +624,37 @@
           <a:p>
             <a:pPr lvl="0"/>
             <a:r>
-              <a:rPr lang="en-US" smtClean="0"/>
+              <a:rPr lang="en-US"/>
               <a:t>Click to edit Master text styles</a:t>
             </a:r>
           </a:p>
           <a:p>
             <a:pPr lvl="1"/>
             <a:r>
-              <a:rPr lang="en-US" smtClean="0"/>
+              <a:rPr lang="en-US"/>
               <a:t>Second level</a:t>
             </a:r>
           </a:p>
           <a:p>
             <a:pPr lvl="2"/>
             <a:r>
-              <a:rPr lang="en-US" smtClean="0"/>
+              <a:rPr lang="en-US"/>
               <a:t>Third level</a:t>
             </a:r>
           </a:p>
           <a:p>
             <a:pPr lvl="3"/>
             <a:r>
-              <a:rPr lang="en-US" smtClean="0"/>
+              <a:rPr lang="en-US"/>
               <a:t>Fourth level</a:t>
             </a:r>
           </a:p>
           <a:p>
             <a:pPr lvl="4"/>
             <a:r>
-              <a:rPr lang="en-US" smtClean="0"/>
+              <a:rPr lang="en-US"/>
               <a:t>Fifth level</a:t>
             </a:r>
-            <a:endParaRPr lang="en-US"/>
           </a:p>
         </p:txBody>
       </p:sp>
@@ -698,7 +676,7 @@
             <a:fld id="{1D8BD707-D9CF-40AE-B4C6-C98DA3205C09}" type="datetimeFigureOut">
               <a:rPr lang="en-US" smtClean="0"/>
               <a:pPr/>
-              <a:t>8/1/2011</a:t>
+              <a:t>11/22/2021</a:t>
             </a:fld>
             <a:endParaRPr lang="en-US"/>
           </a:p>
@@ -788,10 +766,9 @@
           <a:lstStyle/>
           <a:p>
             <a:r>
-              <a:rPr lang="en-US" smtClean="0"/>
+              <a:rPr lang="en-US"/>
               <a:t>Click to edit Master title style</a:t>
             </a:r>
-            <a:endParaRPr lang="en-US"/>
           </a:p>
         </p:txBody>
       </p:sp>
@@ -812,38 +789,37 @@
           <a:p>
             <a:pPr lvl="0"/>
             <a:r>
-              <a:rPr lang="en-US" smtClean="0"/>
+              <a:rPr lang="en-US"/>
               <a:t>Click to edit Master text styles</a:t>
             </a:r>
           </a:p>
           <a:p>
             <a:pPr lvl="1"/>
             <a:r>
-              <a:rPr lang="en-US" smtClean="0"/>
+              <a:rPr lang="en-US"/>
               <a:t>Second level</a:t>
             </a:r>
           </a:p>
           <a:p>
             <a:pPr lvl="2"/>
             <a:r>
-              <a:rPr lang="en-US" smtClean="0"/>
+              <a:rPr lang="en-US"/>
               <a:t>Third level</a:t>
             </a:r>
           </a:p>
           <a:p>
             <a:pPr lvl="3"/>
             <a:r>
-              <a:rPr lang="en-US" smtClean="0"/>
+              <a:rPr lang="en-US"/>
               <a:t>Fourth level</a:t>
             </a:r>
           </a:p>
           <a:p>
             <a:pPr lvl="4"/>
             <a:r>
-              <a:rPr lang="en-US" smtClean="0"/>
+              <a:rPr lang="en-US"/>
               <a:t>Fifth level</a:t>
             </a:r>
-            <a:endParaRPr lang="en-US"/>
           </a:p>
         </p:txBody>
       </p:sp>
@@ -865,7 +841,7 @@
             <a:fld id="{1D8BD707-D9CF-40AE-B4C6-C98DA3205C09}" type="datetimeFigureOut">
               <a:rPr lang="en-US" smtClean="0"/>
               <a:pPr/>
-              <a:t>8/1/2011</a:t>
+              <a:t>11/22/2021</a:t>
             </a:fld>
             <a:endParaRPr lang="en-US"/>
           </a:p>
@@ -964,10 +940,9 @@
           </a:lstStyle>
           <a:p>
             <a:r>
-              <a:rPr lang="en-US" smtClean="0"/>
+              <a:rPr lang="en-US"/>
               <a:t>Click to edit Master title style</a:t>
             </a:r>
-            <a:endParaRPr lang="en-US"/>
           </a:p>
         </p:txBody>
       </p:sp>
@@ -1084,7 +1059,7 @@
           <a:p>
             <a:pPr lvl="0"/>
             <a:r>
-              <a:rPr lang="en-US" smtClean="0"/>
+              <a:rPr lang="en-US"/>
               <a:t>Click to edit Master text styles</a:t>
             </a:r>
           </a:p>
@@ -1108,7 +1083,7 @@
             <a:fld id="{1D8BD707-D9CF-40AE-B4C6-C98DA3205C09}" type="datetimeFigureOut">
               <a:rPr lang="en-US" smtClean="0"/>
               <a:pPr/>
-              <a:t>8/1/2011</a:t>
+              <a:t>11/22/2021</a:t>
             </a:fld>
             <a:endParaRPr lang="en-US"/>
           </a:p>
@@ -1198,10 +1173,9 @@
           <a:lstStyle/>
           <a:p>
             <a:r>
-              <a:rPr lang="en-US" smtClean="0"/>
+              <a:rPr lang="en-US"/>
               <a:t>Click to edit Master title style</a:t>
             </a:r>
-            <a:endParaRPr lang="en-US"/>
           </a:p>
         </p:txBody>
       </p:sp>
@@ -1255,38 +1229,37 @@
           <a:p>
             <a:pPr lvl="0"/>
             <a:r>
-              <a:rPr lang="en-US" smtClean="0"/>
+              <a:rPr lang="en-US"/>
               <a:t>Click to edit Master text styles</a:t>
             </a:r>
           </a:p>
           <a:p>
             <a:pPr lvl="1"/>
             <a:r>
-              <a:rPr lang="en-US" smtClean="0"/>
+              <a:rPr lang="en-US"/>
               <a:t>Second level</a:t>
             </a:r>
           </a:p>
           <a:p>
             <a:pPr lvl="2"/>
             <a:r>
-              <a:rPr lang="en-US" smtClean="0"/>
+              <a:rPr lang="en-US"/>
               <a:t>Third level</a:t>
             </a:r>
           </a:p>
           <a:p>
             <a:pPr lvl="3"/>
             <a:r>
-              <a:rPr lang="en-US" smtClean="0"/>
+              <a:rPr lang="en-US"/>
               <a:t>Fourth level</a:t>
             </a:r>
           </a:p>
           <a:p>
             <a:pPr lvl="4"/>
             <a:r>
-              <a:rPr lang="en-US" smtClean="0"/>
+              <a:rPr lang="en-US"/>
               <a:t>Fifth level</a:t>
             </a:r>
-            <a:endParaRPr lang="en-US"/>
           </a:p>
         </p:txBody>
       </p:sp>
@@ -1340,38 +1313,37 @@
           <a:p>
             <a:pPr lvl="0"/>
             <a:r>
-              <a:rPr lang="en-US" smtClean="0"/>
+              <a:rPr lang="en-US"/>
               <a:t>Click to edit Master text styles</a:t>
             </a:r>
           </a:p>
           <a:p>
             <a:pPr lvl="1"/>
             <a:r>
-              <a:rPr lang="en-US" smtClean="0"/>
+              <a:rPr lang="en-US"/>
               <a:t>Second level</a:t>
             </a:r>
           </a:p>
           <a:p>
             <a:pPr lvl="2"/>
             <a:r>
-              <a:rPr lang="en-US" smtClean="0"/>
+              <a:rPr lang="en-US"/>
               <a:t>Third level</a:t>
             </a:r>
           </a:p>
           <a:p>
             <a:pPr lvl="3"/>
             <a:r>
-              <a:rPr lang="en-US" smtClean="0"/>
+              <a:rPr lang="en-US"/>
               <a:t>Fourth level</a:t>
             </a:r>
           </a:p>
           <a:p>
             <a:pPr lvl="4"/>
             <a:r>
-              <a:rPr lang="en-US" smtClean="0"/>
+              <a:rPr lang="en-US"/>
               <a:t>Fifth level</a:t>
             </a:r>
-            <a:endParaRPr lang="en-US"/>
           </a:p>
         </p:txBody>
       </p:sp>
@@ -1393,7 +1365,7 @@
             <a:fld id="{1D8BD707-D9CF-40AE-B4C6-C98DA3205C09}" type="datetimeFigureOut">
               <a:rPr lang="en-US" smtClean="0"/>
               <a:pPr/>
-              <a:t>8/1/2011</a:t>
+              <a:t>11/22/2021</a:t>
             </a:fld>
             <a:endParaRPr lang="en-US"/>
           </a:p>
@@ -1487,10 +1459,9 @@
           </a:lstStyle>
           <a:p>
             <a:r>
-              <a:rPr lang="en-US" smtClean="0"/>
+              <a:rPr lang="en-US"/>
               <a:t>Click to edit Master title style</a:t>
             </a:r>
-            <a:endParaRPr lang="en-US"/>
           </a:p>
         </p:txBody>
       </p:sp>
@@ -1553,7 +1524,7 @@
           <a:p>
             <a:pPr lvl="0"/>
             <a:r>
-              <a:rPr lang="en-US" smtClean="0"/>
+              <a:rPr lang="en-US"/>
               <a:t>Click to edit Master text styles</a:t>
             </a:r>
           </a:p>
@@ -1609,38 +1580,37 @@
           <a:p>
             <a:pPr lvl="0"/>
             <a:r>
-              <a:rPr lang="en-US" smtClean="0"/>
+              <a:rPr lang="en-US"/>
               <a:t>Click to edit Master text styles</a:t>
             </a:r>
           </a:p>
           <a:p>
             <a:pPr lvl="1"/>
             <a:r>
-              <a:rPr lang="en-US" smtClean="0"/>
+              <a:rPr lang="en-US"/>
               <a:t>Second level</a:t>
             </a:r>
           </a:p>
           <a:p>
             <a:pPr lvl="2"/>
             <a:r>
-              <a:rPr lang="en-US" smtClean="0"/>
+              <a:rPr lang="en-US"/>
               <a:t>Third level</a:t>
             </a:r>
           </a:p>
           <a:p>
             <a:pPr lvl="3"/>
             <a:r>
-              <a:rPr lang="en-US" smtClean="0"/>
+              <a:rPr lang="en-US"/>
               <a:t>Fourth level</a:t>
             </a:r>
           </a:p>
           <a:p>
             <a:pPr lvl="4"/>
             <a:r>
-              <a:rPr lang="en-US" smtClean="0"/>
+              <a:rPr lang="en-US"/>
               <a:t>Fifth level</a:t>
             </a:r>
-            <a:endParaRPr lang="en-US"/>
           </a:p>
         </p:txBody>
       </p:sp>
@@ -1703,7 +1673,7 @@
           <a:p>
             <a:pPr lvl="0"/>
             <a:r>
-              <a:rPr lang="en-US" smtClean="0"/>
+              <a:rPr lang="en-US"/>
               <a:t>Click to edit Master text styles</a:t>
             </a:r>
           </a:p>
@@ -1759,38 +1729,37 @@
           <a:p>
             <a:pPr lvl="0"/>
             <a:r>
-              <a:rPr lang="en-US" smtClean="0"/>
+              <a:rPr lang="en-US"/>
               <a:t>Click to edit Master text styles</a:t>
             </a:r>
           </a:p>
           <a:p>
             <a:pPr lvl="1"/>
             <a:r>
-              <a:rPr lang="en-US" smtClean="0"/>
+              <a:rPr lang="en-US"/>
               <a:t>Second level</a:t>
             </a:r>
           </a:p>
           <a:p>
             <a:pPr lvl="2"/>
             <a:r>
-              <a:rPr lang="en-US" smtClean="0"/>
+              <a:rPr lang="en-US"/>
               <a:t>Third level</a:t>
             </a:r>
           </a:p>
           <a:p>
             <a:pPr lvl="3"/>
             <a:r>
-              <a:rPr lang="en-US" smtClean="0"/>
+              <a:rPr lang="en-US"/>
               <a:t>Fourth level</a:t>
             </a:r>
           </a:p>
           <a:p>
             <a:pPr lvl="4"/>
             <a:r>
-              <a:rPr lang="en-US" smtClean="0"/>
+              <a:rPr lang="en-US"/>
               <a:t>Fifth level</a:t>
             </a:r>
-            <a:endParaRPr lang="en-US"/>
           </a:p>
         </p:txBody>
       </p:sp>
@@ -1812,7 +1781,7 @@
             <a:fld id="{1D8BD707-D9CF-40AE-B4C6-C98DA3205C09}" type="datetimeFigureOut">
               <a:rPr lang="en-US" smtClean="0"/>
               <a:pPr/>
-              <a:t>8/1/2011</a:t>
+              <a:t>11/22/2021</a:t>
             </a:fld>
             <a:endParaRPr lang="en-US"/>
           </a:p>
@@ -1902,10 +1871,9 @@
           <a:lstStyle/>
           <a:p>
             <a:r>
-              <a:rPr lang="en-US" smtClean="0"/>
+              <a:rPr lang="en-US"/>
               <a:t>Click to edit Master title style</a:t>
             </a:r>
-            <a:endParaRPr lang="en-US"/>
           </a:p>
         </p:txBody>
       </p:sp>
@@ -1927,7 +1895,7 @@
             <a:fld id="{1D8BD707-D9CF-40AE-B4C6-C98DA3205C09}" type="datetimeFigureOut">
               <a:rPr lang="en-US" smtClean="0"/>
               <a:pPr/>
-              <a:t>8/1/2011</a:t>
+              <a:t>11/22/2021</a:t>
             </a:fld>
             <a:endParaRPr lang="en-US"/>
           </a:p>
@@ -2019,7 +1987,7 @@
             <a:fld id="{1D8BD707-D9CF-40AE-B4C6-C98DA3205C09}" type="datetimeFigureOut">
               <a:rPr lang="en-US" smtClean="0"/>
               <a:pPr/>
-              <a:t>8/1/2011</a:t>
+              <a:t>11/22/2021</a:t>
             </a:fld>
             <a:endParaRPr lang="en-US"/>
           </a:p>
@@ -2118,10 +2086,9 @@
           </a:lstStyle>
           <a:p>
             <a:r>
-              <a:rPr lang="en-US" smtClean="0"/>
+              <a:rPr lang="en-US"/>
               <a:t>Click to edit Master title style</a:t>
             </a:r>
-            <a:endParaRPr lang="en-US"/>
           </a:p>
         </p:txBody>
       </p:sp>
@@ -2175,38 +2142,37 @@
           <a:p>
             <a:pPr lvl="0"/>
             <a:r>
-              <a:rPr lang="en-US" smtClean="0"/>
+              <a:rPr lang="en-US"/>
               <a:t>Click to edit Master text styles</a:t>
             </a:r>
           </a:p>
           <a:p>
             <a:pPr lvl="1"/>
             <a:r>
-              <a:rPr lang="en-US" smtClean="0"/>
+              <a:rPr lang="en-US"/>
               <a:t>Second level</a:t>
             </a:r>
           </a:p>
           <a:p>
             <a:pPr lvl="2"/>
             <a:r>
-              <a:rPr lang="en-US" smtClean="0"/>
+              <a:rPr lang="en-US"/>
               <a:t>Third level</a:t>
             </a:r>
           </a:p>
           <a:p>
             <a:pPr lvl="3"/>
             <a:r>
-              <a:rPr lang="en-US" smtClean="0"/>
+              <a:rPr lang="en-US"/>
               <a:t>Fourth level</a:t>
             </a:r>
           </a:p>
           <a:p>
             <a:pPr lvl="4"/>
             <a:r>
-              <a:rPr lang="en-US" smtClean="0"/>
+              <a:rPr lang="en-US"/>
               <a:t>Fifth level</a:t>
             </a:r>
-            <a:endParaRPr lang="en-US"/>
           </a:p>
         </p:txBody>
       </p:sp>
@@ -2269,7 +2235,7 @@
           <a:p>
             <a:pPr lvl="0"/>
             <a:r>
-              <a:rPr lang="en-US" smtClean="0"/>
+              <a:rPr lang="en-US"/>
               <a:t>Click to edit Master text styles</a:t>
             </a:r>
           </a:p>
@@ -2293,7 +2259,7 @@
             <a:fld id="{1D8BD707-D9CF-40AE-B4C6-C98DA3205C09}" type="datetimeFigureOut">
               <a:rPr lang="en-US" smtClean="0"/>
               <a:pPr/>
-              <a:t>8/1/2011</a:t>
+              <a:t>11/22/2021</a:t>
             </a:fld>
             <a:endParaRPr lang="en-US"/>
           </a:p>
@@ -2392,10 +2358,9 @@
           </a:lstStyle>
           <a:p>
             <a:r>
-              <a:rPr lang="en-US" smtClean="0"/>
+              <a:rPr lang="en-US"/>
               <a:t>Click to edit Master title style</a:t>
             </a:r>
-            <a:endParaRPr lang="en-US"/>
           </a:p>
         </p:txBody>
       </p:sp>
@@ -2519,7 +2484,7 @@
           <a:p>
             <a:pPr lvl="0"/>
             <a:r>
-              <a:rPr lang="en-US" smtClean="0"/>
+              <a:rPr lang="en-US"/>
               <a:t>Click to edit Master text styles</a:t>
             </a:r>
           </a:p>
@@ -2543,7 +2508,7 @@
             <a:fld id="{1D8BD707-D9CF-40AE-B4C6-C98DA3205C09}" type="datetimeFigureOut">
               <a:rPr lang="en-US" smtClean="0"/>
               <a:pPr/>
-              <a:t>8/1/2011</a:t>
+              <a:t>11/22/2021</a:t>
             </a:fld>
             <a:endParaRPr lang="en-US"/>
           </a:p>
@@ -2648,10 +2613,9 @@
           <a:lstStyle/>
           <a:p>
             <a:r>
-              <a:rPr lang="en-US" smtClean="0"/>
+              <a:rPr lang="en-US"/>
               <a:t>Click to edit Master title style</a:t>
             </a:r>
-            <a:endParaRPr lang="en-US"/>
           </a:p>
         </p:txBody>
       </p:sp>
@@ -2682,38 +2646,37 @@
           <a:p>
             <a:pPr lvl="0"/>
             <a:r>
-              <a:rPr lang="en-US" smtClean="0"/>
+              <a:rPr lang="en-US"/>
               <a:t>Click to edit Master text styles</a:t>
             </a:r>
           </a:p>
           <a:p>
             <a:pPr lvl="1"/>
             <a:r>
-              <a:rPr lang="en-US" smtClean="0"/>
+              <a:rPr lang="en-US"/>
               <a:t>Second level</a:t>
             </a:r>
           </a:p>
           <a:p>
             <a:pPr lvl="2"/>
             <a:r>
-              <a:rPr lang="en-US" smtClean="0"/>
+              <a:rPr lang="en-US"/>
               <a:t>Third level</a:t>
             </a:r>
           </a:p>
           <a:p>
             <a:pPr lvl="3"/>
             <a:r>
-              <a:rPr lang="en-US" smtClean="0"/>
+              <a:rPr lang="en-US"/>
               <a:t>Fourth level</a:t>
             </a:r>
           </a:p>
           <a:p>
             <a:pPr lvl="4"/>
             <a:r>
-              <a:rPr lang="en-US" smtClean="0"/>
+              <a:rPr lang="en-US"/>
               <a:t>Fifth level</a:t>
             </a:r>
-            <a:endParaRPr lang="en-US"/>
           </a:p>
         </p:txBody>
       </p:sp>
@@ -2753,7 +2716,7 @@
             <a:fld id="{1D8BD707-D9CF-40AE-B4C6-C98DA3205C09}" type="datetimeFigureOut">
               <a:rPr lang="en-US" smtClean="0"/>
               <a:pPr/>
-              <a:t>8/1/2011</a:t>
+              <a:t>11/22/2021</a:t>
             </a:fld>
             <a:endParaRPr lang="en-US"/>
           </a:p>
@@ -3108,13 +3071,14 @@
 </file>
 
 <file path=ppt/slides/slide1.xml><?xml version="1.0" encoding="utf-8"?>
-<p:sld xmlns:p="http://schemas.openxmlformats.org/presentationml/2006/main" xmlns:a="http://schemas.openxmlformats.org/drawingml/2006/main" xmlns:r="http://schemas.openxmlformats.org/officeDocument/2006/relationships">
+<p:sld xmlns:a="http://schemas.openxmlformats.org/drawingml/2006/main" xmlns:r="http://schemas.openxmlformats.org/officeDocument/2006/relationships" xmlns:p="http://schemas.openxmlformats.org/presentationml/2006/main">
   <p:cSld>
     <p:bg>
       <p:bgPr>
         <a:solidFill>
           <a:srgbClr val="FF914D"/>
         </a:solidFill>
+        <a:effectLst/>
       </p:bgPr>
     </p:bg>
     <p:spTree>
@@ -3133,12 +3097,12 @@
       </p:grpSpPr>
       <p:grpSp>
         <p:nvGrpSpPr>
-          <p:cNvPr name="Group 2" id="2"/>
+          <p:cNvPr id="2" name="Group 2"/>
           <p:cNvGrpSpPr/>
           <p:nvPr/>
         </p:nvGrpSpPr>
         <p:grpSpPr>
-          <a:xfrm rot="0">
+          <a:xfrm>
             <a:off x="0" y="0"/>
             <a:ext cx="6502854" cy="10287000"/>
             <a:chOff x="0" y="0"/>
@@ -3147,7 +3111,7 @@
         </p:grpSpPr>
         <p:sp>
           <p:nvSpPr>
-            <p:cNvPr name="Freeform 3" id="3"/>
+            <p:cNvPr id="3" name="Freeform 3"/>
             <p:cNvSpPr/>
             <p:nvPr/>
           </p:nvSpPr>
@@ -3161,9 +3125,9 @@
               <a:gdLst/>
               <a:ahLst/>
               <a:cxnLst/>
-              <a:rect r="r" b="b" t="t" l="l"/>
+              <a:rect l="l" t="t" r="r" b="b"/>
               <a:pathLst>
-                <a:path h="3479800" w="2199731">
+                <a:path w="2199731" h="3479800">
                   <a:moveTo>
                     <a:pt x="0" y="0"/>
                   </a:moveTo>
@@ -3188,9 +3152,9 @@
       </p:grpSp>
       <p:pic>
         <p:nvPicPr>
-          <p:cNvPr name="Picture 4" id="4"/>
+          <p:cNvPr id="4" name="Picture 4"/>
           <p:cNvPicPr>
-            <a:picLocks noChangeAspect="true"/>
+            <a:picLocks noChangeAspect="1"/>
           </p:cNvPicPr>
           <p:nvPr/>
         </p:nvPicPr>
@@ -3205,13 +3169,13 @@
               </a:ext>
             </a:extLst>
           </a:blip>
-          <a:srcRect l="0" t="0" r="0" b="0"/>
+          <a:srcRect/>
           <a:stretch>
             <a:fillRect/>
           </a:stretch>
         </p:blipFill>
         <p:spPr>
-          <a:xfrm flipH="false" flipV="false" rot="0">
+          <a:xfrm>
             <a:off x="1280064" y="1714500"/>
             <a:ext cx="3942727" cy="4114800"/>
           </a:xfrm>
@@ -3222,12 +3186,12 @@
       </p:pic>
       <p:sp>
         <p:nvSpPr>
-          <p:cNvPr name="TextBox 5" id="5"/>
-          <p:cNvSpPr txBox="true"/>
+          <p:cNvPr id="5" name="TextBox 5"/>
+          <p:cNvSpPr txBox="1"/>
           <p:nvPr/>
         </p:nvSpPr>
         <p:spPr>
-          <a:xfrm rot="0">
+          <a:xfrm>
             <a:off x="7834568" y="3904615"/>
             <a:ext cx="8823722" cy="1533525"/>
           </a:xfrm>
@@ -3236,7 +3200,7 @@
           </a:prstGeom>
         </p:spPr>
         <p:txBody>
-          <a:bodyPr anchor="t" rtlCol="false" tIns="0" lIns="0" bIns="0" rIns="0">
+          <a:bodyPr lIns="0" tIns="0" rIns="0" bIns="0" rtlCol="0" anchor="t">
             <a:spAutoFit/>
           </a:bodyPr>
           <a:lstStyle/>
@@ -3260,12 +3224,12 @@
       </p:sp>
       <p:sp>
         <p:nvSpPr>
-          <p:cNvPr name="TextBox 6" id="6"/>
-          <p:cNvSpPr txBox="true"/>
+          <p:cNvPr id="6" name="TextBox 6"/>
+          <p:cNvSpPr txBox="1"/>
           <p:nvPr/>
         </p:nvSpPr>
         <p:spPr>
-          <a:xfrm rot="0">
+          <a:xfrm>
             <a:off x="7834568" y="5342890"/>
             <a:ext cx="8823722" cy="877570"/>
           </a:xfrm>
@@ -3274,7 +3238,7 @@
           </a:prstGeom>
         </p:spPr>
         <p:txBody>
-          <a:bodyPr anchor="t" rtlCol="false" tIns="0" lIns="0" bIns="0" rIns="0">
+          <a:bodyPr lIns="0" tIns="0" rIns="0" bIns="0" rtlCol="0" anchor="t">
             <a:spAutoFit/>
           </a:bodyPr>
           <a:lstStyle/>
@@ -3298,12 +3262,12 @@
       </p:sp>
       <p:sp>
         <p:nvSpPr>
-          <p:cNvPr name="TextBox 7" id="7"/>
-          <p:cNvSpPr txBox="true"/>
+          <p:cNvPr id="7" name="TextBox 7"/>
+          <p:cNvSpPr txBox="1"/>
           <p:nvPr/>
         </p:nvSpPr>
         <p:spPr>
-          <a:xfrm rot="0">
+          <a:xfrm>
             <a:off x="1698483" y="6360020"/>
             <a:ext cx="3681264" cy="2380615"/>
           </a:xfrm>
@@ -3312,7 +3276,7 @@
           </a:prstGeom>
         </p:spPr>
         <p:txBody>
-          <a:bodyPr anchor="t" rtlCol="false" tIns="0" lIns="0" bIns="0" rIns="0">
+          <a:bodyPr lIns="0" tIns="0" rIns="0" bIns="0" rtlCol="0" anchor="t">
             <a:spAutoFit/>
           </a:bodyPr>
           <a:lstStyle/>
@@ -3384,12 +3348,12 @@
       </p:sp>
       <p:sp>
         <p:nvSpPr>
-          <p:cNvPr name="TextBox 8" id="8"/>
-          <p:cNvSpPr txBox="true"/>
+          <p:cNvPr id="8" name="TextBox 8"/>
+          <p:cNvSpPr txBox="1"/>
           <p:nvPr/>
         </p:nvSpPr>
         <p:spPr>
-          <a:xfrm rot="0">
+          <a:xfrm>
             <a:off x="13793242" y="448310"/>
             <a:ext cx="3718471" cy="580390"/>
           </a:xfrm>
@@ -3398,7 +3362,7 @@
           </a:prstGeom>
         </p:spPr>
         <p:txBody>
-          <a:bodyPr anchor="t" rtlCol="false" tIns="0" lIns="0" bIns="0" rIns="0">
+          <a:bodyPr lIns="0" tIns="0" rIns="0" bIns="0" rtlCol="0" anchor="t">
             <a:spAutoFit/>
           </a:bodyPr>
           <a:lstStyle/>
@@ -3422,12 +3386,12 @@
       </p:sp>
       <p:grpSp>
         <p:nvGrpSpPr>
-          <p:cNvPr name="Group 9" id="9"/>
+          <p:cNvPr id="9" name="Group 9"/>
           <p:cNvGrpSpPr/>
           <p:nvPr/>
         </p:nvGrpSpPr>
         <p:grpSpPr>
-          <a:xfrm rot="0">
+          <a:xfrm>
             <a:off x="16658290" y="8740635"/>
             <a:ext cx="1289957" cy="1289957"/>
             <a:chOff x="0" y="0"/>
@@ -3436,12 +3400,12 @@
         </p:grpSpPr>
         <p:grpSp>
           <p:nvGrpSpPr>
-            <p:cNvPr name="Group 10" id="10"/>
+            <p:cNvPr id="10" name="Group 10"/>
             <p:cNvGrpSpPr/>
             <p:nvPr/>
           </p:nvGrpSpPr>
           <p:grpSpPr>
-            <a:xfrm rot="0">
+            <a:xfrm>
               <a:off x="0" y="0"/>
               <a:ext cx="1719943" cy="1719943"/>
               <a:chOff x="0" y="0"/>
@@ -3450,7 +3414,7 @@
           </p:grpSpPr>
           <p:sp>
             <p:nvSpPr>
-              <p:cNvPr name="Freeform 11" id="11"/>
+              <p:cNvPr id="11" name="Freeform 11"/>
               <p:cNvSpPr/>
               <p:nvPr/>
             </p:nvSpPr>
@@ -3464,9 +3428,9 @@
                 <a:gdLst/>
                 <a:ahLst/>
                 <a:cxnLst/>
-                <a:rect r="r" b="b" t="t" l="l"/>
+                <a:rect l="l" t="t" r="r" b="b"/>
                 <a:pathLst>
-                  <a:path h="6350000" w="6321665">
+                  <a:path w="6321665" h="6350000">
                     <a:moveTo>
                       <a:pt x="3160833" y="0"/>
                     </a:moveTo>
@@ -3505,12 +3469,12 @@
         </p:grpSp>
         <p:sp>
           <p:nvSpPr>
-            <p:cNvPr name="TextBox 12" id="12"/>
-            <p:cNvSpPr txBox="true"/>
+            <p:cNvPr id="12" name="TextBox 12"/>
+            <p:cNvSpPr txBox="1"/>
             <p:nvPr/>
           </p:nvSpPr>
           <p:spPr>
-            <a:xfrm rot="0">
+            <a:xfrm>
               <a:off x="696856" y="450820"/>
               <a:ext cx="326231" cy="751628"/>
             </a:xfrm>
@@ -3519,7 +3483,7 @@
             </a:prstGeom>
           </p:spPr>
           <p:txBody>
-            <a:bodyPr anchor="t" rtlCol="false" tIns="0" lIns="0" bIns="0" rIns="0">
+            <a:bodyPr lIns="0" tIns="0" rIns="0" bIns="0" rtlCol="0" anchor="t">
               <a:spAutoFit/>
             </a:bodyPr>
             <a:lstStyle/>
@@ -3551,13 +3515,14 @@
 </file>
 
 <file path=ppt/slides/slide2.xml><?xml version="1.0" encoding="utf-8"?>
-<p:sld xmlns:p="http://schemas.openxmlformats.org/presentationml/2006/main" xmlns:a="http://schemas.openxmlformats.org/drawingml/2006/main">
+<p:sld xmlns:a="http://schemas.openxmlformats.org/drawingml/2006/main" xmlns:r="http://schemas.openxmlformats.org/officeDocument/2006/relationships" xmlns:p="http://schemas.openxmlformats.org/presentationml/2006/main">
   <p:cSld>
     <p:bg>
       <p:bgPr>
         <a:solidFill>
           <a:srgbClr val="FF914D"/>
         </a:solidFill>
+        <a:effectLst/>
       </p:bgPr>
     </p:bg>
     <p:spTree>
@@ -3576,12 +3541,12 @@
       </p:grpSpPr>
       <p:grpSp>
         <p:nvGrpSpPr>
-          <p:cNvPr name="Group 2" id="2"/>
+          <p:cNvPr id="2" name="Group 2"/>
           <p:cNvGrpSpPr/>
           <p:nvPr/>
         </p:nvGrpSpPr>
         <p:grpSpPr>
-          <a:xfrm rot="0">
+          <a:xfrm>
             <a:off x="8629650" y="0"/>
             <a:ext cx="9658350" cy="10287000"/>
             <a:chOff x="0" y="0"/>
@@ -3590,7 +3555,7 @@
         </p:grpSpPr>
         <p:sp>
           <p:nvSpPr>
-            <p:cNvPr name="Freeform 3" id="3"/>
+            <p:cNvPr id="3" name="Freeform 3"/>
             <p:cNvSpPr/>
             <p:nvPr/>
           </p:nvSpPr>
@@ -3604,9 +3569,9 @@
               <a:gdLst/>
               <a:ahLst/>
               <a:cxnLst/>
-              <a:rect r="r" b="b" t="t" l="l"/>
+              <a:rect l="l" t="t" r="r" b="b"/>
               <a:pathLst>
-                <a:path h="3479800" w="3267146">
+                <a:path w="3267146" h="3479800">
                   <a:moveTo>
                     <a:pt x="0" y="0"/>
                   </a:moveTo>
@@ -3631,12 +3596,12 @@
       </p:grpSp>
       <p:grpSp>
         <p:nvGrpSpPr>
-          <p:cNvPr name="Group 4" id="4"/>
+          <p:cNvPr id="4" name="Group 4"/>
           <p:cNvGrpSpPr/>
           <p:nvPr/>
         </p:nvGrpSpPr>
         <p:grpSpPr>
-          <a:xfrm rot="0">
+          <a:xfrm>
             <a:off x="16648765" y="8740635"/>
             <a:ext cx="1289957" cy="1289957"/>
             <a:chOff x="0" y="0"/>
@@ -3645,12 +3610,12 @@
         </p:grpSpPr>
         <p:grpSp>
           <p:nvGrpSpPr>
-            <p:cNvPr name="Group 5" id="5"/>
+            <p:cNvPr id="5" name="Group 5"/>
             <p:cNvGrpSpPr/>
             <p:nvPr/>
           </p:nvGrpSpPr>
           <p:grpSpPr>
-            <a:xfrm rot="0">
+            <a:xfrm>
               <a:off x="0" y="0"/>
               <a:ext cx="1719943" cy="1719943"/>
               <a:chOff x="0" y="0"/>
@@ -3659,7 +3624,7 @@
           </p:grpSpPr>
           <p:sp>
             <p:nvSpPr>
-              <p:cNvPr name="Freeform 6" id="6"/>
+              <p:cNvPr id="6" name="Freeform 6"/>
               <p:cNvSpPr/>
               <p:nvPr/>
             </p:nvSpPr>
@@ -3673,9 +3638,9 @@
                 <a:gdLst/>
                 <a:ahLst/>
                 <a:cxnLst/>
-                <a:rect r="r" b="b" t="t" l="l"/>
+                <a:rect l="l" t="t" r="r" b="b"/>
                 <a:pathLst>
-                  <a:path h="6350000" w="6321665">
+                  <a:path w="6321665" h="6350000">
                     <a:moveTo>
                       <a:pt x="3160833" y="0"/>
                     </a:moveTo>
@@ -3714,12 +3679,12 @@
         </p:grpSp>
         <p:sp>
           <p:nvSpPr>
-            <p:cNvPr name="TextBox 7" id="7"/>
-            <p:cNvSpPr txBox="true"/>
+            <p:cNvPr id="7" name="TextBox 7"/>
+            <p:cNvSpPr txBox="1"/>
             <p:nvPr/>
           </p:nvSpPr>
           <p:spPr>
-            <a:xfrm rot="0">
+            <a:xfrm>
               <a:off x="696856" y="450820"/>
               <a:ext cx="326231" cy="751628"/>
             </a:xfrm>
@@ -3728,7 +3693,7 @@
             </a:prstGeom>
           </p:spPr>
           <p:txBody>
-            <a:bodyPr anchor="t" rtlCol="false" tIns="0" lIns="0" bIns="0" rIns="0">
+            <a:bodyPr lIns="0" tIns="0" rIns="0" bIns="0" rtlCol="0" anchor="t">
               <a:spAutoFit/>
             </a:bodyPr>
             <a:lstStyle/>
@@ -3753,12 +3718,12 @@
       </p:grpSp>
       <p:sp>
         <p:nvSpPr>
-          <p:cNvPr name="TextBox 8" id="8"/>
-          <p:cNvSpPr txBox="true"/>
+          <p:cNvPr id="8" name="TextBox 8"/>
+          <p:cNvSpPr txBox="1"/>
           <p:nvPr/>
         </p:nvSpPr>
         <p:spPr>
-          <a:xfrm rot="0">
+          <a:xfrm>
             <a:off x="330080" y="516256"/>
             <a:ext cx="8070205" cy="920113"/>
           </a:xfrm>
@@ -3767,7 +3732,7 @@
           </a:prstGeom>
         </p:spPr>
         <p:txBody>
-          <a:bodyPr anchor="t" rtlCol="false" tIns="0" lIns="0" bIns="0" rIns="0">
+          <a:bodyPr lIns="0" tIns="0" rIns="0" bIns="0" rtlCol="0" anchor="t">
             <a:spAutoFit/>
           </a:bodyPr>
           <a:lstStyle/>
@@ -3791,12 +3756,12 @@
       </p:sp>
       <p:sp>
         <p:nvSpPr>
-          <p:cNvPr name="TextBox 9" id="9"/>
-          <p:cNvSpPr txBox="true"/>
+          <p:cNvPr id="9" name="TextBox 9"/>
+          <p:cNvSpPr txBox="1"/>
           <p:nvPr/>
         </p:nvSpPr>
         <p:spPr>
-          <a:xfrm rot="0">
+          <a:xfrm>
             <a:off x="615830" y="1884589"/>
             <a:ext cx="3162895" cy="877570"/>
           </a:xfrm>
@@ -3805,7 +3770,7 @@
           </a:prstGeom>
         </p:spPr>
         <p:txBody>
-          <a:bodyPr anchor="t" rtlCol="false" tIns="0" lIns="0" bIns="0" rIns="0">
+          <a:bodyPr lIns="0" tIns="0" rIns="0" bIns="0" rtlCol="0" anchor="t">
             <a:spAutoFit/>
           </a:bodyPr>
           <a:lstStyle/>
@@ -3829,21 +3794,21 @@
       </p:sp>
       <p:sp>
         <p:nvSpPr>
-          <p:cNvPr name="TextBox 10" id="10"/>
-          <p:cNvSpPr txBox="true"/>
+          <p:cNvPr id="10" name="TextBox 10"/>
+          <p:cNvSpPr txBox="1"/>
           <p:nvPr/>
         </p:nvSpPr>
         <p:spPr>
-          <a:xfrm rot="0">
+          <a:xfrm>
             <a:off x="9144000" y="1884589"/>
-            <a:ext cx="2853928" cy="877570"/>
+            <a:ext cx="3733800" cy="877570"/>
           </a:xfrm>
           <a:prstGeom prst="rect">
             <a:avLst/>
           </a:prstGeom>
         </p:spPr>
         <p:txBody>
-          <a:bodyPr anchor="t" rtlCol="false" tIns="0" lIns="0" bIns="0" rIns="0">
+          <a:bodyPr wrap="square" lIns="0" tIns="0" rIns="0" bIns="0" rtlCol="0" anchor="t">
             <a:spAutoFit/>
           </a:bodyPr>
           <a:lstStyle/>
@@ -3854,7 +3819,7 @@
               </a:lnSpc>
             </a:pPr>
             <a:r>
-              <a:rPr lang="en-US" sz="5199">
+              <a:rPr lang="en-US" sz="5199" dirty="0">
                 <a:solidFill>
                   <a:srgbClr val="FFFFFF"/>
                 </a:solidFill>
@@ -3867,12 +3832,12 @@
       </p:sp>
       <p:sp>
         <p:nvSpPr>
-          <p:cNvPr name="TextBox 11" id="11"/>
-          <p:cNvSpPr txBox="true"/>
+          <p:cNvPr id="11" name="TextBox 11"/>
+          <p:cNvSpPr txBox="1"/>
           <p:nvPr/>
         </p:nvSpPr>
         <p:spPr>
-          <a:xfrm rot="0">
+          <a:xfrm>
             <a:off x="10570964" y="6172418"/>
             <a:ext cx="6591300" cy="463314"/>
           </a:xfrm>
@@ -3881,7 +3846,7 @@
           </a:prstGeom>
         </p:spPr>
         <p:txBody>
-          <a:bodyPr anchor="t" rtlCol="false" tIns="0" lIns="0" bIns="0" rIns="0">
+          <a:bodyPr lIns="0" tIns="0" rIns="0" bIns="0" rtlCol="0" anchor="t">
             <a:spAutoFit/>
           </a:bodyPr>
           <a:lstStyle/>
@@ -3905,12 +3870,12 @@
       </p:sp>
       <p:grpSp>
         <p:nvGrpSpPr>
-          <p:cNvPr name="Group 12" id="12"/>
+          <p:cNvPr id="12" name="Group 12"/>
           <p:cNvGrpSpPr/>
           <p:nvPr/>
         </p:nvGrpSpPr>
         <p:grpSpPr>
-          <a:xfrm rot="0">
+          <a:xfrm>
             <a:off x="383721" y="3976007"/>
             <a:ext cx="1289957" cy="1289957"/>
             <a:chOff x="0" y="0"/>
@@ -3919,12 +3884,12 @@
         </p:grpSpPr>
         <p:grpSp>
           <p:nvGrpSpPr>
-            <p:cNvPr name="Group 13" id="13"/>
+            <p:cNvPr id="13" name="Group 13"/>
             <p:cNvGrpSpPr/>
             <p:nvPr/>
           </p:nvGrpSpPr>
           <p:grpSpPr>
-            <a:xfrm rot="0">
+            <a:xfrm>
               <a:off x="0" y="0"/>
               <a:ext cx="1719943" cy="1719943"/>
               <a:chOff x="0" y="0"/>
@@ -3933,7 +3898,7 @@
           </p:grpSpPr>
           <p:sp>
             <p:nvSpPr>
-              <p:cNvPr name="Freeform 14" id="14"/>
+              <p:cNvPr id="14" name="Freeform 14"/>
               <p:cNvSpPr/>
               <p:nvPr/>
             </p:nvSpPr>
@@ -3947,9 +3912,9 @@
                 <a:gdLst/>
                 <a:ahLst/>
                 <a:cxnLst/>
-                <a:rect r="r" b="b" t="t" l="l"/>
+                <a:rect l="l" t="t" r="r" b="b"/>
                 <a:pathLst>
-                  <a:path h="6350000" w="6321665">
+                  <a:path w="6321665" h="6350000">
                     <a:moveTo>
                       <a:pt x="3160833" y="0"/>
                     </a:moveTo>
@@ -3988,12 +3953,12 @@
         </p:grpSp>
         <p:sp>
           <p:nvSpPr>
-            <p:cNvPr name="TextBox 15" id="15"/>
-            <p:cNvSpPr txBox="true"/>
+            <p:cNvPr id="15" name="TextBox 15"/>
+            <p:cNvSpPr txBox="1"/>
             <p:nvPr/>
           </p:nvSpPr>
           <p:spPr>
-            <a:xfrm rot="0">
+            <a:xfrm>
               <a:off x="696856" y="450820"/>
               <a:ext cx="326231" cy="751628"/>
             </a:xfrm>
@@ -4002,7 +3967,7 @@
             </a:prstGeom>
           </p:spPr>
           <p:txBody>
-            <a:bodyPr anchor="t" rtlCol="false" tIns="0" lIns="0" bIns="0" rIns="0">
+            <a:bodyPr lIns="0" tIns="0" rIns="0" bIns="0" rtlCol="0" anchor="t">
               <a:spAutoFit/>
             </a:bodyPr>
             <a:lstStyle/>
@@ -4027,12 +3992,12 @@
       </p:grpSp>
       <p:sp>
         <p:nvSpPr>
-          <p:cNvPr name="TextBox 16" id="16"/>
-          <p:cNvSpPr txBox="true"/>
+          <p:cNvPr id="16" name="TextBox 16"/>
+          <p:cNvSpPr txBox="1"/>
           <p:nvPr/>
         </p:nvSpPr>
         <p:spPr>
-          <a:xfrm rot="0">
+          <a:xfrm>
             <a:off x="1772004" y="4122629"/>
             <a:ext cx="6402012" cy="949089"/>
           </a:xfrm>
@@ -4041,7 +4006,7 @@
           </a:prstGeom>
         </p:spPr>
         <p:txBody>
-          <a:bodyPr anchor="t" rtlCol="false" tIns="0" lIns="0" bIns="0" rIns="0">
+          <a:bodyPr lIns="0" tIns="0" rIns="0" bIns="0" rtlCol="0" anchor="t">
             <a:spAutoFit/>
           </a:bodyPr>
           <a:lstStyle/>
@@ -4068,12 +4033,12 @@
       </p:sp>
       <p:grpSp>
         <p:nvGrpSpPr>
-          <p:cNvPr name="Group 17" id="17"/>
+          <p:cNvPr id="17" name="Group 17"/>
           <p:cNvGrpSpPr/>
           <p:nvPr/>
         </p:nvGrpSpPr>
         <p:grpSpPr>
-          <a:xfrm rot="0">
+          <a:xfrm>
             <a:off x="330080" y="5905373"/>
             <a:ext cx="1289957" cy="1289957"/>
             <a:chOff x="0" y="0"/>
@@ -4082,12 +4047,12 @@
         </p:grpSpPr>
         <p:grpSp>
           <p:nvGrpSpPr>
-            <p:cNvPr name="Group 18" id="18"/>
+            <p:cNvPr id="18" name="Group 18"/>
             <p:cNvGrpSpPr/>
             <p:nvPr/>
           </p:nvGrpSpPr>
           <p:grpSpPr>
-            <a:xfrm rot="0">
+            <a:xfrm>
               <a:off x="0" y="0"/>
               <a:ext cx="1719943" cy="1719943"/>
               <a:chOff x="0" y="0"/>
@@ -4096,7 +4061,7 @@
           </p:grpSpPr>
           <p:sp>
             <p:nvSpPr>
-              <p:cNvPr name="Freeform 19" id="19"/>
+              <p:cNvPr id="19" name="Freeform 19"/>
               <p:cNvSpPr/>
               <p:nvPr/>
             </p:nvSpPr>
@@ -4110,9 +4075,9 @@
                 <a:gdLst/>
                 <a:ahLst/>
                 <a:cxnLst/>
-                <a:rect r="r" b="b" t="t" l="l"/>
+                <a:rect l="l" t="t" r="r" b="b"/>
                 <a:pathLst>
-                  <a:path h="6350000" w="6321665">
+                  <a:path w="6321665" h="6350000">
                     <a:moveTo>
                       <a:pt x="3160833" y="0"/>
                     </a:moveTo>
@@ -4151,12 +4116,12 @@
         </p:grpSp>
         <p:sp>
           <p:nvSpPr>
-            <p:cNvPr name="TextBox 20" id="20"/>
-            <p:cNvSpPr txBox="true"/>
+            <p:cNvPr id="20" name="TextBox 20"/>
+            <p:cNvSpPr txBox="1"/>
             <p:nvPr/>
           </p:nvSpPr>
           <p:spPr>
-            <a:xfrm rot="0">
+            <a:xfrm>
               <a:off x="696856" y="450820"/>
               <a:ext cx="326231" cy="751628"/>
             </a:xfrm>
@@ -4165,7 +4130,7 @@
             </a:prstGeom>
           </p:spPr>
           <p:txBody>
-            <a:bodyPr anchor="t" rtlCol="false" tIns="0" lIns="0" bIns="0" rIns="0">
+            <a:bodyPr lIns="0" tIns="0" rIns="0" bIns="0" rtlCol="0" anchor="t">
               <a:spAutoFit/>
             </a:bodyPr>
             <a:lstStyle/>
@@ -4190,12 +4155,12 @@
       </p:grpSp>
       <p:sp>
         <p:nvSpPr>
-          <p:cNvPr name="TextBox 21" id="21"/>
-          <p:cNvSpPr txBox="true"/>
+          <p:cNvPr id="21" name="TextBox 21"/>
+          <p:cNvSpPr txBox="1"/>
           <p:nvPr/>
         </p:nvSpPr>
         <p:spPr>
-          <a:xfrm rot="0">
+          <a:xfrm>
             <a:off x="1772004" y="6294882"/>
             <a:ext cx="5652195" cy="463314"/>
           </a:xfrm>
@@ -4204,7 +4169,7 @@
           </a:prstGeom>
         </p:spPr>
         <p:txBody>
-          <a:bodyPr anchor="t" rtlCol="false" tIns="0" lIns="0" bIns="0" rIns="0">
+          <a:bodyPr lIns="0" tIns="0" rIns="0" bIns="0" rtlCol="0" anchor="t">
             <a:spAutoFit/>
           </a:bodyPr>
           <a:lstStyle/>
@@ -4231,12 +4196,12 @@
       </p:sp>
       <p:grpSp>
         <p:nvGrpSpPr>
-          <p:cNvPr name="Group 22" id="22"/>
+          <p:cNvPr id="22" name="Group 22"/>
           <p:cNvGrpSpPr/>
           <p:nvPr/>
         </p:nvGrpSpPr>
         <p:grpSpPr>
-          <a:xfrm rot="0">
+          <a:xfrm>
             <a:off x="8992365" y="3853543"/>
             <a:ext cx="1289957" cy="1289957"/>
             <a:chOff x="0" y="0"/>
@@ -4245,12 +4210,12 @@
         </p:grpSpPr>
         <p:grpSp>
           <p:nvGrpSpPr>
-            <p:cNvPr name="Group 23" id="23"/>
+            <p:cNvPr id="23" name="Group 23"/>
             <p:cNvGrpSpPr/>
             <p:nvPr/>
           </p:nvGrpSpPr>
           <p:grpSpPr>
-            <a:xfrm rot="0">
+            <a:xfrm>
               <a:off x="0" y="0"/>
               <a:ext cx="1719943" cy="1719943"/>
               <a:chOff x="0" y="0"/>
@@ -4259,7 +4224,7 @@
           </p:grpSpPr>
           <p:sp>
             <p:nvSpPr>
-              <p:cNvPr name="Freeform 24" id="24"/>
+              <p:cNvPr id="24" name="Freeform 24"/>
               <p:cNvSpPr/>
               <p:nvPr/>
             </p:nvSpPr>
@@ -4273,9 +4238,9 @@
                 <a:gdLst/>
                 <a:ahLst/>
                 <a:cxnLst/>
-                <a:rect r="r" b="b" t="t" l="l"/>
+                <a:rect l="l" t="t" r="r" b="b"/>
                 <a:pathLst>
-                  <a:path h="6350000" w="6321665">
+                  <a:path w="6321665" h="6350000">
                     <a:moveTo>
                       <a:pt x="3160833" y="0"/>
                     </a:moveTo>
@@ -4314,12 +4279,12 @@
         </p:grpSp>
         <p:sp>
           <p:nvSpPr>
-            <p:cNvPr name="TextBox 25" id="25"/>
-            <p:cNvSpPr txBox="true"/>
+            <p:cNvPr id="25" name="TextBox 25"/>
+            <p:cNvSpPr txBox="1"/>
             <p:nvPr/>
           </p:nvSpPr>
           <p:spPr>
-            <a:xfrm rot="0">
+            <a:xfrm>
               <a:off x="696856" y="450820"/>
               <a:ext cx="326231" cy="751628"/>
             </a:xfrm>
@@ -4328,7 +4293,7 @@
             </a:prstGeom>
           </p:spPr>
           <p:txBody>
-            <a:bodyPr anchor="t" rtlCol="false" tIns="0" lIns="0" bIns="0" rIns="0">
+            <a:bodyPr lIns="0" tIns="0" rIns="0" bIns="0" rtlCol="0" anchor="t">
               <a:spAutoFit/>
             </a:bodyPr>
             <a:lstStyle/>
@@ -4353,12 +4318,12 @@
       </p:grpSp>
       <p:grpSp>
         <p:nvGrpSpPr>
-          <p:cNvPr name="Group 26" id="26"/>
+          <p:cNvPr id="26" name="Group 26"/>
           <p:cNvGrpSpPr/>
           <p:nvPr/>
         </p:nvGrpSpPr>
         <p:grpSpPr>
-          <a:xfrm rot="0">
+          <a:xfrm>
             <a:off x="8992365" y="5782909"/>
             <a:ext cx="1289957" cy="1289957"/>
             <a:chOff x="0" y="0"/>
@@ -4367,12 +4332,12 @@
         </p:grpSpPr>
         <p:grpSp>
           <p:nvGrpSpPr>
-            <p:cNvPr name="Group 27" id="27"/>
+            <p:cNvPr id="27" name="Group 27"/>
             <p:cNvGrpSpPr/>
             <p:nvPr/>
           </p:nvGrpSpPr>
           <p:grpSpPr>
-            <a:xfrm rot="0">
+            <a:xfrm>
               <a:off x="0" y="0"/>
               <a:ext cx="1719943" cy="1719943"/>
               <a:chOff x="0" y="0"/>
@@ -4381,7 +4346,7 @@
           </p:grpSpPr>
           <p:sp>
             <p:nvSpPr>
-              <p:cNvPr name="Freeform 28" id="28"/>
+              <p:cNvPr id="28" name="Freeform 28"/>
               <p:cNvSpPr/>
               <p:nvPr/>
             </p:nvSpPr>
@@ -4395,9 +4360,9 @@
                 <a:gdLst/>
                 <a:ahLst/>
                 <a:cxnLst/>
-                <a:rect r="r" b="b" t="t" l="l"/>
+                <a:rect l="l" t="t" r="r" b="b"/>
                 <a:pathLst>
-                  <a:path h="6350000" w="6321665">
+                  <a:path w="6321665" h="6350000">
                     <a:moveTo>
                       <a:pt x="3160833" y="0"/>
                     </a:moveTo>
@@ -4436,12 +4401,12 @@
         </p:grpSp>
         <p:sp>
           <p:nvSpPr>
-            <p:cNvPr name="TextBox 29" id="29"/>
-            <p:cNvSpPr txBox="true"/>
+            <p:cNvPr id="29" name="TextBox 29"/>
+            <p:cNvSpPr txBox="1"/>
             <p:nvPr/>
           </p:nvSpPr>
           <p:spPr>
-            <a:xfrm rot="0">
+            <a:xfrm>
               <a:off x="696856" y="450820"/>
               <a:ext cx="326231" cy="751628"/>
             </a:xfrm>
@@ -4450,7 +4415,7 @@
             </a:prstGeom>
           </p:spPr>
           <p:txBody>
-            <a:bodyPr anchor="t" rtlCol="false" tIns="0" lIns="0" bIns="0" rIns="0">
+            <a:bodyPr lIns="0" tIns="0" rIns="0" bIns="0" rtlCol="0" anchor="t">
               <a:spAutoFit/>
             </a:bodyPr>
             <a:lstStyle/>
@@ -4475,12 +4440,12 @@
       </p:grpSp>
       <p:sp>
         <p:nvSpPr>
-          <p:cNvPr name="TextBox 30" id="30"/>
-          <p:cNvSpPr txBox="true"/>
+          <p:cNvPr id="30" name="TextBox 30"/>
+          <p:cNvSpPr txBox="1"/>
           <p:nvPr/>
         </p:nvSpPr>
         <p:spPr>
-          <a:xfrm rot="0">
+          <a:xfrm>
             <a:off x="10429152" y="4243052"/>
             <a:ext cx="7509570" cy="463314"/>
           </a:xfrm>
@@ -4489,7 +4454,7 @@
           </a:prstGeom>
         </p:spPr>
         <p:txBody>
-          <a:bodyPr anchor="t" rtlCol="false" tIns="0" lIns="0" bIns="0" rIns="0">
+          <a:bodyPr lIns="0" tIns="0" rIns="0" bIns="0" rtlCol="0" anchor="t">
             <a:spAutoFit/>
           </a:bodyPr>
           <a:lstStyle/>
@@ -4509,16 +4474,7 @@
                 </a:solidFill>
                 <a:latin typeface="Open Sans Light"/>
               </a:rPr>
-              <a:t>C</a:t>
-            </a:r>
-            <a:r>
-              <a:rPr lang="en-US" sz="2759">
-                <a:solidFill>
-                  <a:srgbClr val="FFFFFF"/>
-                </a:solidFill>
-                <a:latin typeface="Open Sans Light"/>
-              </a:rPr>
-              <a:t>ollaborazione per raggiungere un fine comune</a:t>
+              <a:t>Collaborazione per raggiungere un fine comune</a:t>
             </a:r>
           </a:p>
         </p:txBody>
@@ -4532,13 +4488,14 @@
 </file>
 
 <file path=ppt/slides/slide3.xml><?xml version="1.0" encoding="utf-8"?>
-<p:sld xmlns:p="http://schemas.openxmlformats.org/presentationml/2006/main" xmlns:a="http://schemas.openxmlformats.org/drawingml/2006/main">
+<p:sld xmlns:a="http://schemas.openxmlformats.org/drawingml/2006/main" xmlns:r="http://schemas.openxmlformats.org/officeDocument/2006/relationships" xmlns:p="http://schemas.openxmlformats.org/presentationml/2006/main">
   <p:cSld>
     <p:bg>
       <p:bgPr>
         <a:solidFill>
           <a:srgbClr val="FF914D"/>
         </a:solidFill>
+        <a:effectLst/>
       </p:bgPr>
     </p:bg>
     <p:spTree>
@@ -4557,12 +4514,12 @@
       </p:grpSpPr>
       <p:grpSp>
         <p:nvGrpSpPr>
-          <p:cNvPr name="Group 2" id="2"/>
+          <p:cNvPr id="2" name="Group 2"/>
           <p:cNvGrpSpPr/>
           <p:nvPr/>
         </p:nvGrpSpPr>
         <p:grpSpPr>
-          <a:xfrm rot="0">
+          <a:xfrm>
             <a:off x="8629650" y="0"/>
             <a:ext cx="9658350" cy="10287000"/>
             <a:chOff x="0" y="0"/>
@@ -4571,7 +4528,7 @@
         </p:grpSpPr>
         <p:sp>
           <p:nvSpPr>
-            <p:cNvPr name="Freeform 3" id="3"/>
+            <p:cNvPr id="3" name="Freeform 3"/>
             <p:cNvSpPr/>
             <p:nvPr/>
           </p:nvSpPr>
@@ -4585,9 +4542,9 @@
               <a:gdLst/>
               <a:ahLst/>
               <a:cxnLst/>
-              <a:rect r="r" b="b" t="t" l="l"/>
+              <a:rect l="l" t="t" r="r" b="b"/>
               <a:pathLst>
-                <a:path h="3479800" w="3267146">
+                <a:path w="3267146" h="3479800">
                   <a:moveTo>
                     <a:pt x="0" y="0"/>
                   </a:moveTo>
@@ -4612,12 +4569,12 @@
       </p:grpSp>
       <p:grpSp>
         <p:nvGrpSpPr>
-          <p:cNvPr name="Group 4" id="4"/>
+          <p:cNvPr id="4" name="Group 4"/>
           <p:cNvGrpSpPr/>
           <p:nvPr/>
         </p:nvGrpSpPr>
         <p:grpSpPr>
-          <a:xfrm rot="0">
+          <a:xfrm>
             <a:off x="16648765" y="8740635"/>
             <a:ext cx="1289957" cy="1289957"/>
             <a:chOff x="0" y="0"/>
@@ -4626,12 +4583,12 @@
         </p:grpSpPr>
         <p:grpSp>
           <p:nvGrpSpPr>
-            <p:cNvPr name="Group 5" id="5"/>
+            <p:cNvPr id="5" name="Group 5"/>
             <p:cNvGrpSpPr/>
             <p:nvPr/>
           </p:nvGrpSpPr>
           <p:grpSpPr>
-            <a:xfrm rot="0">
+            <a:xfrm>
               <a:off x="0" y="0"/>
               <a:ext cx="1719943" cy="1719943"/>
               <a:chOff x="0" y="0"/>
@@ -4640,7 +4597,7 @@
           </p:grpSpPr>
           <p:sp>
             <p:nvSpPr>
-              <p:cNvPr name="Freeform 6" id="6"/>
+              <p:cNvPr id="6" name="Freeform 6"/>
               <p:cNvSpPr/>
               <p:nvPr/>
             </p:nvSpPr>
@@ -4654,9 +4611,9 @@
                 <a:gdLst/>
                 <a:ahLst/>
                 <a:cxnLst/>
-                <a:rect r="r" b="b" t="t" l="l"/>
+                <a:rect l="l" t="t" r="r" b="b"/>
                 <a:pathLst>
-                  <a:path h="6350000" w="6321665">
+                  <a:path w="6321665" h="6350000">
                     <a:moveTo>
                       <a:pt x="3160833" y="0"/>
                     </a:moveTo>
@@ -4695,12 +4652,12 @@
         </p:grpSp>
         <p:sp>
           <p:nvSpPr>
-            <p:cNvPr name="TextBox 7" id="7"/>
-            <p:cNvSpPr txBox="true"/>
+            <p:cNvPr id="7" name="TextBox 7"/>
+            <p:cNvSpPr txBox="1"/>
             <p:nvPr/>
           </p:nvSpPr>
           <p:spPr>
-            <a:xfrm rot="0">
+            <a:xfrm>
               <a:off x="696856" y="450820"/>
               <a:ext cx="326231" cy="751628"/>
             </a:xfrm>
@@ -4709,7 +4666,7 @@
             </a:prstGeom>
           </p:spPr>
           <p:txBody>
-            <a:bodyPr anchor="t" rtlCol="false" tIns="0" lIns="0" bIns="0" rIns="0">
+            <a:bodyPr lIns="0" tIns="0" rIns="0" bIns="0" rtlCol="0" anchor="t">
               <a:spAutoFit/>
             </a:bodyPr>
             <a:lstStyle/>
@@ -4734,12 +4691,12 @@
       </p:grpSp>
       <p:sp>
         <p:nvSpPr>
-          <p:cNvPr name="TextBox 8" id="8"/>
-          <p:cNvSpPr txBox="true"/>
+          <p:cNvPr id="8" name="TextBox 8"/>
+          <p:cNvSpPr txBox="1"/>
           <p:nvPr/>
         </p:nvSpPr>
         <p:spPr>
-          <a:xfrm rot="0">
+          <a:xfrm>
             <a:off x="383721" y="516255"/>
             <a:ext cx="6282867" cy="920115"/>
           </a:xfrm>
@@ -4748,7 +4705,7 @@
           </a:prstGeom>
         </p:spPr>
         <p:txBody>
-          <a:bodyPr anchor="t" rtlCol="false" tIns="0" lIns="0" bIns="0" rIns="0">
+          <a:bodyPr lIns="0" tIns="0" rIns="0" bIns="0" rtlCol="0" anchor="t">
             <a:spAutoFit/>
           </a:bodyPr>
           <a:lstStyle/>
@@ -4772,12 +4729,12 @@
       </p:sp>
       <p:sp>
         <p:nvSpPr>
-          <p:cNvPr name="TextBox 9" id="9"/>
-          <p:cNvSpPr txBox="true"/>
+          <p:cNvPr id="9" name="TextBox 9"/>
+          <p:cNvSpPr txBox="1"/>
           <p:nvPr/>
         </p:nvSpPr>
         <p:spPr>
-          <a:xfrm rot="0">
+          <a:xfrm>
             <a:off x="383721" y="1884589"/>
             <a:ext cx="2120057" cy="877570"/>
           </a:xfrm>
@@ -4786,7 +4743,7 @@
           </a:prstGeom>
         </p:spPr>
         <p:txBody>
-          <a:bodyPr anchor="t" rtlCol="false" tIns="0" lIns="0" bIns="0" rIns="0">
+          <a:bodyPr lIns="0" tIns="0" rIns="0" bIns="0" rtlCol="0" anchor="t">
             <a:spAutoFit/>
           </a:bodyPr>
           <a:lstStyle/>
@@ -4810,12 +4767,12 @@
       </p:sp>
       <p:sp>
         <p:nvSpPr>
-          <p:cNvPr name="TextBox 10" id="10"/>
-          <p:cNvSpPr txBox="true"/>
+          <p:cNvPr id="10" name="TextBox 10"/>
+          <p:cNvSpPr txBox="1"/>
           <p:nvPr/>
         </p:nvSpPr>
         <p:spPr>
-          <a:xfrm rot="0">
+          <a:xfrm>
             <a:off x="9144000" y="1884589"/>
             <a:ext cx="2759273" cy="877570"/>
           </a:xfrm>
@@ -4824,7 +4781,7 @@
           </a:prstGeom>
         </p:spPr>
         <p:txBody>
-          <a:bodyPr anchor="t" rtlCol="false" tIns="0" lIns="0" bIns="0" rIns="0">
+          <a:bodyPr lIns="0" tIns="0" rIns="0" bIns="0" rtlCol="0" anchor="t">
             <a:spAutoFit/>
           </a:bodyPr>
           <a:lstStyle/>
@@ -4848,12 +4805,12 @@
       </p:sp>
       <p:sp>
         <p:nvSpPr>
-          <p:cNvPr name="TextBox 11" id="11"/>
-          <p:cNvSpPr txBox="true"/>
+          <p:cNvPr id="11" name="TextBox 11"/>
+          <p:cNvSpPr txBox="1"/>
           <p:nvPr/>
         </p:nvSpPr>
         <p:spPr>
-          <a:xfrm rot="0">
+          <a:xfrm>
             <a:off x="10523637" y="7402225"/>
             <a:ext cx="6387405" cy="949089"/>
           </a:xfrm>
@@ -4862,7 +4819,7 @@
           </a:prstGeom>
         </p:spPr>
         <p:txBody>
-          <a:bodyPr anchor="t" rtlCol="false" tIns="0" lIns="0" bIns="0" rIns="0">
+          <a:bodyPr lIns="0" tIns="0" rIns="0" bIns="0" rtlCol="0" anchor="t">
             <a:spAutoFit/>
           </a:bodyPr>
           <a:lstStyle/>
@@ -4902,12 +4859,12 @@
       </p:sp>
       <p:grpSp>
         <p:nvGrpSpPr>
-          <p:cNvPr name="Group 12" id="12"/>
+          <p:cNvPr id="12" name="Group 12"/>
           <p:cNvGrpSpPr/>
           <p:nvPr/>
         </p:nvGrpSpPr>
         <p:grpSpPr>
-          <a:xfrm rot="0">
+          <a:xfrm>
             <a:off x="383721" y="3213424"/>
             <a:ext cx="1289957" cy="1289957"/>
             <a:chOff x="0" y="0"/>
@@ -4916,12 +4873,12 @@
         </p:grpSpPr>
         <p:grpSp>
           <p:nvGrpSpPr>
-            <p:cNvPr name="Group 13" id="13"/>
+            <p:cNvPr id="13" name="Group 13"/>
             <p:cNvGrpSpPr/>
             <p:nvPr/>
           </p:nvGrpSpPr>
           <p:grpSpPr>
-            <a:xfrm rot="0">
+            <a:xfrm>
               <a:off x="0" y="0"/>
               <a:ext cx="1719943" cy="1719943"/>
               <a:chOff x="0" y="0"/>
@@ -4930,7 +4887,7 @@
           </p:grpSpPr>
           <p:sp>
             <p:nvSpPr>
-              <p:cNvPr name="Freeform 14" id="14"/>
+              <p:cNvPr id="14" name="Freeform 14"/>
               <p:cNvSpPr/>
               <p:nvPr/>
             </p:nvSpPr>
@@ -4944,9 +4901,9 @@
                 <a:gdLst/>
                 <a:ahLst/>
                 <a:cxnLst/>
-                <a:rect r="r" b="b" t="t" l="l"/>
+                <a:rect l="l" t="t" r="r" b="b"/>
                 <a:pathLst>
-                  <a:path h="6350000" w="6321665">
+                  <a:path w="6321665" h="6350000">
                     <a:moveTo>
                       <a:pt x="3160833" y="0"/>
                     </a:moveTo>
@@ -4985,12 +4942,12 @@
         </p:grpSp>
         <p:sp>
           <p:nvSpPr>
-            <p:cNvPr name="TextBox 15" id="15"/>
-            <p:cNvSpPr txBox="true"/>
+            <p:cNvPr id="15" name="TextBox 15"/>
+            <p:cNvSpPr txBox="1"/>
             <p:nvPr/>
           </p:nvSpPr>
           <p:spPr>
-            <a:xfrm rot="0">
+            <a:xfrm>
               <a:off x="696856" y="450820"/>
               <a:ext cx="326231" cy="751628"/>
             </a:xfrm>
@@ -4999,7 +4956,7 @@
             </a:prstGeom>
           </p:spPr>
           <p:txBody>
-            <a:bodyPr anchor="t" rtlCol="false" tIns="0" lIns="0" bIns="0" rIns="0">
+            <a:bodyPr lIns="0" tIns="0" rIns="0" bIns="0" rtlCol="0" anchor="t">
               <a:spAutoFit/>
             </a:bodyPr>
             <a:lstStyle/>
@@ -5024,12 +4981,12 @@
       </p:grpSp>
       <p:sp>
         <p:nvSpPr>
-          <p:cNvPr name="TextBox 16" id="16"/>
-          <p:cNvSpPr txBox="true"/>
+          <p:cNvPr id="16" name="TextBox 16"/>
+          <p:cNvSpPr txBox="1"/>
           <p:nvPr/>
         </p:nvSpPr>
         <p:spPr>
-          <a:xfrm rot="0">
+          <a:xfrm>
             <a:off x="1950797" y="3360046"/>
             <a:ext cx="6153852" cy="949089"/>
           </a:xfrm>
@@ -5038,7 +4995,7 @@
           </a:prstGeom>
         </p:spPr>
         <p:txBody>
-          <a:bodyPr anchor="t" rtlCol="false" tIns="0" lIns="0" bIns="0" rIns="0">
+          <a:bodyPr lIns="0" tIns="0" rIns="0" bIns="0" rtlCol="0" anchor="t">
             <a:spAutoFit/>
           </a:bodyPr>
           <a:lstStyle/>
@@ -5065,12 +5022,12 @@
       </p:sp>
       <p:grpSp>
         <p:nvGrpSpPr>
-          <p:cNvPr name="Group 17" id="17"/>
+          <p:cNvPr id="17" name="Group 17"/>
           <p:cNvGrpSpPr/>
           <p:nvPr/>
         </p:nvGrpSpPr>
         <p:grpSpPr>
-          <a:xfrm rot="0">
+          <a:xfrm>
             <a:off x="383721" y="5143500"/>
             <a:ext cx="1289957" cy="1289957"/>
             <a:chOff x="0" y="0"/>
@@ -5079,12 +5036,12 @@
         </p:grpSpPr>
         <p:grpSp>
           <p:nvGrpSpPr>
-            <p:cNvPr name="Group 18" id="18"/>
+            <p:cNvPr id="18" name="Group 18"/>
             <p:cNvGrpSpPr/>
             <p:nvPr/>
           </p:nvGrpSpPr>
           <p:grpSpPr>
-            <a:xfrm rot="0">
+            <a:xfrm>
               <a:off x="0" y="0"/>
               <a:ext cx="1719943" cy="1719943"/>
               <a:chOff x="0" y="0"/>
@@ -5093,7 +5050,7 @@
           </p:grpSpPr>
           <p:sp>
             <p:nvSpPr>
-              <p:cNvPr name="Freeform 19" id="19"/>
+              <p:cNvPr id="19" name="Freeform 19"/>
               <p:cNvSpPr/>
               <p:nvPr/>
             </p:nvSpPr>
@@ -5107,9 +5064,9 @@
                 <a:gdLst/>
                 <a:ahLst/>
                 <a:cxnLst/>
-                <a:rect r="r" b="b" t="t" l="l"/>
+                <a:rect l="l" t="t" r="r" b="b"/>
                 <a:pathLst>
-                  <a:path h="6350000" w="6321665">
+                  <a:path w="6321665" h="6350000">
                     <a:moveTo>
                       <a:pt x="3160833" y="0"/>
                     </a:moveTo>
@@ -5148,12 +5105,12 @@
         </p:grpSp>
         <p:sp>
           <p:nvSpPr>
-            <p:cNvPr name="TextBox 20" id="20"/>
-            <p:cNvSpPr txBox="true"/>
+            <p:cNvPr id="20" name="TextBox 20"/>
+            <p:cNvSpPr txBox="1"/>
             <p:nvPr/>
           </p:nvSpPr>
           <p:spPr>
-            <a:xfrm rot="0">
+            <a:xfrm>
               <a:off x="696856" y="450820"/>
               <a:ext cx="326231" cy="751628"/>
             </a:xfrm>
@@ -5162,7 +5119,7 @@
             </a:prstGeom>
           </p:spPr>
           <p:txBody>
-            <a:bodyPr anchor="t" rtlCol="false" tIns="0" lIns="0" bIns="0" rIns="0">
+            <a:bodyPr lIns="0" tIns="0" rIns="0" bIns="0" rtlCol="0" anchor="t">
               <a:spAutoFit/>
             </a:bodyPr>
             <a:lstStyle/>
@@ -5187,12 +5144,12 @@
       </p:grpSp>
       <p:grpSp>
         <p:nvGrpSpPr>
-          <p:cNvPr name="Group 21" id="21"/>
+          <p:cNvPr id="21" name="Group 21"/>
           <p:cNvGrpSpPr/>
           <p:nvPr/>
         </p:nvGrpSpPr>
         <p:grpSpPr>
-          <a:xfrm rot="0">
+          <a:xfrm>
             <a:off x="383721" y="7255604"/>
             <a:ext cx="1289957" cy="1289957"/>
             <a:chOff x="0" y="0"/>
@@ -5201,12 +5158,12 @@
         </p:grpSpPr>
         <p:grpSp>
           <p:nvGrpSpPr>
-            <p:cNvPr name="Group 22" id="22"/>
+            <p:cNvPr id="22" name="Group 22"/>
             <p:cNvGrpSpPr/>
             <p:nvPr/>
           </p:nvGrpSpPr>
           <p:grpSpPr>
-            <a:xfrm rot="0">
+            <a:xfrm>
               <a:off x="0" y="0"/>
               <a:ext cx="1719943" cy="1719943"/>
               <a:chOff x="0" y="0"/>
@@ -5215,7 +5172,7 @@
           </p:grpSpPr>
           <p:sp>
             <p:nvSpPr>
-              <p:cNvPr name="Freeform 23" id="23"/>
+              <p:cNvPr id="23" name="Freeform 23"/>
               <p:cNvSpPr/>
               <p:nvPr/>
             </p:nvSpPr>
@@ -5229,9 +5186,9 @@
                 <a:gdLst/>
                 <a:ahLst/>
                 <a:cxnLst/>
-                <a:rect r="r" b="b" t="t" l="l"/>
+                <a:rect l="l" t="t" r="r" b="b"/>
                 <a:pathLst>
-                  <a:path h="6350000" w="6321665">
+                  <a:path w="6321665" h="6350000">
                     <a:moveTo>
                       <a:pt x="3160833" y="0"/>
                     </a:moveTo>
@@ -5270,12 +5227,12 @@
         </p:grpSp>
         <p:sp>
           <p:nvSpPr>
-            <p:cNvPr name="TextBox 24" id="24"/>
-            <p:cNvSpPr txBox="true"/>
+            <p:cNvPr id="24" name="TextBox 24"/>
+            <p:cNvSpPr txBox="1"/>
             <p:nvPr/>
           </p:nvSpPr>
           <p:spPr>
-            <a:xfrm rot="0">
+            <a:xfrm>
               <a:off x="696856" y="450820"/>
               <a:ext cx="326231" cy="751628"/>
             </a:xfrm>
@@ -5284,7 +5241,7 @@
             </a:prstGeom>
           </p:spPr>
           <p:txBody>
-            <a:bodyPr anchor="t" rtlCol="false" tIns="0" lIns="0" bIns="0" rIns="0">
+            <a:bodyPr lIns="0" tIns="0" rIns="0" bIns="0" rtlCol="0" anchor="t">
               <a:spAutoFit/>
             </a:bodyPr>
             <a:lstStyle/>
@@ -5309,12 +5266,12 @@
       </p:grpSp>
       <p:grpSp>
         <p:nvGrpSpPr>
-          <p:cNvPr name="Group 25" id="25"/>
+          <p:cNvPr id="25" name="Group 25"/>
           <p:cNvGrpSpPr/>
           <p:nvPr/>
         </p:nvGrpSpPr>
         <p:grpSpPr>
-          <a:xfrm rot="0">
+          <a:xfrm>
             <a:off x="8992365" y="3213424"/>
             <a:ext cx="1289957" cy="1289957"/>
             <a:chOff x="0" y="0"/>
@@ -5323,12 +5280,12 @@
         </p:grpSpPr>
         <p:grpSp>
           <p:nvGrpSpPr>
-            <p:cNvPr name="Group 26" id="26"/>
+            <p:cNvPr id="26" name="Group 26"/>
             <p:cNvGrpSpPr/>
             <p:nvPr/>
           </p:nvGrpSpPr>
           <p:grpSpPr>
-            <a:xfrm rot="0">
+            <a:xfrm>
               <a:off x="0" y="0"/>
               <a:ext cx="1719943" cy="1719943"/>
               <a:chOff x="0" y="0"/>
@@ -5337,7 +5294,7 @@
           </p:grpSpPr>
           <p:sp>
             <p:nvSpPr>
-              <p:cNvPr name="Freeform 27" id="27"/>
+              <p:cNvPr id="27" name="Freeform 27"/>
               <p:cNvSpPr/>
               <p:nvPr/>
             </p:nvSpPr>
@@ -5351,9 +5308,9 @@
                 <a:gdLst/>
                 <a:ahLst/>
                 <a:cxnLst/>
-                <a:rect r="r" b="b" t="t" l="l"/>
+                <a:rect l="l" t="t" r="r" b="b"/>
                 <a:pathLst>
-                  <a:path h="6350000" w="6321665">
+                  <a:path w="6321665" h="6350000">
                     <a:moveTo>
                       <a:pt x="3160833" y="0"/>
                     </a:moveTo>
@@ -5392,12 +5349,12 @@
         </p:grpSp>
         <p:sp>
           <p:nvSpPr>
-            <p:cNvPr name="TextBox 28" id="28"/>
-            <p:cNvSpPr txBox="true"/>
+            <p:cNvPr id="28" name="TextBox 28"/>
+            <p:cNvSpPr txBox="1"/>
             <p:nvPr/>
           </p:nvSpPr>
           <p:spPr>
-            <a:xfrm rot="0">
+            <a:xfrm>
               <a:off x="696856" y="450820"/>
               <a:ext cx="326231" cy="751628"/>
             </a:xfrm>
@@ -5406,7 +5363,7 @@
             </a:prstGeom>
           </p:spPr>
           <p:txBody>
-            <a:bodyPr anchor="t" rtlCol="false" tIns="0" lIns="0" bIns="0" rIns="0">
+            <a:bodyPr lIns="0" tIns="0" rIns="0" bIns="0" rtlCol="0" anchor="t">
               <a:spAutoFit/>
             </a:bodyPr>
             <a:lstStyle/>
@@ -5431,12 +5388,12 @@
       </p:grpSp>
       <p:grpSp>
         <p:nvGrpSpPr>
-          <p:cNvPr name="Group 29" id="29"/>
+          <p:cNvPr id="29" name="Group 29"/>
           <p:cNvGrpSpPr/>
           <p:nvPr/>
         </p:nvGrpSpPr>
         <p:grpSpPr>
-          <a:xfrm rot="0">
+          <a:xfrm>
             <a:off x="8992365" y="5143500"/>
             <a:ext cx="1289957" cy="1289957"/>
             <a:chOff x="0" y="0"/>
@@ -5445,12 +5402,12 @@
         </p:grpSpPr>
         <p:grpSp>
           <p:nvGrpSpPr>
-            <p:cNvPr name="Group 30" id="30"/>
+            <p:cNvPr id="30" name="Group 30"/>
             <p:cNvGrpSpPr/>
             <p:nvPr/>
           </p:nvGrpSpPr>
           <p:grpSpPr>
-            <a:xfrm rot="0">
+            <a:xfrm>
               <a:off x="0" y="0"/>
               <a:ext cx="1719943" cy="1719943"/>
               <a:chOff x="0" y="0"/>
@@ -5459,7 +5416,7 @@
           </p:grpSpPr>
           <p:sp>
             <p:nvSpPr>
-              <p:cNvPr name="Freeform 31" id="31"/>
+              <p:cNvPr id="31" name="Freeform 31"/>
               <p:cNvSpPr/>
               <p:nvPr/>
             </p:nvSpPr>
@@ -5473,9 +5430,9 @@
                 <a:gdLst/>
                 <a:ahLst/>
                 <a:cxnLst/>
-                <a:rect r="r" b="b" t="t" l="l"/>
+                <a:rect l="l" t="t" r="r" b="b"/>
                 <a:pathLst>
-                  <a:path h="6350000" w="6321665">
+                  <a:path w="6321665" h="6350000">
                     <a:moveTo>
                       <a:pt x="3160833" y="0"/>
                     </a:moveTo>
@@ -5514,12 +5471,12 @@
         </p:grpSp>
         <p:sp>
           <p:nvSpPr>
-            <p:cNvPr name="TextBox 32" id="32"/>
-            <p:cNvSpPr txBox="true"/>
+            <p:cNvPr id="32" name="TextBox 32"/>
+            <p:cNvSpPr txBox="1"/>
             <p:nvPr/>
           </p:nvSpPr>
           <p:spPr>
-            <a:xfrm rot="0">
+            <a:xfrm>
               <a:off x="696856" y="450820"/>
               <a:ext cx="326231" cy="751628"/>
             </a:xfrm>
@@ -5528,7 +5485,7 @@
             </a:prstGeom>
           </p:spPr>
           <p:txBody>
-            <a:bodyPr anchor="t" rtlCol="false" tIns="0" lIns="0" bIns="0" rIns="0">
+            <a:bodyPr lIns="0" tIns="0" rIns="0" bIns="0" rtlCol="0" anchor="t">
               <a:spAutoFit/>
             </a:bodyPr>
             <a:lstStyle/>
@@ -5553,12 +5510,12 @@
       </p:grpSp>
       <p:grpSp>
         <p:nvGrpSpPr>
-          <p:cNvPr name="Group 33" id="33"/>
+          <p:cNvPr id="33" name="Group 33"/>
           <p:cNvGrpSpPr/>
           <p:nvPr/>
         </p:nvGrpSpPr>
         <p:grpSpPr>
-          <a:xfrm rot="0">
+          <a:xfrm>
             <a:off x="8992365" y="7255604"/>
             <a:ext cx="1289957" cy="1289957"/>
             <a:chOff x="0" y="0"/>
@@ -5567,12 +5524,12 @@
         </p:grpSpPr>
         <p:grpSp>
           <p:nvGrpSpPr>
-            <p:cNvPr name="Group 34" id="34"/>
+            <p:cNvPr id="34" name="Group 34"/>
             <p:cNvGrpSpPr/>
             <p:nvPr/>
           </p:nvGrpSpPr>
           <p:grpSpPr>
-            <a:xfrm rot="0">
+            <a:xfrm>
               <a:off x="0" y="0"/>
               <a:ext cx="1719943" cy="1719943"/>
               <a:chOff x="0" y="0"/>
@@ -5581,7 +5538,7 @@
           </p:grpSpPr>
           <p:sp>
             <p:nvSpPr>
-              <p:cNvPr name="Freeform 35" id="35"/>
+              <p:cNvPr id="35" name="Freeform 35"/>
               <p:cNvSpPr/>
               <p:nvPr/>
             </p:nvSpPr>
@@ -5595,9 +5552,9 @@
                 <a:gdLst/>
                 <a:ahLst/>
                 <a:cxnLst/>
-                <a:rect r="r" b="b" t="t" l="l"/>
+                <a:rect l="l" t="t" r="r" b="b"/>
                 <a:pathLst>
-                  <a:path h="6350000" w="6321665">
+                  <a:path w="6321665" h="6350000">
                     <a:moveTo>
                       <a:pt x="3160833" y="0"/>
                     </a:moveTo>
@@ -5636,12 +5593,12 @@
         </p:grpSp>
         <p:sp>
           <p:nvSpPr>
-            <p:cNvPr name="TextBox 36" id="36"/>
-            <p:cNvSpPr txBox="true"/>
+            <p:cNvPr id="36" name="TextBox 36"/>
+            <p:cNvSpPr txBox="1"/>
             <p:nvPr/>
           </p:nvSpPr>
           <p:spPr>
-            <a:xfrm rot="0">
+            <a:xfrm>
               <a:off x="696856" y="450820"/>
               <a:ext cx="326231" cy="751628"/>
             </a:xfrm>
@@ -5650,7 +5607,7 @@
             </a:prstGeom>
           </p:spPr>
           <p:txBody>
-            <a:bodyPr anchor="t" rtlCol="false" tIns="0" lIns="0" bIns="0" rIns="0">
+            <a:bodyPr lIns="0" tIns="0" rIns="0" bIns="0" rtlCol="0" anchor="t">
               <a:spAutoFit/>
             </a:bodyPr>
             <a:lstStyle/>
@@ -5675,12 +5632,12 @@
       </p:grpSp>
       <p:sp>
         <p:nvSpPr>
-          <p:cNvPr name="TextBox 37" id="37"/>
-          <p:cNvSpPr txBox="true"/>
+          <p:cNvPr id="37" name="TextBox 37"/>
+          <p:cNvSpPr txBox="1"/>
           <p:nvPr/>
         </p:nvSpPr>
         <p:spPr>
-          <a:xfrm rot="0">
+          <a:xfrm>
             <a:off x="10492255" y="3360046"/>
             <a:ext cx="7446466" cy="949089"/>
           </a:xfrm>
@@ -5689,7 +5646,7 @@
           </a:prstGeom>
         </p:spPr>
         <p:txBody>
-          <a:bodyPr anchor="t" rtlCol="false" tIns="0" lIns="0" bIns="0" rIns="0">
+          <a:bodyPr lIns="0" tIns="0" rIns="0" bIns="0" rtlCol="0" anchor="t">
             <a:spAutoFit/>
           </a:bodyPr>
           <a:lstStyle/>
@@ -5716,12 +5673,12 @@
       </p:sp>
       <p:sp>
         <p:nvSpPr>
-          <p:cNvPr name="TextBox 38" id="38"/>
-          <p:cNvSpPr txBox="true"/>
+          <p:cNvPr id="38" name="TextBox 38"/>
+          <p:cNvSpPr txBox="1"/>
           <p:nvPr/>
         </p:nvSpPr>
         <p:spPr>
-          <a:xfrm rot="0">
+          <a:xfrm>
             <a:off x="10523637" y="5533009"/>
             <a:ext cx="6432352" cy="463314"/>
           </a:xfrm>
@@ -5730,7 +5687,7 @@
           </a:prstGeom>
         </p:spPr>
         <p:txBody>
-          <a:bodyPr anchor="t" rtlCol="false" tIns="0" lIns="0" bIns="0" rIns="0">
+          <a:bodyPr lIns="0" tIns="0" rIns="0" bIns="0" rtlCol="0" anchor="t">
             <a:spAutoFit/>
           </a:bodyPr>
           <a:lstStyle/>
@@ -5757,12 +5714,12 @@
       </p:sp>
       <p:sp>
         <p:nvSpPr>
-          <p:cNvPr name="TextBox 39" id="39"/>
-          <p:cNvSpPr txBox="true"/>
+          <p:cNvPr id="39" name="TextBox 39"/>
+          <p:cNvSpPr txBox="1"/>
           <p:nvPr/>
         </p:nvSpPr>
         <p:spPr>
-          <a:xfrm rot="0">
+          <a:xfrm>
             <a:off x="1950797" y="5533009"/>
             <a:ext cx="6153852" cy="463314"/>
           </a:xfrm>
@@ -5771,7 +5728,7 @@
           </a:prstGeom>
         </p:spPr>
         <p:txBody>
-          <a:bodyPr anchor="t" rtlCol="false" tIns="0" lIns="0" bIns="0" rIns="0">
+          <a:bodyPr lIns="0" tIns="0" rIns="0" bIns="0" rtlCol="0" anchor="t">
             <a:spAutoFit/>
           </a:bodyPr>
           <a:lstStyle/>
@@ -5798,12 +5755,12 @@
       </p:sp>
       <p:sp>
         <p:nvSpPr>
-          <p:cNvPr name="TextBox 40" id="40"/>
-          <p:cNvSpPr txBox="true"/>
+          <p:cNvPr id="40" name="TextBox 40"/>
+          <p:cNvSpPr txBox="1"/>
           <p:nvPr/>
         </p:nvSpPr>
         <p:spPr>
-          <a:xfrm rot="0">
+          <a:xfrm>
             <a:off x="1950797" y="7159338"/>
             <a:ext cx="6153852" cy="1434864"/>
           </a:xfrm>
@@ -5812,7 +5769,7 @@
           </a:prstGeom>
         </p:spPr>
         <p:txBody>
-          <a:bodyPr anchor="t" rtlCol="false" tIns="0" lIns="0" bIns="0" rIns="0">
+          <a:bodyPr lIns="0" tIns="0" rIns="0" bIns="0" rtlCol="0" anchor="t">
             <a:spAutoFit/>
           </a:bodyPr>
           <a:lstStyle/>
@@ -5864,13 +5821,14 @@
 </file>
 
 <file path=ppt/slides/slide4.xml><?xml version="1.0" encoding="utf-8"?>
-<p:sld xmlns:p="http://schemas.openxmlformats.org/presentationml/2006/main" xmlns:a="http://schemas.openxmlformats.org/drawingml/2006/main">
+<p:sld xmlns:a="http://schemas.openxmlformats.org/drawingml/2006/main" xmlns:r="http://schemas.openxmlformats.org/officeDocument/2006/relationships" xmlns:p="http://schemas.openxmlformats.org/presentationml/2006/main">
   <p:cSld>
     <p:bg>
       <p:bgPr>
         <a:solidFill>
           <a:srgbClr val="FF914D"/>
         </a:solidFill>
+        <a:effectLst/>
       </p:bgPr>
     </p:bg>
     <p:spTree>
@@ -5889,12 +5847,12 @@
       </p:grpSpPr>
       <p:grpSp>
         <p:nvGrpSpPr>
-          <p:cNvPr name="Group 2" id="2"/>
+          <p:cNvPr id="2" name="Group 2"/>
           <p:cNvGrpSpPr/>
           <p:nvPr/>
         </p:nvGrpSpPr>
         <p:grpSpPr>
-          <a:xfrm rot="0">
+          <a:xfrm>
             <a:off x="8629650" y="0"/>
             <a:ext cx="9658350" cy="10287000"/>
             <a:chOff x="0" y="0"/>
@@ -5903,7 +5861,7 @@
         </p:grpSpPr>
         <p:sp>
           <p:nvSpPr>
-            <p:cNvPr name="Freeform 3" id="3"/>
+            <p:cNvPr id="3" name="Freeform 3"/>
             <p:cNvSpPr/>
             <p:nvPr/>
           </p:nvSpPr>
@@ -5917,9 +5875,9 @@
               <a:gdLst/>
               <a:ahLst/>
               <a:cxnLst/>
-              <a:rect r="r" b="b" t="t" l="l"/>
+              <a:rect l="l" t="t" r="r" b="b"/>
               <a:pathLst>
-                <a:path h="3479800" w="3267146">
+                <a:path w="3267146" h="3479800">
                   <a:moveTo>
                     <a:pt x="0" y="0"/>
                   </a:moveTo>
@@ -5944,12 +5902,12 @@
       </p:grpSp>
       <p:grpSp>
         <p:nvGrpSpPr>
-          <p:cNvPr name="Group 4" id="4"/>
+          <p:cNvPr id="4" name="Group 4"/>
           <p:cNvGrpSpPr/>
           <p:nvPr/>
         </p:nvGrpSpPr>
         <p:grpSpPr>
-          <a:xfrm rot="0">
+          <a:xfrm>
             <a:off x="16658290" y="8740635"/>
             <a:ext cx="1289957" cy="1289957"/>
             <a:chOff x="0" y="0"/>
@@ -5958,12 +5916,12 @@
         </p:grpSpPr>
         <p:grpSp>
           <p:nvGrpSpPr>
-            <p:cNvPr name="Group 5" id="5"/>
+            <p:cNvPr id="5" name="Group 5"/>
             <p:cNvGrpSpPr/>
             <p:nvPr/>
           </p:nvGrpSpPr>
           <p:grpSpPr>
-            <a:xfrm rot="0">
+            <a:xfrm>
               <a:off x="0" y="0"/>
               <a:ext cx="1719943" cy="1719943"/>
               <a:chOff x="0" y="0"/>
@@ -5972,7 +5930,7 @@
           </p:grpSpPr>
           <p:sp>
             <p:nvSpPr>
-              <p:cNvPr name="Freeform 6" id="6"/>
+              <p:cNvPr id="6" name="Freeform 6"/>
               <p:cNvSpPr/>
               <p:nvPr/>
             </p:nvSpPr>
@@ -5986,9 +5944,9 @@
                 <a:gdLst/>
                 <a:ahLst/>
                 <a:cxnLst/>
-                <a:rect r="r" b="b" t="t" l="l"/>
+                <a:rect l="l" t="t" r="r" b="b"/>
                 <a:pathLst>
-                  <a:path h="6350000" w="6321665">
+                  <a:path w="6321665" h="6350000">
                     <a:moveTo>
                       <a:pt x="3160833" y="0"/>
                     </a:moveTo>
@@ -6027,12 +5985,12 @@
         </p:grpSp>
         <p:sp>
           <p:nvSpPr>
-            <p:cNvPr name="TextBox 7" id="7"/>
-            <p:cNvSpPr txBox="true"/>
+            <p:cNvPr id="7" name="TextBox 7"/>
+            <p:cNvSpPr txBox="1"/>
             <p:nvPr/>
           </p:nvSpPr>
           <p:spPr>
-            <a:xfrm rot="0">
+            <a:xfrm>
               <a:off x="696856" y="450820"/>
               <a:ext cx="326231" cy="751628"/>
             </a:xfrm>
@@ -6041,7 +5999,7 @@
             </a:prstGeom>
           </p:spPr>
           <p:txBody>
-            <a:bodyPr anchor="t" rtlCol="false" tIns="0" lIns="0" bIns="0" rIns="0">
+            <a:bodyPr lIns="0" tIns="0" rIns="0" bIns="0" rtlCol="0" anchor="t">
               <a:spAutoFit/>
             </a:bodyPr>
             <a:lstStyle/>
@@ -6066,12 +6024,12 @@
       </p:grpSp>
       <p:sp>
         <p:nvSpPr>
-          <p:cNvPr name="TextBox 8" id="8"/>
-          <p:cNvSpPr txBox="true"/>
+          <p:cNvPr id="8" name="TextBox 8"/>
+          <p:cNvSpPr txBox="1"/>
           <p:nvPr/>
         </p:nvSpPr>
         <p:spPr>
-          <a:xfrm rot="0">
+          <a:xfrm>
             <a:off x="383721" y="516255"/>
             <a:ext cx="6282867" cy="920115"/>
           </a:xfrm>
@@ -6080,7 +6038,7 @@
           </a:prstGeom>
         </p:spPr>
         <p:txBody>
-          <a:bodyPr anchor="t" rtlCol="false" tIns="0" lIns="0" bIns="0" rIns="0">
+          <a:bodyPr lIns="0" tIns="0" rIns="0" bIns="0" rtlCol="0" anchor="t">
             <a:spAutoFit/>
           </a:bodyPr>
           <a:lstStyle/>
@@ -6104,12 +6062,12 @@
       </p:sp>
       <p:sp>
         <p:nvSpPr>
-          <p:cNvPr name="TextBox 9" id="9"/>
-          <p:cNvSpPr txBox="true"/>
+          <p:cNvPr id="9" name="TextBox 9"/>
+          <p:cNvSpPr txBox="1"/>
           <p:nvPr/>
         </p:nvSpPr>
         <p:spPr>
-          <a:xfrm rot="0">
+          <a:xfrm>
             <a:off x="383721" y="1884589"/>
             <a:ext cx="2120057" cy="877570"/>
           </a:xfrm>
@@ -6118,7 +6076,7 @@
           </a:prstGeom>
         </p:spPr>
         <p:txBody>
-          <a:bodyPr anchor="t" rtlCol="false" tIns="0" lIns="0" bIns="0" rIns="0">
+          <a:bodyPr lIns="0" tIns="0" rIns="0" bIns="0" rtlCol="0" anchor="t">
             <a:spAutoFit/>
           </a:bodyPr>
           <a:lstStyle/>
@@ -6142,12 +6100,12 @@
       </p:sp>
       <p:sp>
         <p:nvSpPr>
-          <p:cNvPr name="TextBox 10" id="10"/>
-          <p:cNvSpPr txBox="true"/>
+          <p:cNvPr id="10" name="TextBox 10"/>
+          <p:cNvSpPr txBox="1"/>
           <p:nvPr/>
         </p:nvSpPr>
         <p:spPr>
-          <a:xfrm rot="0">
+          <a:xfrm>
             <a:off x="9144000" y="1884589"/>
             <a:ext cx="2759273" cy="877570"/>
           </a:xfrm>
@@ -6156,7 +6114,7 @@
           </a:prstGeom>
         </p:spPr>
         <p:txBody>
-          <a:bodyPr anchor="t" rtlCol="false" tIns="0" lIns="0" bIns="0" rIns="0">
+          <a:bodyPr lIns="0" tIns="0" rIns="0" bIns="0" rtlCol="0" anchor="t">
             <a:spAutoFit/>
           </a:bodyPr>
           <a:lstStyle/>
@@ -6180,12 +6138,12 @@
       </p:sp>
       <p:grpSp>
         <p:nvGrpSpPr>
-          <p:cNvPr name="Group 11" id="11"/>
+          <p:cNvPr id="11" name="Group 11"/>
           <p:cNvGrpSpPr/>
           <p:nvPr/>
         </p:nvGrpSpPr>
         <p:grpSpPr>
-          <a:xfrm rot="0">
+          <a:xfrm>
             <a:off x="383721" y="3213424"/>
             <a:ext cx="1289957" cy="1289957"/>
             <a:chOff x="0" y="0"/>
@@ -6194,12 +6152,12 @@
         </p:grpSpPr>
         <p:grpSp>
           <p:nvGrpSpPr>
-            <p:cNvPr name="Group 12" id="12"/>
+            <p:cNvPr id="12" name="Group 12"/>
             <p:cNvGrpSpPr/>
             <p:nvPr/>
           </p:nvGrpSpPr>
           <p:grpSpPr>
-            <a:xfrm rot="0">
+            <a:xfrm>
               <a:off x="0" y="0"/>
               <a:ext cx="1719943" cy="1719943"/>
               <a:chOff x="0" y="0"/>
@@ -6208,7 +6166,7 @@
           </p:grpSpPr>
           <p:sp>
             <p:nvSpPr>
-              <p:cNvPr name="Freeform 13" id="13"/>
+              <p:cNvPr id="13" name="Freeform 13"/>
               <p:cNvSpPr/>
               <p:nvPr/>
             </p:nvSpPr>
@@ -6222,9 +6180,9 @@
                 <a:gdLst/>
                 <a:ahLst/>
                 <a:cxnLst/>
-                <a:rect r="r" b="b" t="t" l="l"/>
+                <a:rect l="l" t="t" r="r" b="b"/>
                 <a:pathLst>
-                  <a:path h="6350000" w="6321665">
+                  <a:path w="6321665" h="6350000">
                     <a:moveTo>
                       <a:pt x="3160833" y="0"/>
                     </a:moveTo>
@@ -6263,12 +6221,12 @@
         </p:grpSp>
         <p:sp>
           <p:nvSpPr>
-            <p:cNvPr name="TextBox 14" id="14"/>
-            <p:cNvSpPr txBox="true"/>
+            <p:cNvPr id="14" name="TextBox 14"/>
+            <p:cNvSpPr txBox="1"/>
             <p:nvPr/>
           </p:nvSpPr>
           <p:spPr>
-            <a:xfrm rot="0">
+            <a:xfrm>
               <a:off x="696856" y="450820"/>
               <a:ext cx="326231" cy="751628"/>
             </a:xfrm>
@@ -6277,7 +6235,7 @@
             </a:prstGeom>
           </p:spPr>
           <p:txBody>
-            <a:bodyPr anchor="t" rtlCol="false" tIns="0" lIns="0" bIns="0" rIns="0">
+            <a:bodyPr lIns="0" tIns="0" rIns="0" bIns="0" rtlCol="0" anchor="t">
               <a:spAutoFit/>
             </a:bodyPr>
             <a:lstStyle/>
@@ -6302,12 +6260,12 @@
       </p:grpSp>
       <p:grpSp>
         <p:nvGrpSpPr>
-          <p:cNvPr name="Group 15" id="15"/>
+          <p:cNvPr id="15" name="Group 15"/>
           <p:cNvGrpSpPr/>
           <p:nvPr/>
         </p:nvGrpSpPr>
         <p:grpSpPr>
-          <a:xfrm rot="0">
+          <a:xfrm>
             <a:off x="383721" y="5143500"/>
             <a:ext cx="1289957" cy="1289957"/>
             <a:chOff x="0" y="0"/>
@@ -6316,12 +6274,12 @@
         </p:grpSpPr>
         <p:grpSp>
           <p:nvGrpSpPr>
-            <p:cNvPr name="Group 16" id="16"/>
+            <p:cNvPr id="16" name="Group 16"/>
             <p:cNvGrpSpPr/>
             <p:nvPr/>
           </p:nvGrpSpPr>
           <p:grpSpPr>
-            <a:xfrm rot="0">
+            <a:xfrm>
               <a:off x="0" y="0"/>
               <a:ext cx="1719943" cy="1719943"/>
               <a:chOff x="0" y="0"/>
@@ -6330,7 +6288,7 @@
           </p:grpSpPr>
           <p:sp>
             <p:nvSpPr>
-              <p:cNvPr name="Freeform 17" id="17"/>
+              <p:cNvPr id="17" name="Freeform 17"/>
               <p:cNvSpPr/>
               <p:nvPr/>
             </p:nvSpPr>
@@ -6344,9 +6302,9 @@
                 <a:gdLst/>
                 <a:ahLst/>
                 <a:cxnLst/>
-                <a:rect r="r" b="b" t="t" l="l"/>
+                <a:rect l="l" t="t" r="r" b="b"/>
                 <a:pathLst>
-                  <a:path h="6350000" w="6321665">
+                  <a:path w="6321665" h="6350000">
                     <a:moveTo>
                       <a:pt x="3160833" y="0"/>
                     </a:moveTo>
@@ -6385,12 +6343,12 @@
         </p:grpSp>
         <p:sp>
           <p:nvSpPr>
-            <p:cNvPr name="TextBox 18" id="18"/>
-            <p:cNvSpPr txBox="true"/>
+            <p:cNvPr id="18" name="TextBox 18"/>
+            <p:cNvSpPr txBox="1"/>
             <p:nvPr/>
           </p:nvSpPr>
           <p:spPr>
-            <a:xfrm rot="0">
+            <a:xfrm>
               <a:off x="696856" y="450820"/>
               <a:ext cx="326231" cy="751628"/>
             </a:xfrm>
@@ -6399,7 +6357,7 @@
             </a:prstGeom>
           </p:spPr>
           <p:txBody>
-            <a:bodyPr anchor="t" rtlCol="false" tIns="0" lIns="0" bIns="0" rIns="0">
+            <a:bodyPr lIns="0" tIns="0" rIns="0" bIns="0" rtlCol="0" anchor="t">
               <a:spAutoFit/>
             </a:bodyPr>
             <a:lstStyle/>
@@ -6424,12 +6382,12 @@
       </p:grpSp>
       <p:grpSp>
         <p:nvGrpSpPr>
-          <p:cNvPr name="Group 19" id="19"/>
+          <p:cNvPr id="19" name="Group 19"/>
           <p:cNvGrpSpPr/>
           <p:nvPr/>
         </p:nvGrpSpPr>
         <p:grpSpPr>
-          <a:xfrm rot="0">
+          <a:xfrm>
             <a:off x="383721" y="7255604"/>
             <a:ext cx="1289957" cy="1289957"/>
             <a:chOff x="0" y="0"/>
@@ -6438,12 +6396,12 @@
         </p:grpSpPr>
         <p:grpSp>
           <p:nvGrpSpPr>
-            <p:cNvPr name="Group 20" id="20"/>
+            <p:cNvPr id="20" name="Group 20"/>
             <p:cNvGrpSpPr/>
             <p:nvPr/>
           </p:nvGrpSpPr>
           <p:grpSpPr>
-            <a:xfrm rot="0">
+            <a:xfrm>
               <a:off x="0" y="0"/>
               <a:ext cx="1719943" cy="1719943"/>
               <a:chOff x="0" y="0"/>
@@ -6452,7 +6410,7 @@
           </p:grpSpPr>
           <p:sp>
             <p:nvSpPr>
-              <p:cNvPr name="Freeform 21" id="21"/>
+              <p:cNvPr id="21" name="Freeform 21"/>
               <p:cNvSpPr/>
               <p:nvPr/>
             </p:nvSpPr>
@@ -6466,9 +6424,9 @@
                 <a:gdLst/>
                 <a:ahLst/>
                 <a:cxnLst/>
-                <a:rect r="r" b="b" t="t" l="l"/>
+                <a:rect l="l" t="t" r="r" b="b"/>
                 <a:pathLst>
-                  <a:path h="6350000" w="6321665">
+                  <a:path w="6321665" h="6350000">
                     <a:moveTo>
                       <a:pt x="3160833" y="0"/>
                     </a:moveTo>
@@ -6507,12 +6465,12 @@
         </p:grpSp>
         <p:sp>
           <p:nvSpPr>
-            <p:cNvPr name="TextBox 22" id="22"/>
-            <p:cNvSpPr txBox="true"/>
+            <p:cNvPr id="22" name="TextBox 22"/>
+            <p:cNvSpPr txBox="1"/>
             <p:nvPr/>
           </p:nvSpPr>
           <p:spPr>
-            <a:xfrm rot="0">
+            <a:xfrm>
               <a:off x="696856" y="450820"/>
               <a:ext cx="326231" cy="751628"/>
             </a:xfrm>
@@ -6521,7 +6479,7 @@
             </a:prstGeom>
           </p:spPr>
           <p:txBody>
-            <a:bodyPr anchor="t" rtlCol="false" tIns="0" lIns="0" bIns="0" rIns="0">
+            <a:bodyPr lIns="0" tIns="0" rIns="0" bIns="0" rtlCol="0" anchor="t">
               <a:spAutoFit/>
             </a:bodyPr>
             <a:lstStyle/>
@@ -6546,12 +6504,12 @@
       </p:grpSp>
       <p:grpSp>
         <p:nvGrpSpPr>
-          <p:cNvPr name="Group 23" id="23"/>
+          <p:cNvPr id="23" name="Group 23"/>
           <p:cNvGrpSpPr/>
           <p:nvPr/>
         </p:nvGrpSpPr>
         <p:grpSpPr>
-          <a:xfrm rot="0">
+          <a:xfrm>
             <a:off x="8992365" y="3213424"/>
             <a:ext cx="1289957" cy="1289957"/>
             <a:chOff x="0" y="0"/>
@@ -6560,12 +6518,12 @@
         </p:grpSpPr>
         <p:grpSp>
           <p:nvGrpSpPr>
-            <p:cNvPr name="Group 24" id="24"/>
+            <p:cNvPr id="24" name="Group 24"/>
             <p:cNvGrpSpPr/>
             <p:nvPr/>
           </p:nvGrpSpPr>
           <p:grpSpPr>
-            <a:xfrm rot="0">
+            <a:xfrm>
               <a:off x="0" y="0"/>
               <a:ext cx="1719943" cy="1719943"/>
               <a:chOff x="0" y="0"/>
@@ -6574,7 +6532,7 @@
           </p:grpSpPr>
           <p:sp>
             <p:nvSpPr>
-              <p:cNvPr name="Freeform 25" id="25"/>
+              <p:cNvPr id="25" name="Freeform 25"/>
               <p:cNvSpPr/>
               <p:nvPr/>
             </p:nvSpPr>
@@ -6588,9 +6546,9 @@
                 <a:gdLst/>
                 <a:ahLst/>
                 <a:cxnLst/>
-                <a:rect r="r" b="b" t="t" l="l"/>
+                <a:rect l="l" t="t" r="r" b="b"/>
                 <a:pathLst>
-                  <a:path h="6350000" w="6321665">
+                  <a:path w="6321665" h="6350000">
                     <a:moveTo>
                       <a:pt x="3160833" y="0"/>
                     </a:moveTo>
@@ -6629,12 +6587,12 @@
         </p:grpSp>
         <p:sp>
           <p:nvSpPr>
-            <p:cNvPr name="TextBox 26" id="26"/>
-            <p:cNvSpPr txBox="true"/>
+            <p:cNvPr id="26" name="TextBox 26"/>
+            <p:cNvSpPr txBox="1"/>
             <p:nvPr/>
           </p:nvSpPr>
           <p:spPr>
-            <a:xfrm rot="0">
+            <a:xfrm>
               <a:off x="696856" y="450820"/>
               <a:ext cx="326231" cy="751628"/>
             </a:xfrm>
@@ -6643,7 +6601,7 @@
             </a:prstGeom>
           </p:spPr>
           <p:txBody>
-            <a:bodyPr anchor="t" rtlCol="false" tIns="0" lIns="0" bIns="0" rIns="0">
+            <a:bodyPr lIns="0" tIns="0" rIns="0" bIns="0" rtlCol="0" anchor="t">
               <a:spAutoFit/>
             </a:bodyPr>
             <a:lstStyle/>
@@ -6668,12 +6626,12 @@
       </p:grpSp>
       <p:grpSp>
         <p:nvGrpSpPr>
-          <p:cNvPr name="Group 27" id="27"/>
+          <p:cNvPr id="27" name="Group 27"/>
           <p:cNvGrpSpPr/>
           <p:nvPr/>
         </p:nvGrpSpPr>
         <p:grpSpPr>
-          <a:xfrm rot="0">
+          <a:xfrm>
             <a:off x="8992365" y="5143500"/>
             <a:ext cx="1289957" cy="1289957"/>
             <a:chOff x="0" y="0"/>
@@ -6682,12 +6640,12 @@
         </p:grpSpPr>
         <p:grpSp>
           <p:nvGrpSpPr>
-            <p:cNvPr name="Group 28" id="28"/>
+            <p:cNvPr id="28" name="Group 28"/>
             <p:cNvGrpSpPr/>
             <p:nvPr/>
           </p:nvGrpSpPr>
           <p:grpSpPr>
-            <a:xfrm rot="0">
+            <a:xfrm>
               <a:off x="0" y="0"/>
               <a:ext cx="1719943" cy="1719943"/>
               <a:chOff x="0" y="0"/>
@@ -6696,7 +6654,7 @@
           </p:grpSpPr>
           <p:sp>
             <p:nvSpPr>
-              <p:cNvPr name="Freeform 29" id="29"/>
+              <p:cNvPr id="29" name="Freeform 29"/>
               <p:cNvSpPr/>
               <p:nvPr/>
             </p:nvSpPr>
@@ -6710,9 +6668,9 @@
                 <a:gdLst/>
                 <a:ahLst/>
                 <a:cxnLst/>
-                <a:rect r="r" b="b" t="t" l="l"/>
+                <a:rect l="l" t="t" r="r" b="b"/>
                 <a:pathLst>
-                  <a:path h="6350000" w="6321665">
+                  <a:path w="6321665" h="6350000">
                     <a:moveTo>
                       <a:pt x="3160833" y="0"/>
                     </a:moveTo>
@@ -6751,12 +6709,12 @@
         </p:grpSp>
         <p:sp>
           <p:nvSpPr>
-            <p:cNvPr name="TextBox 30" id="30"/>
-            <p:cNvSpPr txBox="true"/>
+            <p:cNvPr id="30" name="TextBox 30"/>
+            <p:cNvSpPr txBox="1"/>
             <p:nvPr/>
           </p:nvSpPr>
           <p:spPr>
-            <a:xfrm rot="0">
+            <a:xfrm>
               <a:off x="696856" y="450820"/>
               <a:ext cx="326231" cy="751628"/>
             </a:xfrm>
@@ -6765,7 +6723,7 @@
             </a:prstGeom>
           </p:spPr>
           <p:txBody>
-            <a:bodyPr anchor="t" rtlCol="false" tIns="0" lIns="0" bIns="0" rIns="0">
+            <a:bodyPr lIns="0" tIns="0" rIns="0" bIns="0" rtlCol="0" anchor="t">
               <a:spAutoFit/>
             </a:bodyPr>
             <a:lstStyle/>
@@ -6790,12 +6748,12 @@
       </p:grpSp>
       <p:grpSp>
         <p:nvGrpSpPr>
-          <p:cNvPr name="Group 31" id="31"/>
+          <p:cNvPr id="31" name="Group 31"/>
           <p:cNvGrpSpPr/>
           <p:nvPr/>
         </p:nvGrpSpPr>
         <p:grpSpPr>
-          <a:xfrm rot="0">
+          <a:xfrm>
             <a:off x="8992365" y="7255604"/>
             <a:ext cx="1289957" cy="1289957"/>
             <a:chOff x="0" y="0"/>
@@ -6804,12 +6762,12 @@
         </p:grpSpPr>
         <p:grpSp>
           <p:nvGrpSpPr>
-            <p:cNvPr name="Group 32" id="32"/>
+            <p:cNvPr id="32" name="Group 32"/>
             <p:cNvGrpSpPr/>
             <p:nvPr/>
           </p:nvGrpSpPr>
           <p:grpSpPr>
-            <a:xfrm rot="0">
+            <a:xfrm>
               <a:off x="0" y="0"/>
               <a:ext cx="1719943" cy="1719943"/>
               <a:chOff x="0" y="0"/>
@@ -6818,7 +6776,7 @@
           </p:grpSpPr>
           <p:sp>
             <p:nvSpPr>
-              <p:cNvPr name="Freeform 33" id="33"/>
+              <p:cNvPr id="33" name="Freeform 33"/>
               <p:cNvSpPr/>
               <p:nvPr/>
             </p:nvSpPr>
@@ -6832,9 +6790,9 @@
                 <a:gdLst/>
                 <a:ahLst/>
                 <a:cxnLst/>
-                <a:rect r="r" b="b" t="t" l="l"/>
+                <a:rect l="l" t="t" r="r" b="b"/>
                 <a:pathLst>
-                  <a:path h="6350000" w="6321665">
+                  <a:path w="6321665" h="6350000">
                     <a:moveTo>
                       <a:pt x="3160833" y="0"/>
                     </a:moveTo>
@@ -6873,12 +6831,12 @@
         </p:grpSp>
         <p:sp>
           <p:nvSpPr>
-            <p:cNvPr name="TextBox 34" id="34"/>
-            <p:cNvSpPr txBox="true"/>
+            <p:cNvPr id="34" name="TextBox 34"/>
+            <p:cNvSpPr txBox="1"/>
             <p:nvPr/>
           </p:nvSpPr>
           <p:spPr>
-            <a:xfrm rot="0">
+            <a:xfrm>
               <a:off x="696856" y="450820"/>
               <a:ext cx="326231" cy="751628"/>
             </a:xfrm>
@@ -6887,7 +6845,7 @@
             </a:prstGeom>
           </p:spPr>
           <p:txBody>
-            <a:bodyPr anchor="t" rtlCol="false" tIns="0" lIns="0" bIns="0" rIns="0">
+            <a:bodyPr lIns="0" tIns="0" rIns="0" bIns="0" rtlCol="0" anchor="t">
               <a:spAutoFit/>
             </a:bodyPr>
             <a:lstStyle/>
@@ -6912,12 +6870,12 @@
       </p:grpSp>
       <p:sp>
         <p:nvSpPr>
-          <p:cNvPr name="TextBox 35" id="35"/>
-          <p:cNvSpPr txBox="true"/>
+          <p:cNvPr id="35" name="TextBox 35"/>
+          <p:cNvSpPr txBox="1"/>
           <p:nvPr/>
         </p:nvSpPr>
         <p:spPr>
-          <a:xfrm rot="0">
+          <a:xfrm>
             <a:off x="1828332" y="3311405"/>
             <a:ext cx="6153852" cy="949089"/>
           </a:xfrm>
@@ -6926,7 +6884,7 @@
           </a:prstGeom>
         </p:spPr>
         <p:txBody>
-          <a:bodyPr anchor="t" rtlCol="false" tIns="0" lIns="0" bIns="0" rIns="0">
+          <a:bodyPr lIns="0" tIns="0" rIns="0" bIns="0" rtlCol="0" anchor="t">
             <a:spAutoFit/>
           </a:bodyPr>
           <a:lstStyle/>
@@ -6953,12 +6911,12 @@
       </p:sp>
       <p:sp>
         <p:nvSpPr>
-          <p:cNvPr name="TextBox 36" id="36"/>
-          <p:cNvSpPr txBox="true"/>
+          <p:cNvPr id="36" name="TextBox 36"/>
+          <p:cNvSpPr txBox="1"/>
           <p:nvPr/>
         </p:nvSpPr>
         <p:spPr>
-          <a:xfrm rot="0">
+          <a:xfrm>
             <a:off x="1828332" y="5484368"/>
             <a:ext cx="6153852" cy="463314"/>
           </a:xfrm>
@@ -6967,7 +6925,7 @@
           </a:prstGeom>
         </p:spPr>
         <p:txBody>
-          <a:bodyPr anchor="t" rtlCol="false" tIns="0" lIns="0" bIns="0" rIns="0">
+          <a:bodyPr lIns="0" tIns="0" rIns="0" bIns="0" rtlCol="0" anchor="t">
             <a:spAutoFit/>
           </a:bodyPr>
           <a:lstStyle/>
@@ -6994,12 +6952,12 @@
       </p:sp>
       <p:sp>
         <p:nvSpPr>
-          <p:cNvPr name="TextBox 37" id="37"/>
-          <p:cNvSpPr txBox="true"/>
+          <p:cNvPr id="37" name="TextBox 37"/>
+          <p:cNvSpPr txBox="1"/>
           <p:nvPr/>
         </p:nvSpPr>
         <p:spPr>
-          <a:xfrm rot="0">
+          <a:xfrm>
             <a:off x="1828332" y="7110697"/>
             <a:ext cx="6153852" cy="1434864"/>
           </a:xfrm>
@@ -7008,7 +6966,7 @@
           </a:prstGeom>
         </p:spPr>
         <p:txBody>
-          <a:bodyPr anchor="t" rtlCol="false" tIns="0" lIns="0" bIns="0" rIns="0">
+          <a:bodyPr lIns="0" tIns="0" rIns="0" bIns="0" rtlCol="0" anchor="t">
             <a:spAutoFit/>
           </a:bodyPr>
           <a:lstStyle/>
@@ -7053,12 +7011,12 @@
       </p:sp>
       <p:sp>
         <p:nvSpPr>
-          <p:cNvPr name="TextBox 38" id="38"/>
-          <p:cNvSpPr txBox="true"/>
+          <p:cNvPr id="38" name="TextBox 38"/>
+          <p:cNvSpPr txBox="1"/>
           <p:nvPr/>
         </p:nvSpPr>
         <p:spPr>
-          <a:xfrm rot="0">
+          <a:xfrm>
             <a:off x="10523637" y="7402225"/>
             <a:ext cx="6387405" cy="949089"/>
           </a:xfrm>
@@ -7067,7 +7025,7 @@
           </a:prstGeom>
         </p:spPr>
         <p:txBody>
-          <a:bodyPr anchor="t" rtlCol="false" tIns="0" lIns="0" bIns="0" rIns="0">
+          <a:bodyPr lIns="0" tIns="0" rIns="0" bIns="0" rtlCol="0" anchor="t">
             <a:spAutoFit/>
           </a:bodyPr>
           <a:lstStyle/>
@@ -7107,12 +7065,12 @@
       </p:sp>
       <p:sp>
         <p:nvSpPr>
-          <p:cNvPr name="TextBox 39" id="39"/>
-          <p:cNvSpPr txBox="true"/>
+          <p:cNvPr id="39" name="TextBox 39"/>
+          <p:cNvSpPr txBox="1"/>
           <p:nvPr/>
         </p:nvSpPr>
         <p:spPr>
-          <a:xfrm rot="0">
+          <a:xfrm>
             <a:off x="10492255" y="3360046"/>
             <a:ext cx="7446466" cy="949089"/>
           </a:xfrm>
@@ -7121,7 +7079,7 @@
           </a:prstGeom>
         </p:spPr>
         <p:txBody>
-          <a:bodyPr anchor="t" rtlCol="false" tIns="0" lIns="0" bIns="0" rIns="0">
+          <a:bodyPr lIns="0" tIns="0" rIns="0" bIns="0" rtlCol="0" anchor="t">
             <a:spAutoFit/>
           </a:bodyPr>
           <a:lstStyle/>
@@ -7148,12 +7106,12 @@
       </p:sp>
       <p:sp>
         <p:nvSpPr>
-          <p:cNvPr name="TextBox 40" id="40"/>
-          <p:cNvSpPr txBox="true"/>
+          <p:cNvPr id="40" name="TextBox 40"/>
+          <p:cNvSpPr txBox="1"/>
           <p:nvPr/>
         </p:nvSpPr>
         <p:spPr>
-          <a:xfrm rot="0">
+          <a:xfrm>
             <a:off x="10523637" y="5533009"/>
             <a:ext cx="6432352" cy="463314"/>
           </a:xfrm>
@@ -7162,7 +7120,7 @@
           </a:prstGeom>
         </p:spPr>
         <p:txBody>
-          <a:bodyPr anchor="t" rtlCol="false" tIns="0" lIns="0" bIns="0" rIns="0">
+          <a:bodyPr lIns="0" tIns="0" rIns="0" bIns="0" rtlCol="0" anchor="t">
             <a:spAutoFit/>
           </a:bodyPr>
           <a:lstStyle/>
@@ -7196,13 +7154,14 @@
 </file>
 
 <file path=ppt/slides/slide5.xml><?xml version="1.0" encoding="utf-8"?>
-<p:sld xmlns:p="http://schemas.openxmlformats.org/presentationml/2006/main" xmlns:a="http://schemas.openxmlformats.org/drawingml/2006/main">
+<p:sld xmlns:a="http://schemas.openxmlformats.org/drawingml/2006/main" xmlns:r="http://schemas.openxmlformats.org/officeDocument/2006/relationships" xmlns:p="http://schemas.openxmlformats.org/presentationml/2006/main">
   <p:cSld>
     <p:bg>
       <p:bgPr>
         <a:solidFill>
           <a:srgbClr val="FF914D"/>
         </a:solidFill>
+        <a:effectLst/>
       </p:bgPr>
     </p:bg>
     <p:spTree>
@@ -7221,12 +7180,12 @@
       </p:grpSpPr>
       <p:grpSp>
         <p:nvGrpSpPr>
-          <p:cNvPr name="Group 2" id="2"/>
+          <p:cNvPr id="2" name="Group 2"/>
           <p:cNvGrpSpPr/>
           <p:nvPr/>
         </p:nvGrpSpPr>
         <p:grpSpPr>
-          <a:xfrm rot="0">
+          <a:xfrm>
             <a:off x="8629650" y="0"/>
             <a:ext cx="9658350" cy="10287000"/>
             <a:chOff x="0" y="0"/>
@@ -7235,7 +7194,7 @@
         </p:grpSpPr>
         <p:sp>
           <p:nvSpPr>
-            <p:cNvPr name="Freeform 3" id="3"/>
+            <p:cNvPr id="3" name="Freeform 3"/>
             <p:cNvSpPr/>
             <p:nvPr/>
           </p:nvSpPr>
@@ -7249,9 +7208,9 @@
               <a:gdLst/>
               <a:ahLst/>
               <a:cxnLst/>
-              <a:rect r="r" b="b" t="t" l="l"/>
+              <a:rect l="l" t="t" r="r" b="b"/>
               <a:pathLst>
-                <a:path h="3479800" w="3267146">
+                <a:path w="3267146" h="3479800">
                   <a:moveTo>
                     <a:pt x="0" y="0"/>
                   </a:moveTo>
@@ -7276,12 +7235,12 @@
       </p:grpSp>
       <p:grpSp>
         <p:nvGrpSpPr>
-          <p:cNvPr name="Group 4" id="4"/>
+          <p:cNvPr id="4" name="Group 4"/>
           <p:cNvGrpSpPr/>
           <p:nvPr/>
         </p:nvGrpSpPr>
         <p:grpSpPr>
-          <a:xfrm rot="0">
+          <a:xfrm>
             <a:off x="16648765" y="8740635"/>
             <a:ext cx="1289957" cy="1289957"/>
             <a:chOff x="0" y="0"/>
@@ -7290,12 +7249,12 @@
         </p:grpSpPr>
         <p:grpSp>
           <p:nvGrpSpPr>
-            <p:cNvPr name="Group 5" id="5"/>
+            <p:cNvPr id="5" name="Group 5"/>
             <p:cNvGrpSpPr/>
             <p:nvPr/>
           </p:nvGrpSpPr>
           <p:grpSpPr>
-            <a:xfrm rot="0">
+            <a:xfrm>
               <a:off x="0" y="0"/>
               <a:ext cx="1719943" cy="1719943"/>
               <a:chOff x="0" y="0"/>
@@ -7304,7 +7263,7 @@
           </p:grpSpPr>
           <p:sp>
             <p:nvSpPr>
-              <p:cNvPr name="Freeform 6" id="6"/>
+              <p:cNvPr id="6" name="Freeform 6"/>
               <p:cNvSpPr/>
               <p:nvPr/>
             </p:nvSpPr>
@@ -7318,9 +7277,9 @@
                 <a:gdLst/>
                 <a:ahLst/>
                 <a:cxnLst/>
-                <a:rect r="r" b="b" t="t" l="l"/>
+                <a:rect l="l" t="t" r="r" b="b"/>
                 <a:pathLst>
-                  <a:path h="6350000" w="6321665">
+                  <a:path w="6321665" h="6350000">
                     <a:moveTo>
                       <a:pt x="3160833" y="0"/>
                     </a:moveTo>
@@ -7359,12 +7318,12 @@
         </p:grpSp>
         <p:sp>
           <p:nvSpPr>
-            <p:cNvPr name="TextBox 7" id="7"/>
-            <p:cNvSpPr txBox="true"/>
+            <p:cNvPr id="7" name="TextBox 7"/>
+            <p:cNvSpPr txBox="1"/>
             <p:nvPr/>
           </p:nvSpPr>
           <p:spPr>
-            <a:xfrm rot="0">
+            <a:xfrm>
               <a:off x="696856" y="450820"/>
               <a:ext cx="326231" cy="751628"/>
             </a:xfrm>
@@ -7373,7 +7332,7 @@
             </a:prstGeom>
           </p:spPr>
           <p:txBody>
-            <a:bodyPr anchor="t" rtlCol="false" tIns="0" lIns="0" bIns="0" rIns="0">
+            <a:bodyPr lIns="0" tIns="0" rIns="0" bIns="0" rtlCol="0" anchor="t">
               <a:spAutoFit/>
             </a:bodyPr>
             <a:lstStyle/>
@@ -7384,7 +7343,7 @@
                 </a:lnSpc>
               </a:pPr>
               <a:r>
-                <a:rPr lang="en-US" sz="3399">
+                <a:rPr lang="en-US" sz="3399" dirty="0">
                   <a:solidFill>
                     <a:srgbClr val="FFFFFF"/>
                   </a:solidFill>
@@ -7398,12 +7357,12 @@
       </p:grpSp>
       <p:sp>
         <p:nvSpPr>
-          <p:cNvPr name="TextBox 8" id="8"/>
-          <p:cNvSpPr txBox="true"/>
+          <p:cNvPr id="8" name="TextBox 8"/>
+          <p:cNvSpPr txBox="1"/>
           <p:nvPr/>
         </p:nvSpPr>
         <p:spPr>
-          <a:xfrm rot="0">
+          <a:xfrm>
             <a:off x="350490" y="588737"/>
             <a:ext cx="7924949" cy="688974"/>
           </a:xfrm>
@@ -7412,7 +7371,7 @@
           </a:prstGeom>
         </p:spPr>
         <p:txBody>
-          <a:bodyPr anchor="t" rtlCol="false" tIns="0" lIns="0" bIns="0" rIns="0">
+          <a:bodyPr lIns="0" tIns="0" rIns="0" bIns="0" rtlCol="0" anchor="t">
             <a:spAutoFit/>
           </a:bodyPr>
           <a:lstStyle/>
@@ -7436,12 +7395,12 @@
       </p:sp>
       <p:sp>
         <p:nvSpPr>
-          <p:cNvPr name="TextBox 9" id="9"/>
-          <p:cNvSpPr txBox="true"/>
+          <p:cNvPr id="9" name="TextBox 9"/>
+          <p:cNvSpPr txBox="1"/>
           <p:nvPr/>
         </p:nvSpPr>
         <p:spPr>
-          <a:xfrm rot="0">
+          <a:xfrm>
             <a:off x="475538" y="1884589"/>
             <a:ext cx="5470497" cy="877570"/>
           </a:xfrm>
@@ -7450,7 +7409,7 @@
           </a:prstGeom>
         </p:spPr>
         <p:txBody>
-          <a:bodyPr anchor="t" rtlCol="false" tIns="0" lIns="0" bIns="0" rIns="0">
+          <a:bodyPr lIns="0" tIns="0" rIns="0" bIns="0" rtlCol="0" anchor="t">
             <a:spAutoFit/>
           </a:bodyPr>
           <a:lstStyle/>
@@ -7461,7 +7420,7 @@
               </a:lnSpc>
             </a:pPr>
             <a:r>
-              <a:rPr lang="en-US" sz="5199">
+              <a:rPr lang="en-US" sz="5199" dirty="0" err="1">
                 <a:solidFill>
                   <a:srgbClr val="000000"/>
                 </a:solidFill>
@@ -7469,18 +7428,24 @@
               </a:rPr>
               <a:t>Cliente</a:t>
             </a:r>
-          </a:p>
-        </p:txBody>
-      </p:sp>
-      <p:sp>
-        <p:nvSpPr>
-          <p:cNvPr name="TextBox 10" id="10"/>
-          <p:cNvSpPr txBox="true"/>
+            <a:endParaRPr lang="en-US" sz="5199" dirty="0">
+              <a:solidFill>
+                <a:srgbClr val="000000"/>
+              </a:solidFill>
+              <a:latin typeface="Open Sans"/>
+            </a:endParaRPr>
+          </a:p>
+        </p:txBody>
+      </p:sp>
+      <p:sp>
+        <p:nvSpPr>
+          <p:cNvPr id="10" name="TextBox 10"/>
+          <p:cNvSpPr txBox="1"/>
           <p:nvPr/>
         </p:nvSpPr>
         <p:spPr>
-          <a:xfrm rot="0">
-            <a:off x="9575001" y="1884589"/>
+          <a:xfrm>
+            <a:off x="9083359" y="0"/>
             <a:ext cx="6951218" cy="877570"/>
           </a:xfrm>
           <a:prstGeom prst="rect">
@@ -7488,7 +7453,7 @@
           </a:prstGeom>
         </p:spPr>
         <p:txBody>
-          <a:bodyPr anchor="t" rtlCol="false" tIns="0" lIns="0" bIns="0" rIns="0">
+          <a:bodyPr lIns="0" tIns="0" rIns="0" bIns="0" rtlCol="0" anchor="t">
             <a:spAutoFit/>
           </a:bodyPr>
           <a:lstStyle/>
@@ -7499,7 +7464,7 @@
               </a:lnSpc>
             </a:pPr>
             <a:r>
-              <a:rPr lang="en-US" sz="5199">
+              <a:rPr lang="en-US" sz="5199" dirty="0" err="1">
                 <a:solidFill>
                   <a:srgbClr val="FFFFFF"/>
                 </a:solidFill>
@@ -7507,9 +7472,183 @@
               </a:rPr>
               <a:t>Servitore</a:t>
             </a:r>
-          </a:p>
-        </p:txBody>
-      </p:sp>
+            <a:endParaRPr lang="en-US" sz="5199" dirty="0">
+              <a:solidFill>
+                <a:srgbClr val="FFFFFF"/>
+              </a:solidFill>
+              <a:latin typeface="Open Sans"/>
+            </a:endParaRPr>
+          </a:p>
+        </p:txBody>
+      </p:sp>
+      <p:pic>
+        <p:nvPicPr>
+          <p:cNvPr id="12" name="Picture 11">
+            <a:extLst>
+              <a:ext uri="{FF2B5EF4-FFF2-40B4-BE49-F238E27FC236}">
+                <a16:creationId xmlns:a16="http://schemas.microsoft.com/office/drawing/2014/main" id="{0A6683B1-FA56-495C-8ED5-1C88C4E27F7B}"/>
+              </a:ext>
+            </a:extLst>
+          </p:cNvPr>
+          <p:cNvPicPr>
+            <a:picLocks noChangeAspect="1"/>
+          </p:cNvPicPr>
+          <p:nvPr/>
+        </p:nvPicPr>
+        <p:blipFill>
+          <a:blip r:embed="rId2"/>
+          <a:stretch>
+            <a:fillRect/>
+          </a:stretch>
+        </p:blipFill>
+        <p:spPr>
+          <a:xfrm>
+            <a:off x="381866" y="3220088"/>
+            <a:ext cx="7992590" cy="5182323"/>
+          </a:xfrm>
+          <a:prstGeom prst="rect">
+            <a:avLst/>
+          </a:prstGeom>
+        </p:spPr>
+      </p:pic>
+      <p:pic>
+        <p:nvPicPr>
+          <p:cNvPr id="14" name="Picture 13">
+            <a:extLst>
+              <a:ext uri="{FF2B5EF4-FFF2-40B4-BE49-F238E27FC236}">
+                <a16:creationId xmlns:a16="http://schemas.microsoft.com/office/drawing/2014/main" id="{A3D6A194-9DA6-4178-AD45-A266BB8647CA}"/>
+              </a:ext>
+            </a:extLst>
+          </p:cNvPr>
+          <p:cNvPicPr>
+            <a:picLocks noChangeAspect="1"/>
+          </p:cNvPicPr>
+          <p:nvPr/>
+        </p:nvPicPr>
+        <p:blipFill>
+          <a:blip r:embed="rId3"/>
+          <a:stretch>
+            <a:fillRect/>
+          </a:stretch>
+        </p:blipFill>
+        <p:spPr>
+          <a:xfrm>
+            <a:off x="9157148" y="3390900"/>
+            <a:ext cx="7411484" cy="6716062"/>
+          </a:xfrm>
+          <a:prstGeom prst="rect">
+            <a:avLst/>
+          </a:prstGeom>
+        </p:spPr>
+      </p:pic>
+      <p:sp>
+        <p:nvSpPr>
+          <p:cNvPr id="19" name="TextBox 18">
+            <a:extLst>
+              <a:ext uri="{FF2B5EF4-FFF2-40B4-BE49-F238E27FC236}">
+                <a16:creationId xmlns:a16="http://schemas.microsoft.com/office/drawing/2014/main" id="{89D6BF0B-954F-4609-9991-D79722D28A8E}"/>
+              </a:ext>
+            </a:extLst>
+          </p:cNvPr>
+          <p:cNvSpPr txBox="1"/>
+          <p:nvPr/>
+        </p:nvSpPr>
+        <p:spPr>
+          <a:xfrm>
+            <a:off x="8685579" y="1238258"/>
+            <a:ext cx="393056" cy="584775"/>
+          </a:xfrm>
+          <a:prstGeom prst="rect">
+            <a:avLst/>
+          </a:prstGeom>
+          <a:noFill/>
+        </p:spPr>
+        <p:txBody>
+          <a:bodyPr wrap="none" rtlCol="0">
+            <a:spAutoFit/>
+          </a:bodyPr>
+          <a:lstStyle/>
+          <a:p>
+            <a:r>
+              <a:rPr lang="it-IT" sz="3200" dirty="0">
+                <a:solidFill>
+                  <a:schemeClr val="bg1"/>
+                </a:solidFill>
+              </a:rPr>
+              <a:t>1</a:t>
+            </a:r>
+          </a:p>
+        </p:txBody>
+      </p:sp>
+      <p:sp>
+        <p:nvSpPr>
+          <p:cNvPr id="20" name="TextBox 19">
+            <a:extLst>
+              <a:ext uri="{FF2B5EF4-FFF2-40B4-BE49-F238E27FC236}">
+                <a16:creationId xmlns:a16="http://schemas.microsoft.com/office/drawing/2014/main" id="{837E5857-7F13-4353-83B0-A83C6A51A119}"/>
+              </a:ext>
+            </a:extLst>
+          </p:cNvPr>
+          <p:cNvSpPr txBox="1"/>
+          <p:nvPr/>
+        </p:nvSpPr>
+        <p:spPr>
+          <a:xfrm>
+            <a:off x="8712149" y="3122847"/>
+            <a:ext cx="393056" cy="584775"/>
+          </a:xfrm>
+          <a:prstGeom prst="rect">
+            <a:avLst/>
+          </a:prstGeom>
+          <a:noFill/>
+        </p:spPr>
+        <p:txBody>
+          <a:bodyPr wrap="none" rtlCol="0">
+            <a:spAutoFit/>
+          </a:bodyPr>
+          <a:lstStyle/>
+          <a:p>
+            <a:r>
+              <a:rPr lang="it-IT" sz="3200" dirty="0">
+                <a:solidFill>
+                  <a:schemeClr val="bg1"/>
+                </a:solidFill>
+              </a:rPr>
+              <a:t>2</a:t>
+            </a:r>
+          </a:p>
+        </p:txBody>
+      </p:sp>
+      <p:pic>
+        <p:nvPicPr>
+          <p:cNvPr id="22" name="Picture 21">
+            <a:extLst>
+              <a:ext uri="{FF2B5EF4-FFF2-40B4-BE49-F238E27FC236}">
+                <a16:creationId xmlns:a16="http://schemas.microsoft.com/office/drawing/2014/main" id="{CB70312E-C218-4EE1-9BAD-CB2B374E2BF3}"/>
+              </a:ext>
+            </a:extLst>
+          </p:cNvPr>
+          <p:cNvPicPr>
+            <a:picLocks noChangeAspect="1"/>
+          </p:cNvPicPr>
+          <p:nvPr/>
+        </p:nvPicPr>
+        <p:blipFill>
+          <a:blip r:embed="rId4"/>
+          <a:stretch>
+            <a:fillRect/>
+          </a:stretch>
+        </p:blipFill>
+        <p:spPr>
+          <a:xfrm>
+            <a:off x="9144000" y="1304786"/>
+            <a:ext cx="7059010" cy="1390844"/>
+          </a:xfrm>
+          <a:prstGeom prst="rect">
+            <a:avLst/>
+          </a:prstGeom>
+        </p:spPr>
+      </p:pic>
     </p:spTree>
   </p:cSld>
   <p:clrMapOvr>
@@ -7519,13 +7658,14 @@
 </file>
 
 <file path=ppt/slides/slide6.xml><?xml version="1.0" encoding="utf-8"?>
-<p:sld xmlns:p="http://schemas.openxmlformats.org/presentationml/2006/main" xmlns:a="http://schemas.openxmlformats.org/drawingml/2006/main">
+<p:sld xmlns:a="http://schemas.openxmlformats.org/drawingml/2006/main" xmlns:r="http://schemas.openxmlformats.org/officeDocument/2006/relationships" xmlns:p="http://schemas.openxmlformats.org/presentationml/2006/main">
   <p:cSld>
     <p:bg>
       <p:bgPr>
         <a:solidFill>
           <a:srgbClr val="FF914D"/>
         </a:solidFill>
+        <a:effectLst/>
       </p:bgPr>
     </p:bg>
     <p:spTree>
@@ -7544,12 +7684,12 @@
       </p:grpSpPr>
       <p:grpSp>
         <p:nvGrpSpPr>
-          <p:cNvPr name="Group 2" id="2"/>
+          <p:cNvPr id="2" name="Group 2"/>
           <p:cNvGrpSpPr/>
           <p:nvPr/>
         </p:nvGrpSpPr>
         <p:grpSpPr>
-          <a:xfrm rot="0">
+          <a:xfrm>
             <a:off x="8629650" y="0"/>
             <a:ext cx="9658350" cy="10287000"/>
             <a:chOff x="0" y="0"/>
@@ -7558,7 +7698,7 @@
         </p:grpSpPr>
         <p:sp>
           <p:nvSpPr>
-            <p:cNvPr name="Freeform 3" id="3"/>
+            <p:cNvPr id="3" name="Freeform 3"/>
             <p:cNvSpPr/>
             <p:nvPr/>
           </p:nvSpPr>
@@ -7572,9 +7712,489 @@
               <a:gdLst/>
               <a:ahLst/>
               <a:cxnLst/>
-              <a:rect r="r" b="b" t="t" l="l"/>
+              <a:rect l="l" t="t" r="r" b="b"/>
               <a:pathLst>
-                <a:path h="3479800" w="3267146">
+                <a:path w="3267146" h="3479800">
+                  <a:moveTo>
+                    <a:pt x="0" y="0"/>
+                  </a:moveTo>
+                  <a:lnTo>
+                    <a:pt x="3267146" y="0"/>
+                  </a:lnTo>
+                  <a:lnTo>
+                    <a:pt x="3267146" y="3479800"/>
+                  </a:lnTo>
+                  <a:lnTo>
+                    <a:pt x="0" y="3479800"/>
+                  </a:lnTo>
+                  <a:close/>
+                </a:path>
+              </a:pathLst>
+            </a:custGeom>
+            <a:solidFill>
+              <a:srgbClr val="004AAD"/>
+            </a:solidFill>
+          </p:spPr>
+        </p:sp>
+      </p:grpSp>
+      <p:sp>
+        <p:nvSpPr>
+          <p:cNvPr id="8" name="TextBox 8"/>
+          <p:cNvSpPr txBox="1"/>
+          <p:nvPr/>
+        </p:nvSpPr>
+        <p:spPr>
+          <a:xfrm>
+            <a:off x="222349" y="650875"/>
+            <a:ext cx="8248650" cy="662939"/>
+          </a:xfrm>
+          <a:prstGeom prst="rect">
+            <a:avLst/>
+          </a:prstGeom>
+        </p:spPr>
+        <p:txBody>
+          <a:bodyPr lIns="0" tIns="0" rIns="0" bIns="0" rtlCol="0" anchor="t">
+            <a:spAutoFit/>
+          </a:bodyPr>
+          <a:lstStyle/>
+          <a:p>
+            <a:pPr>
+              <a:lnSpc>
+                <a:spcPts val="5460"/>
+              </a:lnSpc>
+            </a:pPr>
+            <a:r>
+              <a:rPr lang="en-US" sz="3900">
+                <a:solidFill>
+                  <a:srgbClr val="000000"/>
+                </a:solidFill>
+                <a:latin typeface="Open Sans Extra Bold"/>
+              </a:rPr>
+              <a:t>Implementazione elimina_righe </a:t>
+            </a:r>
+          </a:p>
+        </p:txBody>
+      </p:sp>
+      <p:sp>
+        <p:nvSpPr>
+          <p:cNvPr id="9" name="TextBox 9"/>
+          <p:cNvSpPr txBox="1"/>
+          <p:nvPr/>
+        </p:nvSpPr>
+        <p:spPr>
+          <a:xfrm>
+            <a:off x="455127" y="1884589"/>
+            <a:ext cx="5470497" cy="877570"/>
+          </a:xfrm>
+          <a:prstGeom prst="rect">
+            <a:avLst/>
+          </a:prstGeom>
+        </p:spPr>
+        <p:txBody>
+          <a:bodyPr lIns="0" tIns="0" rIns="0" bIns="0" rtlCol="0" anchor="t">
+            <a:spAutoFit/>
+          </a:bodyPr>
+          <a:lstStyle/>
+          <a:p>
+            <a:pPr>
+              <a:lnSpc>
+                <a:spcPts val="7279"/>
+              </a:lnSpc>
+            </a:pPr>
+            <a:r>
+              <a:rPr lang="en-US" sz="5199">
+                <a:solidFill>
+                  <a:srgbClr val="000000"/>
+                </a:solidFill>
+                <a:latin typeface="Open Sans"/>
+              </a:rPr>
+              <a:t>Cliente</a:t>
+            </a:r>
+          </a:p>
+        </p:txBody>
+      </p:sp>
+      <p:sp>
+        <p:nvSpPr>
+          <p:cNvPr id="10" name="TextBox 10"/>
+          <p:cNvSpPr txBox="1"/>
+          <p:nvPr/>
+        </p:nvSpPr>
+        <p:spPr>
+          <a:xfrm>
+            <a:off x="8940627" y="-95135"/>
+            <a:ext cx="6951218" cy="877570"/>
+          </a:xfrm>
+          <a:prstGeom prst="rect">
+            <a:avLst/>
+          </a:prstGeom>
+        </p:spPr>
+        <p:txBody>
+          <a:bodyPr lIns="0" tIns="0" rIns="0" bIns="0" rtlCol="0" anchor="t">
+            <a:spAutoFit/>
+          </a:bodyPr>
+          <a:lstStyle/>
+          <a:p>
+            <a:pPr>
+              <a:lnSpc>
+                <a:spcPts val="7279"/>
+              </a:lnSpc>
+            </a:pPr>
+            <a:r>
+              <a:rPr lang="en-US" sz="5199" dirty="0" err="1">
+                <a:solidFill>
+                  <a:srgbClr val="FFFFFF"/>
+                </a:solidFill>
+                <a:latin typeface="Open Sans"/>
+              </a:rPr>
+              <a:t>Servitore</a:t>
+            </a:r>
+            <a:endParaRPr lang="en-US" sz="5199" dirty="0">
+              <a:solidFill>
+                <a:srgbClr val="FFFFFF"/>
+              </a:solidFill>
+              <a:latin typeface="Open Sans"/>
+            </a:endParaRPr>
+          </a:p>
+        </p:txBody>
+      </p:sp>
+      <p:sp>
+        <p:nvSpPr>
+          <p:cNvPr id="11" name="TextBox 10">
+            <a:extLst>
+              <a:ext uri="{FF2B5EF4-FFF2-40B4-BE49-F238E27FC236}">
+                <a16:creationId xmlns:a16="http://schemas.microsoft.com/office/drawing/2014/main" id="{CB481C6B-CB88-414A-B62F-539E8530A4AF}"/>
+              </a:ext>
+            </a:extLst>
+          </p:cNvPr>
+          <p:cNvSpPr txBox="1"/>
+          <p:nvPr/>
+        </p:nvSpPr>
+        <p:spPr>
+          <a:xfrm>
+            <a:off x="8634132" y="893756"/>
+            <a:ext cx="393056" cy="584775"/>
+          </a:xfrm>
+          <a:prstGeom prst="rect">
+            <a:avLst/>
+          </a:prstGeom>
+          <a:noFill/>
+        </p:spPr>
+        <p:txBody>
+          <a:bodyPr wrap="none" rtlCol="0">
+            <a:spAutoFit/>
+          </a:bodyPr>
+          <a:lstStyle/>
+          <a:p>
+            <a:r>
+              <a:rPr lang="it-IT" sz="3200" dirty="0">
+                <a:solidFill>
+                  <a:schemeClr val="bg1"/>
+                </a:solidFill>
+              </a:rPr>
+              <a:t>1</a:t>
+            </a:r>
+          </a:p>
+        </p:txBody>
+      </p:sp>
+      <p:sp>
+        <p:nvSpPr>
+          <p:cNvPr id="12" name="TextBox 11">
+            <a:extLst>
+              <a:ext uri="{FF2B5EF4-FFF2-40B4-BE49-F238E27FC236}">
+                <a16:creationId xmlns:a16="http://schemas.microsoft.com/office/drawing/2014/main" id="{99955DFA-B384-44DE-A4C5-5915FA847F05}"/>
+              </a:ext>
+            </a:extLst>
+          </p:cNvPr>
+          <p:cNvSpPr txBox="1"/>
+          <p:nvPr/>
+        </p:nvSpPr>
+        <p:spPr>
+          <a:xfrm>
+            <a:off x="8616203" y="2327605"/>
+            <a:ext cx="393056" cy="584775"/>
+          </a:xfrm>
+          <a:prstGeom prst="rect">
+            <a:avLst/>
+          </a:prstGeom>
+          <a:noFill/>
+        </p:spPr>
+        <p:txBody>
+          <a:bodyPr wrap="none" rtlCol="0">
+            <a:spAutoFit/>
+          </a:bodyPr>
+          <a:lstStyle/>
+          <a:p>
+            <a:r>
+              <a:rPr lang="it-IT" sz="3200" dirty="0">
+                <a:solidFill>
+                  <a:schemeClr val="bg1"/>
+                </a:solidFill>
+              </a:rPr>
+              <a:t>2</a:t>
+            </a:r>
+          </a:p>
+        </p:txBody>
+      </p:sp>
+      <p:pic>
+        <p:nvPicPr>
+          <p:cNvPr id="15" name="Picture 14">
+            <a:extLst>
+              <a:ext uri="{FF2B5EF4-FFF2-40B4-BE49-F238E27FC236}">
+                <a16:creationId xmlns:a16="http://schemas.microsoft.com/office/drawing/2014/main" id="{7108F02C-4513-4FD6-ABE8-57753BBDDCCD}"/>
+              </a:ext>
+            </a:extLst>
+          </p:cNvPr>
+          <p:cNvPicPr>
+            <a:picLocks noChangeAspect="1"/>
+          </p:cNvPicPr>
+          <p:nvPr/>
+        </p:nvPicPr>
+        <p:blipFill>
+          <a:blip r:embed="rId2"/>
+          <a:stretch>
+            <a:fillRect/>
+          </a:stretch>
+        </p:blipFill>
+        <p:spPr>
+          <a:xfrm>
+            <a:off x="9091979" y="945238"/>
+            <a:ext cx="7211431" cy="1362265"/>
+          </a:xfrm>
+          <a:prstGeom prst="rect">
+            <a:avLst/>
+          </a:prstGeom>
+        </p:spPr>
+      </p:pic>
+      <p:pic>
+        <p:nvPicPr>
+          <p:cNvPr id="21" name="Picture 20">
+            <a:extLst>
+              <a:ext uri="{FF2B5EF4-FFF2-40B4-BE49-F238E27FC236}">
+                <a16:creationId xmlns:a16="http://schemas.microsoft.com/office/drawing/2014/main" id="{036CF5DD-D5A2-40D7-9FDA-EA693F7795AA}"/>
+              </a:ext>
+            </a:extLst>
+          </p:cNvPr>
+          <p:cNvPicPr>
+            <a:picLocks noChangeAspect="1"/>
+          </p:cNvPicPr>
+          <p:nvPr/>
+        </p:nvPicPr>
+        <p:blipFill>
+          <a:blip r:embed="rId3"/>
+          <a:stretch>
+            <a:fillRect/>
+          </a:stretch>
+        </p:blipFill>
+        <p:spPr>
+          <a:xfrm>
+            <a:off x="9105779" y="2552700"/>
+            <a:ext cx="8592749" cy="7630590"/>
+          </a:xfrm>
+          <a:prstGeom prst="rect">
+            <a:avLst/>
+          </a:prstGeom>
+        </p:spPr>
+      </p:pic>
+      <p:sp>
+        <p:nvSpPr>
+          <p:cNvPr id="22" name="Freeform 6">
+            <a:extLst>
+              <a:ext uri="{FF2B5EF4-FFF2-40B4-BE49-F238E27FC236}">
+                <a16:creationId xmlns:a16="http://schemas.microsoft.com/office/drawing/2014/main" id="{B9388508-DCF6-4827-A44E-9A86499E041B}"/>
+              </a:ext>
+            </a:extLst>
+          </p:cNvPr>
+          <p:cNvSpPr/>
+          <p:nvPr/>
+        </p:nvSpPr>
+        <p:spPr>
+          <a:xfrm>
+            <a:off x="16896601" y="8724900"/>
+            <a:ext cx="1284201" cy="1289957"/>
+          </a:xfrm>
+          <a:custGeom>
+            <a:avLst/>
+            <a:gdLst/>
+            <a:ahLst/>
+            <a:cxnLst/>
+            <a:rect l="l" t="t" r="r" b="b"/>
+            <a:pathLst>
+              <a:path w="6321665" h="6350000">
+                <a:moveTo>
+                  <a:pt x="3160833" y="0"/>
+                </a:moveTo>
+                <a:lnTo>
+                  <a:pt x="3160833" y="0"/>
+                </a:lnTo>
+                <a:cubicBezTo>
+                  <a:pt x="4908795" y="7817"/>
+                  <a:pt x="6321666" y="1427021"/>
+                  <a:pt x="6321666" y="3175000"/>
+                </a:cubicBezTo>
+                <a:cubicBezTo>
+                  <a:pt x="6321666" y="4922979"/>
+                  <a:pt x="4908795" y="6342183"/>
+                  <a:pt x="3160833" y="6350000"/>
+                </a:cubicBezTo>
+                <a:cubicBezTo>
+                  <a:pt x="1412871" y="6342183"/>
+                  <a:pt x="0" y="4922979"/>
+                  <a:pt x="0" y="3175000"/>
+                </a:cubicBezTo>
+                <a:cubicBezTo>
+                  <a:pt x="0" y="1427021"/>
+                  <a:pt x="1412871" y="7817"/>
+                  <a:pt x="3160833" y="0"/>
+                </a:cubicBezTo>
+                <a:close/>
+              </a:path>
+            </a:pathLst>
+          </a:custGeom>
+          <a:solidFill>
+            <a:srgbClr val="FF914D"/>
+          </a:solidFill>
+        </p:spPr>
+      </p:sp>
+      <p:sp>
+        <p:nvSpPr>
+          <p:cNvPr id="23" name="TextBox 7">
+            <a:extLst>
+              <a:ext uri="{FF2B5EF4-FFF2-40B4-BE49-F238E27FC236}">
+                <a16:creationId xmlns:a16="http://schemas.microsoft.com/office/drawing/2014/main" id="{D358C354-B9FB-431A-A4EA-ED0018066618}"/>
+              </a:ext>
+            </a:extLst>
+          </p:cNvPr>
+          <p:cNvSpPr txBox="1"/>
+          <p:nvPr/>
+        </p:nvSpPr>
+        <p:spPr>
+          <a:xfrm>
+            <a:off x="17416363" y="9063015"/>
+            <a:ext cx="244673" cy="563721"/>
+          </a:xfrm>
+          <a:prstGeom prst="rect">
+            <a:avLst/>
+          </a:prstGeom>
+        </p:spPr>
+        <p:txBody>
+          <a:bodyPr lIns="0" tIns="0" rIns="0" bIns="0" rtlCol="0" anchor="t">
+            <a:spAutoFit/>
+          </a:bodyPr>
+          <a:lstStyle/>
+          <a:p>
+            <a:pPr algn="ctr">
+              <a:lnSpc>
+                <a:spcPts val="4759"/>
+              </a:lnSpc>
+            </a:pPr>
+            <a:r>
+              <a:rPr lang="en-US" sz="3399" dirty="0">
+                <a:solidFill>
+                  <a:srgbClr val="FFFFFF"/>
+                </a:solidFill>
+                <a:latin typeface="Open Sans Light Bold"/>
+              </a:rPr>
+              <a:t>6</a:t>
+            </a:r>
+          </a:p>
+        </p:txBody>
+      </p:sp>
+      <p:pic>
+        <p:nvPicPr>
+          <p:cNvPr id="25" name="Picture 24">
+            <a:extLst>
+              <a:ext uri="{FF2B5EF4-FFF2-40B4-BE49-F238E27FC236}">
+                <a16:creationId xmlns:a16="http://schemas.microsoft.com/office/drawing/2014/main" id="{A31FBA86-FE7E-4A22-8975-68014548B898}"/>
+              </a:ext>
+            </a:extLst>
+          </p:cNvPr>
+          <p:cNvPicPr>
+            <a:picLocks noChangeAspect="1"/>
+          </p:cNvPicPr>
+          <p:nvPr/>
+        </p:nvPicPr>
+        <p:blipFill>
+          <a:blip r:embed="rId4"/>
+          <a:stretch>
+            <a:fillRect/>
+          </a:stretch>
+        </p:blipFill>
+        <p:spPr>
+          <a:xfrm>
+            <a:off x="222349" y="3009900"/>
+            <a:ext cx="7697274" cy="5553850"/>
+          </a:xfrm>
+          <a:prstGeom prst="rect">
+            <a:avLst/>
+          </a:prstGeom>
+        </p:spPr>
+      </p:pic>
+    </p:spTree>
+  </p:cSld>
+  <p:clrMapOvr>
+    <a:masterClrMapping/>
+  </p:clrMapOvr>
+</p:sld>
+</file>
+
+<file path=ppt/slides/slide7.xml><?xml version="1.0" encoding="utf-8"?>
+<p:sld xmlns:a="http://schemas.openxmlformats.org/drawingml/2006/main" xmlns:r="http://schemas.openxmlformats.org/officeDocument/2006/relationships" xmlns:p="http://schemas.openxmlformats.org/presentationml/2006/main">
+  <p:cSld>
+    <p:bg>
+      <p:bgPr>
+        <a:solidFill>
+          <a:srgbClr val="FF914D"/>
+        </a:solidFill>
+        <a:effectLst/>
+      </p:bgPr>
+    </p:bg>
+    <p:spTree>
+      <p:nvGrpSpPr>
+        <p:cNvPr id="1" name=""/>
+        <p:cNvGrpSpPr/>
+        <p:nvPr/>
+      </p:nvGrpSpPr>
+      <p:grpSpPr>
+        <a:xfrm>
+          <a:off x="0" y="0"/>
+          <a:ext cx="0" cy="0"/>
+          <a:chOff x="0" y="0"/>
+          <a:chExt cx="0" cy="0"/>
+        </a:xfrm>
+      </p:grpSpPr>
+      <p:grpSp>
+        <p:nvGrpSpPr>
+          <p:cNvPr id="2" name="Group 2"/>
+          <p:cNvGrpSpPr/>
+          <p:nvPr/>
+        </p:nvGrpSpPr>
+        <p:grpSpPr>
+          <a:xfrm>
+            <a:off x="8629650" y="0"/>
+            <a:ext cx="9658350" cy="10287000"/>
+            <a:chOff x="0" y="0"/>
+            <a:chExt cx="3267146" cy="3479800"/>
+          </a:xfrm>
+        </p:grpSpPr>
+        <p:sp>
+          <p:nvSpPr>
+            <p:cNvPr id="3" name="Freeform 3"/>
+            <p:cNvSpPr/>
+            <p:nvPr/>
+          </p:nvSpPr>
+          <p:spPr>
+            <a:xfrm>
+              <a:off x="0" y="0"/>
+              <a:ext cx="3267146" cy="3479800"/>
+            </a:xfrm>
+            <a:custGeom>
+              <a:avLst/>
+              <a:gdLst/>
+              <a:ahLst/>
+              <a:cxnLst/>
+              <a:rect l="l" t="t" r="r" b="b"/>
+              <a:pathLst>
+                <a:path w="3267146" h="3479800">
                   <a:moveTo>
                     <a:pt x="0" y="0"/>
                   </a:moveTo>
@@ -7599,12 +8219,12 @@
       </p:grpSp>
       <p:grpSp>
         <p:nvGrpSpPr>
-          <p:cNvPr name="Group 4" id="4"/>
+          <p:cNvPr id="4" name="Group 4"/>
           <p:cNvGrpSpPr/>
           <p:nvPr/>
         </p:nvGrpSpPr>
         <p:grpSpPr>
-          <a:xfrm rot="0">
+          <a:xfrm>
             <a:off x="16648765" y="8740635"/>
             <a:ext cx="1289957" cy="1289957"/>
             <a:chOff x="0" y="0"/>
@@ -7613,12 +8233,12 @@
         </p:grpSpPr>
         <p:grpSp>
           <p:nvGrpSpPr>
-            <p:cNvPr name="Group 5" id="5"/>
+            <p:cNvPr id="5" name="Group 5"/>
             <p:cNvGrpSpPr/>
             <p:nvPr/>
           </p:nvGrpSpPr>
           <p:grpSpPr>
-            <a:xfrm rot="0">
+            <a:xfrm>
               <a:off x="0" y="0"/>
               <a:ext cx="1719943" cy="1719943"/>
               <a:chOff x="0" y="0"/>
@@ -7627,7 +8247,7 @@
           </p:grpSpPr>
           <p:sp>
             <p:nvSpPr>
-              <p:cNvPr name="Freeform 6" id="6"/>
+              <p:cNvPr id="6" name="Freeform 6"/>
               <p:cNvSpPr/>
               <p:nvPr/>
             </p:nvSpPr>
@@ -7641,9 +8261,9 @@
                 <a:gdLst/>
                 <a:ahLst/>
                 <a:cxnLst/>
-                <a:rect r="r" b="b" t="t" l="l"/>
+                <a:rect l="l" t="t" r="r" b="b"/>
                 <a:pathLst>
-                  <a:path h="6350000" w="6321665">
+                  <a:path w="6321665" h="6350000">
                     <a:moveTo>
                       <a:pt x="3160833" y="0"/>
                     </a:moveTo>
@@ -7682,12 +8302,12 @@
         </p:grpSp>
         <p:sp>
           <p:nvSpPr>
-            <p:cNvPr name="TextBox 7" id="7"/>
-            <p:cNvSpPr txBox="true"/>
+            <p:cNvPr id="7" name="TextBox 7"/>
+            <p:cNvSpPr txBox="1"/>
             <p:nvPr/>
           </p:nvSpPr>
           <p:spPr>
-            <a:xfrm rot="0">
+            <a:xfrm>
               <a:off x="696856" y="450820"/>
               <a:ext cx="326231" cy="751628"/>
             </a:xfrm>
@@ -7696,330 +8316,7 @@
             </a:prstGeom>
           </p:spPr>
           <p:txBody>
-            <a:bodyPr anchor="t" rtlCol="false" tIns="0" lIns="0" bIns="0" rIns="0">
-              <a:spAutoFit/>
-            </a:bodyPr>
-            <a:lstStyle/>
-            <a:p>
-              <a:pPr algn="ctr">
-                <a:lnSpc>
-                  <a:spcPts val="4759"/>
-                </a:lnSpc>
-              </a:pPr>
-              <a:r>
-                <a:rPr lang="en-US" sz="3399">
-                  <a:solidFill>
-                    <a:srgbClr val="FFFFFF"/>
-                  </a:solidFill>
-                  <a:latin typeface="Open Sans Light Bold"/>
-                </a:rPr>
-                <a:t>6</a:t>
-              </a:r>
-            </a:p>
-          </p:txBody>
-        </p:sp>
-      </p:grpSp>
-      <p:sp>
-        <p:nvSpPr>
-          <p:cNvPr name="TextBox 8" id="8"/>
-          <p:cNvSpPr txBox="true"/>
-          <p:nvPr/>
-        </p:nvSpPr>
-        <p:spPr>
-          <a:xfrm rot="0">
-            <a:off x="222349" y="650875"/>
-            <a:ext cx="8248650" cy="662939"/>
-          </a:xfrm>
-          <a:prstGeom prst="rect">
-            <a:avLst/>
-          </a:prstGeom>
-        </p:spPr>
-        <p:txBody>
-          <a:bodyPr anchor="t" rtlCol="false" tIns="0" lIns="0" bIns="0" rIns="0">
-            <a:spAutoFit/>
-          </a:bodyPr>
-          <a:lstStyle/>
-          <a:p>
-            <a:pPr>
-              <a:lnSpc>
-                <a:spcPts val="5460"/>
-              </a:lnSpc>
-            </a:pPr>
-            <a:r>
-              <a:rPr lang="en-US" sz="3900">
-                <a:solidFill>
-                  <a:srgbClr val="000000"/>
-                </a:solidFill>
-                <a:latin typeface="Open Sans Extra Bold"/>
-              </a:rPr>
-              <a:t>Implementazione elimina_righe </a:t>
-            </a:r>
-          </a:p>
-        </p:txBody>
-      </p:sp>
-      <p:sp>
-        <p:nvSpPr>
-          <p:cNvPr name="TextBox 9" id="9"/>
-          <p:cNvSpPr txBox="true"/>
-          <p:nvPr/>
-        </p:nvSpPr>
-        <p:spPr>
-          <a:xfrm rot="0">
-            <a:off x="455127" y="1884589"/>
-            <a:ext cx="5470497" cy="877570"/>
-          </a:xfrm>
-          <a:prstGeom prst="rect">
-            <a:avLst/>
-          </a:prstGeom>
-        </p:spPr>
-        <p:txBody>
-          <a:bodyPr anchor="t" rtlCol="false" tIns="0" lIns="0" bIns="0" rIns="0">
-            <a:spAutoFit/>
-          </a:bodyPr>
-          <a:lstStyle/>
-          <a:p>
-            <a:pPr>
-              <a:lnSpc>
-                <a:spcPts val="7279"/>
-              </a:lnSpc>
-            </a:pPr>
-            <a:r>
-              <a:rPr lang="en-US" sz="5199">
-                <a:solidFill>
-                  <a:srgbClr val="000000"/>
-                </a:solidFill>
-                <a:latin typeface="Open Sans"/>
-              </a:rPr>
-              <a:t>Cliente</a:t>
-            </a:r>
-          </a:p>
-        </p:txBody>
-      </p:sp>
-      <p:sp>
-        <p:nvSpPr>
-          <p:cNvPr name="TextBox 10" id="10"/>
-          <p:cNvSpPr txBox="true"/>
-          <p:nvPr/>
-        </p:nvSpPr>
-        <p:spPr>
-          <a:xfrm rot="0">
-            <a:off x="9472948" y="1884589"/>
-            <a:ext cx="6951218" cy="877570"/>
-          </a:xfrm>
-          <a:prstGeom prst="rect">
-            <a:avLst/>
-          </a:prstGeom>
-        </p:spPr>
-        <p:txBody>
-          <a:bodyPr anchor="t" rtlCol="false" tIns="0" lIns="0" bIns="0" rIns="0">
-            <a:spAutoFit/>
-          </a:bodyPr>
-          <a:lstStyle/>
-          <a:p>
-            <a:pPr>
-              <a:lnSpc>
-                <a:spcPts val="7279"/>
-              </a:lnSpc>
-            </a:pPr>
-            <a:r>
-              <a:rPr lang="en-US" sz="5199">
-                <a:solidFill>
-                  <a:srgbClr val="FFFFFF"/>
-                </a:solidFill>
-                <a:latin typeface="Open Sans"/>
-              </a:rPr>
-              <a:t>Servitore</a:t>
-            </a:r>
-          </a:p>
-        </p:txBody>
-      </p:sp>
-    </p:spTree>
-  </p:cSld>
-  <p:clrMapOvr>
-    <a:masterClrMapping/>
-  </p:clrMapOvr>
-</p:sld>
-</file>
-
-<file path=ppt/slides/slide7.xml><?xml version="1.0" encoding="utf-8"?>
-<p:sld xmlns:p="http://schemas.openxmlformats.org/presentationml/2006/main" xmlns:a="http://schemas.openxmlformats.org/drawingml/2006/main" xmlns:r="http://schemas.openxmlformats.org/officeDocument/2006/relationships">
-  <p:cSld>
-    <p:bg>
-      <p:bgPr>
-        <a:solidFill>
-          <a:srgbClr val="FF914D"/>
-        </a:solidFill>
-      </p:bgPr>
-    </p:bg>
-    <p:spTree>
-      <p:nvGrpSpPr>
-        <p:cNvPr id="1" name=""/>
-        <p:cNvGrpSpPr/>
-        <p:nvPr/>
-      </p:nvGrpSpPr>
-      <p:grpSpPr>
-        <a:xfrm>
-          <a:off x="0" y="0"/>
-          <a:ext cx="0" cy="0"/>
-          <a:chOff x="0" y="0"/>
-          <a:chExt cx="0" cy="0"/>
-        </a:xfrm>
-      </p:grpSpPr>
-      <p:grpSp>
-        <p:nvGrpSpPr>
-          <p:cNvPr name="Group 2" id="2"/>
-          <p:cNvGrpSpPr/>
-          <p:nvPr/>
-        </p:nvGrpSpPr>
-        <p:grpSpPr>
-          <a:xfrm rot="0">
-            <a:off x="8629650" y="0"/>
-            <a:ext cx="9658350" cy="10287000"/>
-            <a:chOff x="0" y="0"/>
-            <a:chExt cx="3267146" cy="3479800"/>
-          </a:xfrm>
-        </p:grpSpPr>
-        <p:sp>
-          <p:nvSpPr>
-            <p:cNvPr name="Freeform 3" id="3"/>
-            <p:cNvSpPr/>
-            <p:nvPr/>
-          </p:nvSpPr>
-          <p:spPr>
-            <a:xfrm>
-              <a:off x="0" y="0"/>
-              <a:ext cx="3267146" cy="3479800"/>
-            </a:xfrm>
-            <a:custGeom>
-              <a:avLst/>
-              <a:gdLst/>
-              <a:ahLst/>
-              <a:cxnLst/>
-              <a:rect r="r" b="b" t="t" l="l"/>
-              <a:pathLst>
-                <a:path h="3479800" w="3267146">
-                  <a:moveTo>
-                    <a:pt x="0" y="0"/>
-                  </a:moveTo>
-                  <a:lnTo>
-                    <a:pt x="3267146" y="0"/>
-                  </a:lnTo>
-                  <a:lnTo>
-                    <a:pt x="3267146" y="3479800"/>
-                  </a:lnTo>
-                  <a:lnTo>
-                    <a:pt x="0" y="3479800"/>
-                  </a:lnTo>
-                  <a:close/>
-                </a:path>
-              </a:pathLst>
-            </a:custGeom>
-            <a:solidFill>
-              <a:srgbClr val="004AAD"/>
-            </a:solidFill>
-          </p:spPr>
-        </p:sp>
-      </p:grpSp>
-      <p:grpSp>
-        <p:nvGrpSpPr>
-          <p:cNvPr name="Group 4" id="4"/>
-          <p:cNvGrpSpPr/>
-          <p:nvPr/>
-        </p:nvGrpSpPr>
-        <p:grpSpPr>
-          <a:xfrm rot="0">
-            <a:off x="16648765" y="8740635"/>
-            <a:ext cx="1289957" cy="1289957"/>
-            <a:chOff x="0" y="0"/>
-            <a:chExt cx="1719943" cy="1719943"/>
-          </a:xfrm>
-        </p:grpSpPr>
-        <p:grpSp>
-          <p:nvGrpSpPr>
-            <p:cNvPr name="Group 5" id="5"/>
-            <p:cNvGrpSpPr/>
-            <p:nvPr/>
-          </p:nvGrpSpPr>
-          <p:grpSpPr>
-            <a:xfrm rot="0">
-              <a:off x="0" y="0"/>
-              <a:ext cx="1719943" cy="1719943"/>
-              <a:chOff x="0" y="0"/>
-              <a:chExt cx="6350000" cy="6350000"/>
-            </a:xfrm>
-          </p:grpSpPr>
-          <p:sp>
-            <p:nvSpPr>
-              <p:cNvPr name="Freeform 6" id="6"/>
-              <p:cNvSpPr/>
-              <p:nvPr/>
-            </p:nvSpPr>
-            <p:spPr>
-              <a:xfrm>
-                <a:off x="14167" y="0"/>
-                <a:ext cx="6321665" cy="6350000"/>
-              </a:xfrm>
-              <a:custGeom>
-                <a:avLst/>
-                <a:gdLst/>
-                <a:ahLst/>
-                <a:cxnLst/>
-                <a:rect r="r" b="b" t="t" l="l"/>
-                <a:pathLst>
-                  <a:path h="6350000" w="6321665">
-                    <a:moveTo>
-                      <a:pt x="3160833" y="0"/>
-                    </a:moveTo>
-                    <a:lnTo>
-                      <a:pt x="3160833" y="0"/>
-                    </a:lnTo>
-                    <a:cubicBezTo>
-                      <a:pt x="4908795" y="7817"/>
-                      <a:pt x="6321666" y="1427021"/>
-                      <a:pt x="6321666" y="3175000"/>
-                    </a:cubicBezTo>
-                    <a:cubicBezTo>
-                      <a:pt x="6321666" y="4922979"/>
-                      <a:pt x="4908795" y="6342183"/>
-                      <a:pt x="3160833" y="6350000"/>
-                    </a:cubicBezTo>
-                    <a:cubicBezTo>
-                      <a:pt x="1412871" y="6342183"/>
-                      <a:pt x="0" y="4922979"/>
-                      <a:pt x="0" y="3175000"/>
-                    </a:cubicBezTo>
-                    <a:cubicBezTo>
-                      <a:pt x="0" y="1427021"/>
-                      <a:pt x="1412871" y="7817"/>
-                      <a:pt x="3160833" y="0"/>
-                    </a:cubicBezTo>
-                    <a:close/>
-                  </a:path>
-                </a:pathLst>
-              </a:custGeom>
-              <a:solidFill>
-                <a:srgbClr val="FF914D"/>
-              </a:solidFill>
-            </p:spPr>
-          </p:sp>
-        </p:grpSp>
-        <p:sp>
-          <p:nvSpPr>
-            <p:cNvPr name="TextBox 7" id="7"/>
-            <p:cNvSpPr txBox="true"/>
-            <p:nvPr/>
-          </p:nvSpPr>
-          <p:spPr>
-            <a:xfrm rot="0">
-              <a:off x="696856" y="450820"/>
-              <a:ext cx="326231" cy="751628"/>
-            </a:xfrm>
-            <a:prstGeom prst="rect">
-              <a:avLst/>
-            </a:prstGeom>
-          </p:spPr>
-          <p:txBody>
-            <a:bodyPr anchor="t" rtlCol="false" tIns="0" lIns="0" bIns="0" rIns="0">
+            <a:bodyPr lIns="0" tIns="0" rIns="0" bIns="0" rtlCol="0" anchor="t">
               <a:spAutoFit/>
             </a:bodyPr>
             <a:lstStyle/>
@@ -8044,21 +8341,21 @@
       </p:grpSp>
       <p:pic>
         <p:nvPicPr>
-          <p:cNvPr name="Picture 8" id="8"/>
+          <p:cNvPr id="8" name="Picture 8"/>
           <p:cNvPicPr>
-            <a:picLocks noChangeAspect="true"/>
+            <a:picLocks noChangeAspect="1"/>
           </p:cNvPicPr>
           <p:nvPr/>
         </p:nvPicPr>
         <p:blipFill>
           <a:blip r:embed="rId2"/>
-          <a:srcRect l="0" t="0" r="0" b="0"/>
+          <a:srcRect/>
           <a:stretch>
             <a:fillRect/>
           </a:stretch>
         </p:blipFill>
         <p:spPr>
-          <a:xfrm flipH="false" flipV="false" rot="0">
+          <a:xfrm>
             <a:off x="533932" y="3615601"/>
             <a:ext cx="2595069" cy="2595069"/>
           </a:xfrm>
@@ -8069,21 +8366,21 @@
       </p:pic>
       <p:pic>
         <p:nvPicPr>
-          <p:cNvPr name="Picture 9" id="9"/>
+          <p:cNvPr id="9" name="Picture 9"/>
           <p:cNvPicPr>
-            <a:picLocks noChangeAspect="true"/>
+            <a:picLocks noChangeAspect="1"/>
           </p:cNvPicPr>
           <p:nvPr/>
         </p:nvPicPr>
         <p:blipFill>
           <a:blip r:embed="rId3"/>
-          <a:srcRect l="0" t="0" r="0" b="0"/>
+          <a:srcRect/>
           <a:stretch>
             <a:fillRect/>
           </a:stretch>
         </p:blipFill>
         <p:spPr>
-          <a:xfrm flipH="false" flipV="false" rot="0">
+          <a:xfrm>
             <a:off x="4326657" y="6603394"/>
             <a:ext cx="2782219" cy="2782219"/>
           </a:xfrm>
@@ -8094,21 +8391,21 @@
       </p:pic>
       <p:pic>
         <p:nvPicPr>
-          <p:cNvPr name="Picture 10" id="10"/>
+          <p:cNvPr id="10" name="Picture 10"/>
           <p:cNvPicPr>
-            <a:picLocks noChangeAspect="true"/>
+            <a:picLocks noChangeAspect="1"/>
           </p:cNvPicPr>
           <p:nvPr/>
         </p:nvPicPr>
         <p:blipFill>
           <a:blip r:embed="rId4"/>
-          <a:srcRect l="0" t="0" r="0" b="0"/>
+          <a:srcRect/>
           <a:stretch>
             <a:fillRect/>
           </a:stretch>
         </p:blipFill>
         <p:spPr>
-          <a:xfrm flipH="false" flipV="false" rot="0">
+          <a:xfrm>
             <a:off x="13458825" y="3615601"/>
             <a:ext cx="4233182" cy="2381165"/>
           </a:xfrm>
@@ -8119,21 +8416,21 @@
       </p:pic>
       <p:pic>
         <p:nvPicPr>
-          <p:cNvPr name="Picture 11" id="11"/>
+          <p:cNvPr id="11" name="Picture 11"/>
           <p:cNvPicPr>
-            <a:picLocks noChangeAspect="true"/>
+            <a:picLocks noChangeAspect="1"/>
           </p:cNvPicPr>
           <p:nvPr/>
         </p:nvPicPr>
         <p:blipFill>
           <a:blip r:embed="rId5"/>
-          <a:srcRect l="0" t="0" r="0" b="0"/>
+          <a:srcRect/>
           <a:stretch>
             <a:fillRect/>
           </a:stretch>
         </p:blipFill>
         <p:spPr>
-          <a:xfrm flipH="false" flipV="false" rot="0">
+          <a:xfrm>
             <a:off x="9714198" y="6474224"/>
             <a:ext cx="2911389" cy="2911389"/>
           </a:xfrm>
@@ -8144,21 +8441,21 @@
       </p:pic>
       <p:pic>
         <p:nvPicPr>
-          <p:cNvPr name="Picture 12" id="12"/>
+          <p:cNvPr id="12" name="Picture 12"/>
           <p:cNvPicPr>
-            <a:picLocks noChangeAspect="true"/>
+            <a:picLocks noChangeAspect="1"/>
           </p:cNvPicPr>
           <p:nvPr/>
         </p:nvPicPr>
         <p:blipFill>
           <a:blip r:embed="rId6"/>
-          <a:srcRect l="0" t="0" r="0" b="0"/>
+          <a:srcRect/>
           <a:stretch>
             <a:fillRect/>
           </a:stretch>
         </p:blipFill>
         <p:spPr>
-          <a:xfrm flipH="false" flipV="false" rot="0">
+          <a:xfrm>
             <a:off x="9286875" y="3696169"/>
             <a:ext cx="3766035" cy="2118394"/>
           </a:xfrm>
@@ -8169,21 +8466,21 @@
       </p:pic>
       <p:pic>
         <p:nvPicPr>
-          <p:cNvPr name="Picture 13" id="13"/>
+          <p:cNvPr id="13" name="Picture 13"/>
           <p:cNvPicPr>
-            <a:picLocks noChangeAspect="true"/>
+            <a:picLocks noChangeAspect="1"/>
           </p:cNvPicPr>
           <p:nvPr/>
         </p:nvPicPr>
         <p:blipFill>
           <a:blip r:embed="rId7"/>
-          <a:srcRect l="0" t="0" r="0" b="0"/>
+          <a:srcRect/>
           <a:stretch>
             <a:fillRect/>
           </a:stretch>
         </p:blipFill>
         <p:spPr>
-          <a:xfrm flipH="false" flipV="false" rot="0">
+          <a:xfrm>
             <a:off x="3516782" y="4156881"/>
             <a:ext cx="4401968" cy="1839885"/>
           </a:xfrm>
@@ -8194,12 +8491,12 @@
       </p:pic>
       <p:sp>
         <p:nvSpPr>
-          <p:cNvPr name="TextBox 14" id="14"/>
-          <p:cNvSpPr txBox="true"/>
+          <p:cNvPr id="14" name="TextBox 14"/>
+          <p:cNvSpPr txBox="1"/>
           <p:nvPr/>
         </p:nvSpPr>
         <p:spPr>
-          <a:xfrm rot="0">
+          <a:xfrm>
             <a:off x="533932" y="516255"/>
             <a:ext cx="6441430" cy="920115"/>
           </a:xfrm>
@@ -8208,7 +8505,7 @@
           </a:prstGeom>
         </p:spPr>
         <p:txBody>
-          <a:bodyPr anchor="t" rtlCol="false" tIns="0" lIns="0" bIns="0" rIns="0">
+          <a:bodyPr lIns="0" tIns="0" rIns="0" bIns="0" rtlCol="0" anchor="t">
             <a:spAutoFit/>
           </a:bodyPr>
           <a:lstStyle/>
@@ -8232,12 +8529,12 @@
       </p:sp>
       <p:sp>
         <p:nvSpPr>
-          <p:cNvPr name="TextBox 15" id="15"/>
-          <p:cNvSpPr txBox="true"/>
+          <p:cNvPr id="15" name="TextBox 15"/>
+          <p:cNvSpPr txBox="1"/>
           <p:nvPr/>
         </p:nvSpPr>
         <p:spPr>
-          <a:xfrm rot="0">
+          <a:xfrm>
             <a:off x="533932" y="1884589"/>
             <a:ext cx="2144018" cy="877570"/>
           </a:xfrm>
@@ -8246,7 +8543,7 @@
           </a:prstGeom>
         </p:spPr>
         <p:txBody>
-          <a:bodyPr anchor="t" rtlCol="false" tIns="0" lIns="0" bIns="0" rIns="0">
+          <a:bodyPr lIns="0" tIns="0" rIns="0" bIns="0" rtlCol="0" anchor="t">
             <a:spAutoFit/>
           </a:bodyPr>
           <a:lstStyle/>
@@ -8270,12 +8567,12 @@
       </p:sp>
       <p:sp>
         <p:nvSpPr>
-          <p:cNvPr name="TextBox 16" id="16"/>
-          <p:cNvSpPr txBox="true"/>
+          <p:cNvPr id="16" name="TextBox 16"/>
+          <p:cNvSpPr txBox="1"/>
           <p:nvPr/>
         </p:nvSpPr>
         <p:spPr>
-          <a:xfrm rot="0">
+          <a:xfrm>
             <a:off x="9286875" y="1884589"/>
             <a:ext cx="1709291" cy="877570"/>
           </a:xfrm>
@@ -8284,7 +8581,7 @@
           </a:prstGeom>
         </p:spPr>
         <p:txBody>
-          <a:bodyPr anchor="t" rtlCol="false" tIns="0" lIns="0" bIns="0" rIns="0">
+          <a:bodyPr lIns="0" tIns="0" rIns="0" bIns="0" rtlCol="0" anchor="t">
             <a:spAutoFit/>
           </a:bodyPr>
           <a:lstStyle/>
@@ -8315,13 +8612,14 @@
 </file>
 
 <file path=ppt/slides/slide8.xml><?xml version="1.0" encoding="utf-8"?>
-<p:sld xmlns:p="http://schemas.openxmlformats.org/presentationml/2006/main" xmlns:a="http://schemas.openxmlformats.org/drawingml/2006/main" xmlns:r="http://schemas.openxmlformats.org/officeDocument/2006/relationships">
+<p:sld xmlns:a="http://schemas.openxmlformats.org/drawingml/2006/main" xmlns:r="http://schemas.openxmlformats.org/officeDocument/2006/relationships" xmlns:p="http://schemas.openxmlformats.org/presentationml/2006/main">
   <p:cSld>
     <p:bg>
       <p:bgPr>
         <a:solidFill>
           <a:srgbClr val="FF914D"/>
         </a:solidFill>
+        <a:effectLst/>
       </p:bgPr>
     </p:bg>
     <p:spTree>
@@ -8340,12 +8638,12 @@
       </p:grpSpPr>
       <p:grpSp>
         <p:nvGrpSpPr>
-          <p:cNvPr name="Group 2" id="2"/>
+          <p:cNvPr id="2" name="Group 2"/>
           <p:cNvGrpSpPr/>
           <p:nvPr/>
         </p:nvGrpSpPr>
         <p:grpSpPr>
-          <a:xfrm rot="0">
+          <a:xfrm>
             <a:off x="0" y="0"/>
             <a:ext cx="6502854" cy="10287000"/>
             <a:chOff x="0" y="0"/>
@@ -8354,7 +8652,7 @@
         </p:grpSpPr>
         <p:sp>
           <p:nvSpPr>
-            <p:cNvPr name="Freeform 3" id="3"/>
+            <p:cNvPr id="3" name="Freeform 3"/>
             <p:cNvSpPr/>
             <p:nvPr/>
           </p:nvSpPr>
@@ -8368,9 +8666,9 @@
               <a:gdLst/>
               <a:ahLst/>
               <a:cxnLst/>
-              <a:rect r="r" b="b" t="t" l="l"/>
+              <a:rect l="l" t="t" r="r" b="b"/>
               <a:pathLst>
-                <a:path h="3479800" w="2199731">
+                <a:path w="2199731" h="3479800">
                   <a:moveTo>
                     <a:pt x="0" y="0"/>
                   </a:moveTo>
@@ -8395,9 +8693,9 @@
       </p:grpSp>
       <p:pic>
         <p:nvPicPr>
-          <p:cNvPr name="Picture 4" id="4"/>
+          <p:cNvPr id="4" name="Picture 4"/>
           <p:cNvPicPr>
-            <a:picLocks noChangeAspect="true"/>
+            <a:picLocks noChangeAspect="1"/>
           </p:cNvPicPr>
           <p:nvPr/>
         </p:nvPicPr>
@@ -8412,13 +8710,13 @@
               </a:ext>
             </a:extLst>
           </a:blip>
-          <a:srcRect l="0" t="0" r="0" b="0"/>
+          <a:srcRect/>
           <a:stretch>
             <a:fillRect/>
           </a:stretch>
         </p:blipFill>
         <p:spPr>
-          <a:xfrm flipH="false" flipV="false" rot="0">
+          <a:xfrm>
             <a:off x="1280064" y="1714500"/>
             <a:ext cx="3942727" cy="4114800"/>
           </a:xfrm>
@@ -8429,12 +8727,12 @@
       </p:pic>
       <p:sp>
         <p:nvSpPr>
-          <p:cNvPr name="TextBox 5" id="5"/>
-          <p:cNvSpPr txBox="true"/>
+          <p:cNvPr id="5" name="TextBox 5"/>
+          <p:cNvSpPr txBox="1"/>
           <p:nvPr/>
         </p:nvSpPr>
         <p:spPr>
-          <a:xfrm rot="0">
+          <a:xfrm>
             <a:off x="10204581" y="3904615"/>
             <a:ext cx="4083695" cy="1533525"/>
           </a:xfrm>
@@ -8443,7 +8741,7 @@
           </a:prstGeom>
         </p:spPr>
         <p:txBody>
-          <a:bodyPr anchor="t" rtlCol="false" tIns="0" lIns="0" bIns="0" rIns="0">
+          <a:bodyPr lIns="0" tIns="0" rIns="0" bIns="0" rtlCol="0" anchor="t">
             <a:spAutoFit/>
           </a:bodyPr>
           <a:lstStyle/>
@@ -8467,12 +8765,12 @@
       </p:sp>
       <p:sp>
         <p:nvSpPr>
-          <p:cNvPr name="TextBox 6" id="6"/>
-          <p:cNvSpPr txBox="true"/>
+          <p:cNvPr id="6" name="TextBox 6"/>
+          <p:cNvSpPr txBox="1"/>
           <p:nvPr/>
         </p:nvSpPr>
         <p:spPr>
-          <a:xfrm rot="0">
+          <a:xfrm>
             <a:off x="7834568" y="5342890"/>
             <a:ext cx="8823722" cy="877570"/>
           </a:xfrm>
@@ -8481,7 +8779,7 @@
           </a:prstGeom>
         </p:spPr>
         <p:txBody>
-          <a:bodyPr anchor="t" rtlCol="false" tIns="0" lIns="0" bIns="0" rIns="0">
+          <a:bodyPr lIns="0" tIns="0" rIns="0" bIns="0" rtlCol="0" anchor="t">
             <a:spAutoFit/>
           </a:bodyPr>
           <a:lstStyle/>
@@ -8505,12 +8803,12 @@
       </p:sp>
       <p:sp>
         <p:nvSpPr>
-          <p:cNvPr name="TextBox 7" id="7"/>
-          <p:cNvSpPr txBox="true"/>
+          <p:cNvPr id="7" name="TextBox 7"/>
+          <p:cNvSpPr txBox="1"/>
           <p:nvPr/>
         </p:nvSpPr>
         <p:spPr>
-          <a:xfrm rot="0">
+          <a:xfrm>
             <a:off x="1698483" y="6360020"/>
             <a:ext cx="3681264" cy="2380615"/>
           </a:xfrm>
@@ -8519,7 +8817,7 @@
           </a:prstGeom>
         </p:spPr>
         <p:txBody>
-          <a:bodyPr anchor="t" rtlCol="false" tIns="0" lIns="0" bIns="0" rIns="0">
+          <a:bodyPr lIns="0" tIns="0" rIns="0" bIns="0" rtlCol="0" anchor="t">
             <a:spAutoFit/>
           </a:bodyPr>
           <a:lstStyle/>
@@ -8591,12 +8889,12 @@
       </p:sp>
       <p:sp>
         <p:nvSpPr>
-          <p:cNvPr name="TextBox 8" id="8"/>
-          <p:cNvSpPr txBox="true"/>
+          <p:cNvPr id="8" name="TextBox 8"/>
+          <p:cNvSpPr txBox="1"/>
           <p:nvPr/>
         </p:nvSpPr>
         <p:spPr>
-          <a:xfrm rot="0">
+          <a:xfrm>
             <a:off x="13793242" y="448310"/>
             <a:ext cx="3718471" cy="580390"/>
           </a:xfrm>
@@ -8605,7 +8903,7 @@
           </a:prstGeom>
         </p:spPr>
         <p:txBody>
-          <a:bodyPr anchor="t" rtlCol="false" tIns="0" lIns="0" bIns="0" rIns="0">
+          <a:bodyPr lIns="0" tIns="0" rIns="0" bIns="0" rtlCol="0" anchor="t">
             <a:spAutoFit/>
           </a:bodyPr>
           <a:lstStyle/>
@@ -8629,12 +8927,12 @@
       </p:sp>
       <p:grpSp>
         <p:nvGrpSpPr>
-          <p:cNvPr name="Group 9" id="9"/>
+          <p:cNvPr id="9" name="Group 9"/>
           <p:cNvGrpSpPr/>
           <p:nvPr/>
         </p:nvGrpSpPr>
         <p:grpSpPr>
-          <a:xfrm rot="0">
+          <a:xfrm>
             <a:off x="16658290" y="8740635"/>
             <a:ext cx="1289957" cy="1289957"/>
             <a:chOff x="0" y="0"/>
@@ -8643,12 +8941,12 @@
         </p:grpSpPr>
         <p:grpSp>
           <p:nvGrpSpPr>
-            <p:cNvPr name="Group 10" id="10"/>
+            <p:cNvPr id="10" name="Group 10"/>
             <p:cNvGrpSpPr/>
             <p:nvPr/>
           </p:nvGrpSpPr>
           <p:grpSpPr>
-            <a:xfrm rot="0">
+            <a:xfrm>
               <a:off x="0" y="0"/>
               <a:ext cx="1719943" cy="1719943"/>
               <a:chOff x="0" y="0"/>
@@ -8657,7 +8955,7 @@
           </p:grpSpPr>
           <p:sp>
             <p:nvSpPr>
-              <p:cNvPr name="Freeform 11" id="11"/>
+              <p:cNvPr id="11" name="Freeform 11"/>
               <p:cNvSpPr/>
               <p:nvPr/>
             </p:nvSpPr>
@@ -8671,9 +8969,9 @@
                 <a:gdLst/>
                 <a:ahLst/>
                 <a:cxnLst/>
-                <a:rect r="r" b="b" t="t" l="l"/>
+                <a:rect l="l" t="t" r="r" b="b"/>
                 <a:pathLst>
-                  <a:path h="6350000" w="6321665">
+                  <a:path w="6321665" h="6350000">
                     <a:moveTo>
                       <a:pt x="3160833" y="0"/>
                     </a:moveTo>
@@ -8712,12 +9010,12 @@
         </p:grpSp>
         <p:sp>
           <p:nvSpPr>
-            <p:cNvPr name="TextBox 12" id="12"/>
-            <p:cNvSpPr txBox="true"/>
+            <p:cNvPr id="12" name="TextBox 12"/>
+            <p:cNvSpPr txBox="1"/>
             <p:nvPr/>
           </p:nvSpPr>
           <p:spPr>
-            <a:xfrm rot="0">
+            <a:xfrm>
               <a:off x="696856" y="450820"/>
               <a:ext cx="326231" cy="751628"/>
             </a:xfrm>
@@ -8726,7 +9024,7 @@
             </a:prstGeom>
           </p:spPr>
           <p:txBody>
-            <a:bodyPr anchor="t" rtlCol="false" tIns="0" lIns="0" bIns="0" rIns="0">
+            <a:bodyPr lIns="0" tIns="0" rIns="0" bIns="0" rtlCol="0" anchor="t">
               <a:spAutoFit/>
             </a:bodyPr>
             <a:lstStyle/>

--- a/esercitazione_6/documents/Esercitazione 6.pptx
+++ b/esercitazione_6/documents/Esercitazione 6.pptx
@@ -27,19 +27,22 @@
     <p:embeddedFont>
       <p:font typeface="Open Sans" panose="020B0606030504020204" pitchFamily="34" charset="0"/>
       <p:regular r:id="rId14"/>
+      <p:bold r:id="rId15"/>
+      <p:italic r:id="rId16"/>
+      <p:boldItalic r:id="rId17"/>
     </p:embeddedFont>
     <p:embeddedFont>
       <p:font typeface="Open Sans Extra Bold" panose="020B0604020202020204" charset="0"/>
-      <p:regular r:id="rId15"/>
+      <p:regular r:id="rId18"/>
     </p:embeddedFont>
     <p:embeddedFont>
       <p:font typeface="Open Sans Light" panose="020B0306030504020204" pitchFamily="34" charset="0"/>
-      <p:regular r:id="rId16"/>
-      <p:italic r:id="rId17"/>
+      <p:regular r:id="rId19"/>
+      <p:italic r:id="rId20"/>
     </p:embeddedFont>
     <p:embeddedFont>
       <p:font typeface="Open Sans Light Bold" panose="020B0604020202020204" charset="0"/>
-      <p:regular r:id="rId18"/>
+      <p:regular r:id="rId21"/>
     </p:embeddedFont>
   </p:embeddedFontLst>
   <p:defaultTextStyle>
@@ -336,7 +339,7 @@
             <a:fld id="{1D8BD707-D9CF-40AE-B4C6-C98DA3205C09}" type="datetimeFigureOut">
               <a:rPr lang="en-US" smtClean="0"/>
               <a:pPr/>
-              <a:t>11/22/2021</a:t>
+              <a:t>11/23/2021</a:t>
             </a:fld>
             <a:endParaRPr lang="en-US"/>
           </a:p>
@@ -501,7 +504,7 @@
             <a:fld id="{1D8BD707-D9CF-40AE-B4C6-C98DA3205C09}" type="datetimeFigureOut">
               <a:rPr lang="en-US" smtClean="0"/>
               <a:pPr/>
-              <a:t>11/22/2021</a:t>
+              <a:t>11/23/2021</a:t>
             </a:fld>
             <a:endParaRPr lang="en-US"/>
           </a:p>
@@ -676,7 +679,7 @@
             <a:fld id="{1D8BD707-D9CF-40AE-B4C6-C98DA3205C09}" type="datetimeFigureOut">
               <a:rPr lang="en-US" smtClean="0"/>
               <a:pPr/>
-              <a:t>11/22/2021</a:t>
+              <a:t>11/23/2021</a:t>
             </a:fld>
             <a:endParaRPr lang="en-US"/>
           </a:p>
@@ -841,7 +844,7 @@
             <a:fld id="{1D8BD707-D9CF-40AE-B4C6-C98DA3205C09}" type="datetimeFigureOut">
               <a:rPr lang="en-US" smtClean="0"/>
               <a:pPr/>
-              <a:t>11/22/2021</a:t>
+              <a:t>11/23/2021</a:t>
             </a:fld>
             <a:endParaRPr lang="en-US"/>
           </a:p>
@@ -1083,7 +1086,7 @@
             <a:fld id="{1D8BD707-D9CF-40AE-B4C6-C98DA3205C09}" type="datetimeFigureOut">
               <a:rPr lang="en-US" smtClean="0"/>
               <a:pPr/>
-              <a:t>11/22/2021</a:t>
+              <a:t>11/23/2021</a:t>
             </a:fld>
             <a:endParaRPr lang="en-US"/>
           </a:p>
@@ -1365,7 +1368,7 @@
             <a:fld id="{1D8BD707-D9CF-40AE-B4C6-C98DA3205C09}" type="datetimeFigureOut">
               <a:rPr lang="en-US" smtClean="0"/>
               <a:pPr/>
-              <a:t>11/22/2021</a:t>
+              <a:t>11/23/2021</a:t>
             </a:fld>
             <a:endParaRPr lang="en-US"/>
           </a:p>
@@ -1781,7 +1784,7 @@
             <a:fld id="{1D8BD707-D9CF-40AE-B4C6-C98DA3205C09}" type="datetimeFigureOut">
               <a:rPr lang="en-US" smtClean="0"/>
               <a:pPr/>
-              <a:t>11/22/2021</a:t>
+              <a:t>11/23/2021</a:t>
             </a:fld>
             <a:endParaRPr lang="en-US"/>
           </a:p>
@@ -1895,7 +1898,7 @@
             <a:fld id="{1D8BD707-D9CF-40AE-B4C6-C98DA3205C09}" type="datetimeFigureOut">
               <a:rPr lang="en-US" smtClean="0"/>
               <a:pPr/>
-              <a:t>11/22/2021</a:t>
+              <a:t>11/23/2021</a:t>
             </a:fld>
             <a:endParaRPr lang="en-US"/>
           </a:p>
@@ -1987,7 +1990,7 @@
             <a:fld id="{1D8BD707-D9CF-40AE-B4C6-C98DA3205C09}" type="datetimeFigureOut">
               <a:rPr lang="en-US" smtClean="0"/>
               <a:pPr/>
-              <a:t>11/22/2021</a:t>
+              <a:t>11/23/2021</a:t>
             </a:fld>
             <a:endParaRPr lang="en-US"/>
           </a:p>
@@ -2259,7 +2262,7 @@
             <a:fld id="{1D8BD707-D9CF-40AE-B4C6-C98DA3205C09}" type="datetimeFigureOut">
               <a:rPr lang="en-US" smtClean="0"/>
               <a:pPr/>
-              <a:t>11/22/2021</a:t>
+              <a:t>11/23/2021</a:t>
             </a:fld>
             <a:endParaRPr lang="en-US"/>
           </a:p>
@@ -2508,7 +2511,7 @@
             <a:fld id="{1D8BD707-D9CF-40AE-B4C6-C98DA3205C09}" type="datetimeFigureOut">
               <a:rPr lang="en-US" smtClean="0"/>
               <a:pPr/>
-              <a:t>11/22/2021</a:t>
+              <a:t>11/23/2021</a:t>
             </a:fld>
             <a:endParaRPr lang="en-US"/>
           </a:p>
@@ -2716,7 +2719,7 @@
             <a:fld id="{1D8BD707-D9CF-40AE-B4C6-C98DA3205C09}" type="datetimeFigureOut">
               <a:rPr lang="en-US" smtClean="0"/>
               <a:pPr/>
-              <a:t>11/22/2021</a:t>
+              <a:t>11/23/2021</a:t>
             </a:fld>
             <a:endParaRPr lang="en-US"/>
           </a:p>
@@ -4736,14 +4739,14 @@
         <p:spPr>
           <a:xfrm>
             <a:off x="383721" y="1884589"/>
-            <a:ext cx="2120057" cy="877570"/>
+            <a:ext cx="2511879" cy="877570"/>
           </a:xfrm>
           <a:prstGeom prst="rect">
             <a:avLst/>
           </a:prstGeom>
         </p:spPr>
         <p:txBody>
-          <a:bodyPr lIns="0" tIns="0" rIns="0" bIns="0" rtlCol="0" anchor="t">
+          <a:bodyPr wrap="square" lIns="0" tIns="0" rIns="0" bIns="0" rtlCol="0" anchor="t">
             <a:spAutoFit/>
           </a:bodyPr>
           <a:lstStyle/>
@@ -4754,7 +4757,7 @@
               </a:lnSpc>
             </a:pPr>
             <a:r>
-              <a:rPr lang="en-US" sz="5199">
+              <a:rPr lang="en-US" sz="5199" dirty="0" err="1">
                 <a:solidFill>
                   <a:srgbClr val="000000"/>
                 </a:solidFill>
@@ -4762,6 +4765,12 @@
               </a:rPr>
               <a:t>Cliente</a:t>
             </a:r>
+            <a:endParaRPr lang="en-US" sz="5199" dirty="0">
+              <a:solidFill>
+                <a:srgbClr val="000000"/>
+              </a:solidFill>
+              <a:latin typeface="Open Sans"/>
+            </a:endParaRPr>
           </a:p>
         </p:txBody>
       </p:sp>
@@ -4773,7 +4782,7 @@
         </p:nvSpPr>
         <p:spPr>
           <a:xfrm>
-            <a:off x="9144000" y="1884589"/>
+            <a:off x="9128949" y="558800"/>
             <a:ext cx="2759273" cy="877570"/>
           </a:xfrm>
           <a:prstGeom prst="rect">
@@ -4792,7 +4801,7 @@
               </a:lnSpc>
             </a:pPr>
             <a:r>
-              <a:rPr lang="en-US" sz="5199">
+              <a:rPr lang="en-US" sz="5199" dirty="0" err="1">
                 <a:solidFill>
                   <a:srgbClr val="FFFFFF"/>
                 </a:solidFill>
@@ -4800,6 +4809,12 @@
               </a:rPr>
               <a:t>Servitore</a:t>
             </a:r>
+            <a:endParaRPr lang="en-US" sz="5199" dirty="0">
+              <a:solidFill>
+                <a:srgbClr val="FFFFFF"/>
+              </a:solidFill>
+              <a:latin typeface="Open Sans"/>
+            </a:endParaRPr>
           </a:p>
         </p:txBody>
       </p:sp>
@@ -4811,7 +4826,7 @@
         </p:nvSpPr>
         <p:spPr>
           <a:xfrm>
-            <a:off x="10523637" y="7402225"/>
+            <a:off x="10508586" y="8604205"/>
             <a:ext cx="6387405" cy="949089"/>
           </a:xfrm>
           <a:prstGeom prst="rect">
@@ -4865,7 +4880,7 @@
         </p:nvGrpSpPr>
         <p:grpSpPr>
           <a:xfrm>
-            <a:off x="383721" y="3213424"/>
+            <a:off x="395375" y="2969434"/>
             <a:ext cx="1289957" cy="1289957"/>
             <a:chOff x="0" y="0"/>
             <a:chExt cx="1719943" cy="1719943"/>
@@ -4987,7 +5002,7 @@
         </p:nvSpPr>
         <p:spPr>
           <a:xfrm>
-            <a:off x="1950797" y="3360046"/>
+            <a:off x="1962451" y="3116056"/>
             <a:ext cx="6153852" cy="949089"/>
           </a:xfrm>
           <a:prstGeom prst="rect">
@@ -5009,13 +5024,76 @@
               </a:spcBef>
             </a:pPr>
             <a:r>
-              <a:rPr lang="en-US" sz="2759">
+              <a:rPr lang="en-US" sz="2759" dirty="0" err="1">
                 <a:solidFill>
                   <a:srgbClr val="000000"/>
                 </a:solidFill>
                 <a:latin typeface="Open Sans Light"/>
               </a:rPr>
-              <a:t>Recupero riferimento oggetto remoto da RMI Registry</a:t>
+              <a:t>Recupero</a:t>
+            </a:r>
+            <a:r>
+              <a:rPr lang="en-US" sz="2759" dirty="0">
+                <a:solidFill>
+                  <a:srgbClr val="000000"/>
+                </a:solidFill>
+                <a:latin typeface="Open Sans Light"/>
+              </a:rPr>
+              <a:t> </a:t>
+            </a:r>
+            <a:r>
+              <a:rPr lang="en-US" sz="2759" dirty="0" err="1">
+                <a:solidFill>
+                  <a:srgbClr val="000000"/>
+                </a:solidFill>
+                <a:latin typeface="Open Sans Light"/>
+              </a:rPr>
+              <a:t>riferimento</a:t>
+            </a:r>
+            <a:r>
+              <a:rPr lang="en-US" sz="2759" dirty="0">
+                <a:solidFill>
+                  <a:srgbClr val="000000"/>
+                </a:solidFill>
+                <a:latin typeface="Open Sans Light"/>
+              </a:rPr>
+              <a:t> </a:t>
+            </a:r>
+            <a:r>
+              <a:rPr lang="en-US" sz="2759" dirty="0" err="1">
+                <a:solidFill>
+                  <a:srgbClr val="000000"/>
+                </a:solidFill>
+                <a:latin typeface="Open Sans Light"/>
+              </a:rPr>
+              <a:t>oggetto</a:t>
+            </a:r>
+            <a:r>
+              <a:rPr lang="en-US" sz="2759" dirty="0">
+                <a:solidFill>
+                  <a:srgbClr val="000000"/>
+                </a:solidFill>
+                <a:latin typeface="Open Sans Light"/>
+              </a:rPr>
+              <a:t> </a:t>
+            </a:r>
+            <a:r>
+              <a:rPr lang="en-US" sz="2759" dirty="0" err="1">
+                <a:solidFill>
+                  <a:srgbClr val="000000"/>
+                </a:solidFill>
+                <a:latin typeface="Open Sans Light"/>
+              </a:rPr>
+              <a:t>remoto</a:t>
+            </a:r>
+            <a:r>
+              <a:rPr lang="en-US" sz="2759" dirty="0">
+                <a:solidFill>
+                  <a:srgbClr val="000000"/>
+                </a:solidFill>
+                <a:latin typeface="Open Sans Light"/>
+              </a:rPr>
+              <a:t> da RMI Registry</a:t>
             </a:r>
           </a:p>
         </p:txBody>
@@ -5028,7 +5106,7 @@
         </p:nvGrpSpPr>
         <p:grpSpPr>
           <a:xfrm>
-            <a:off x="383721" y="5143500"/>
+            <a:off x="388015" y="6402781"/>
             <a:ext cx="1289957" cy="1289957"/>
             <a:chOff x="0" y="0"/>
             <a:chExt cx="1719943" cy="1719943"/>
@@ -5130,7 +5208,7 @@
                 </a:lnSpc>
               </a:pPr>
               <a:r>
-                <a:rPr lang="en-US" sz="3399">
+                <a:rPr lang="en-US" sz="3399" dirty="0">
                   <a:solidFill>
                     <a:srgbClr val="FFFFFF"/>
                   </a:solidFill>
@@ -5150,7 +5228,7 @@
         </p:nvGrpSpPr>
         <p:grpSpPr>
           <a:xfrm>
-            <a:off x="383721" y="7255604"/>
+            <a:off x="388015" y="8514885"/>
             <a:ext cx="1289957" cy="1289957"/>
             <a:chOff x="0" y="0"/>
             <a:chExt cx="1719943" cy="1719943"/>
@@ -5252,7 +5330,7 @@
                 </a:lnSpc>
               </a:pPr>
               <a:r>
-                <a:rPr lang="en-US" sz="3399">
+                <a:rPr lang="en-US" sz="3399" dirty="0">
                   <a:solidFill>
                     <a:srgbClr val="FFFFFF"/>
                   </a:solidFill>
@@ -5272,7 +5350,7 @@
         </p:nvGrpSpPr>
         <p:grpSpPr>
           <a:xfrm>
-            <a:off x="8992365" y="3213424"/>
+            <a:off x="8980192" y="2020345"/>
             <a:ext cx="1289957" cy="1289957"/>
             <a:chOff x="0" y="0"/>
             <a:chExt cx="1719943" cy="1719943"/>
@@ -5374,7 +5452,7 @@
                 </a:lnSpc>
               </a:pPr>
               <a:r>
-                <a:rPr lang="en-US" sz="3399">
+                <a:rPr lang="en-US" sz="3399" dirty="0">
                   <a:solidFill>
                     <a:srgbClr val="FFFFFF"/>
                   </a:solidFill>
@@ -5394,7 +5472,7 @@
         </p:nvGrpSpPr>
         <p:grpSpPr>
           <a:xfrm>
-            <a:off x="8992365" y="5143500"/>
+            <a:off x="8977314" y="6345480"/>
             <a:ext cx="1289957" cy="1289957"/>
             <a:chOff x="0" y="0"/>
             <a:chExt cx="1719943" cy="1719943"/>
@@ -5496,7 +5574,7 @@
                 </a:lnSpc>
               </a:pPr>
               <a:r>
-                <a:rPr lang="en-US" sz="3399">
+                <a:rPr lang="en-US" sz="3399" dirty="0">
                   <a:solidFill>
                     <a:srgbClr val="FFFFFF"/>
                   </a:solidFill>
@@ -5516,7 +5594,7 @@
         </p:nvGrpSpPr>
         <p:grpSpPr>
           <a:xfrm>
-            <a:off x="8992365" y="7255604"/>
+            <a:off x="8977314" y="8457584"/>
             <a:ext cx="1289957" cy="1289957"/>
             <a:chOff x="0" y="0"/>
             <a:chExt cx="1719943" cy="1719943"/>
@@ -5638,7 +5716,7 @@
         </p:nvSpPr>
         <p:spPr>
           <a:xfrm>
-            <a:off x="10492255" y="3360046"/>
+            <a:off x="10480082" y="2166967"/>
             <a:ext cx="7446466" cy="949089"/>
           </a:xfrm>
           <a:prstGeom prst="rect">
@@ -5660,14 +5738,128 @@
               </a:spcBef>
             </a:pPr>
             <a:r>
-              <a:rPr lang="en-US" sz="2759">
+              <a:rPr lang="en-US" sz="2759" dirty="0" err="1">
                 <a:solidFill>
                   <a:srgbClr val="FFFFFF"/>
                 </a:solidFill>
                 <a:latin typeface="Open Sans Light"/>
               </a:rPr>
-              <a:t>Registrare il riferimento remoto sul registry alla locazione corretta</a:t>
-            </a:r>
+              <a:t>Registrare</a:t>
+            </a:r>
+            <a:r>
+              <a:rPr lang="en-US" sz="2759" dirty="0">
+                <a:solidFill>
+                  <a:srgbClr val="FFFFFF"/>
+                </a:solidFill>
+                <a:latin typeface="Open Sans Light"/>
+              </a:rPr>
+              <a:t> il </a:t>
+            </a:r>
+            <a:r>
+              <a:rPr lang="en-US" sz="2759" dirty="0" err="1">
+                <a:solidFill>
+                  <a:srgbClr val="FFFFFF"/>
+                </a:solidFill>
+                <a:latin typeface="Open Sans Light"/>
+              </a:rPr>
+              <a:t>riferimento</a:t>
+            </a:r>
+            <a:r>
+              <a:rPr lang="en-US" sz="2759" dirty="0">
+                <a:solidFill>
+                  <a:srgbClr val="FFFFFF"/>
+                </a:solidFill>
+                <a:latin typeface="Open Sans Light"/>
+              </a:rPr>
+              <a:t> </a:t>
+            </a:r>
+            <a:r>
+              <a:rPr lang="en-US" sz="2759" dirty="0" err="1">
+                <a:solidFill>
+                  <a:srgbClr val="FFFFFF"/>
+                </a:solidFill>
+                <a:latin typeface="Open Sans Light"/>
+              </a:rPr>
+              <a:t>remoto</a:t>
+            </a:r>
+            <a:r>
+              <a:rPr lang="en-US" sz="2759" dirty="0">
+                <a:solidFill>
+                  <a:srgbClr val="FFFFFF"/>
+                </a:solidFill>
+                <a:latin typeface="Open Sans Light"/>
+              </a:rPr>
+              <a:t> </a:t>
+            </a:r>
+            <a:r>
+              <a:rPr lang="en-US" sz="2759" dirty="0" err="1">
+                <a:solidFill>
+                  <a:srgbClr val="FFFFFF"/>
+                </a:solidFill>
+                <a:latin typeface="Open Sans Light"/>
+              </a:rPr>
+              <a:t>sul</a:t>
+            </a:r>
+            <a:r>
+              <a:rPr lang="en-US" sz="2759" dirty="0">
+                <a:solidFill>
+                  <a:srgbClr val="FFFFFF"/>
+                </a:solidFill>
+                <a:latin typeface="Open Sans Light"/>
+              </a:rPr>
+              <a:t> registry </a:t>
+            </a:r>
+            <a:r>
+              <a:rPr lang="en-US" sz="2759" dirty="0" err="1">
+                <a:solidFill>
+                  <a:srgbClr val="FFFFFF"/>
+                </a:solidFill>
+                <a:latin typeface="Open Sans Light"/>
+              </a:rPr>
+              <a:t>alla</a:t>
+            </a:r>
+            <a:r>
+              <a:rPr lang="en-US" sz="2759" dirty="0">
+                <a:solidFill>
+                  <a:srgbClr val="FFFFFF"/>
+                </a:solidFill>
+                <a:latin typeface="Open Sans Light"/>
+              </a:rPr>
+              <a:t> </a:t>
+            </a:r>
+            <a:r>
+              <a:rPr lang="en-US" sz="2759" dirty="0" err="1">
+                <a:solidFill>
+                  <a:srgbClr val="FFFFFF"/>
+                </a:solidFill>
+                <a:latin typeface="Open Sans Light"/>
+              </a:rPr>
+              <a:t>locazione</a:t>
+            </a:r>
+            <a:r>
+              <a:rPr lang="en-US" sz="2759" dirty="0">
+                <a:solidFill>
+                  <a:srgbClr val="FFFFFF"/>
+                </a:solidFill>
+                <a:latin typeface="Open Sans Light"/>
+              </a:rPr>
+              <a:t> </a:t>
+            </a:r>
+            <a:r>
+              <a:rPr lang="en-US" sz="2759" dirty="0" err="1">
+                <a:solidFill>
+                  <a:srgbClr val="FFFFFF"/>
+                </a:solidFill>
+                <a:latin typeface="Open Sans Light"/>
+              </a:rPr>
+              <a:t>corretta</a:t>
+            </a:r>
+            <a:endParaRPr lang="en-US" sz="2759" dirty="0">
+              <a:solidFill>
+                <a:srgbClr val="FFFFFF"/>
+              </a:solidFill>
+              <a:latin typeface="Open Sans Light"/>
+            </a:endParaRPr>
           </a:p>
         </p:txBody>
       </p:sp>
@@ -5679,7 +5871,7 @@
         </p:nvSpPr>
         <p:spPr>
           <a:xfrm>
-            <a:off x="10523637" y="5533009"/>
+            <a:off x="10508586" y="6734989"/>
             <a:ext cx="6432352" cy="463314"/>
           </a:xfrm>
           <a:prstGeom prst="rect">
@@ -5701,13 +5893,76 @@
               </a:spcBef>
             </a:pPr>
             <a:r>
-              <a:rPr lang="en-US" sz="2759">
+              <a:rPr lang="en-US" sz="2759" dirty="0" err="1">
                 <a:solidFill>
                   <a:srgbClr val="FFFFFF"/>
                 </a:solidFill>
                 <a:latin typeface="Open Sans Light"/>
               </a:rPr>
-              <a:t>Attesa di invocazioni da parte del cliente </a:t>
+              <a:t>Attesa</a:t>
+            </a:r>
+            <a:r>
+              <a:rPr lang="en-US" sz="2759" dirty="0">
+                <a:solidFill>
+                  <a:srgbClr val="FFFFFF"/>
+                </a:solidFill>
+                <a:latin typeface="Open Sans Light"/>
+              </a:rPr>
+              <a:t> di </a:t>
+            </a:r>
+            <a:r>
+              <a:rPr lang="en-US" sz="2759" dirty="0" err="1">
+                <a:solidFill>
+                  <a:srgbClr val="FFFFFF"/>
+                </a:solidFill>
+                <a:latin typeface="Open Sans Light"/>
+              </a:rPr>
+              <a:t>invocazioni</a:t>
+            </a:r>
+            <a:r>
+              <a:rPr lang="en-US" sz="2759" dirty="0">
+                <a:solidFill>
+                  <a:srgbClr val="FFFFFF"/>
+                </a:solidFill>
+                <a:latin typeface="Open Sans Light"/>
+              </a:rPr>
+              <a:t> da </a:t>
+            </a:r>
+            <a:r>
+              <a:rPr lang="en-US" sz="2759" dirty="0" err="1">
+                <a:solidFill>
+                  <a:srgbClr val="FFFFFF"/>
+                </a:solidFill>
+                <a:latin typeface="Open Sans Light"/>
+              </a:rPr>
+              <a:t>parte</a:t>
+            </a:r>
+            <a:r>
+              <a:rPr lang="en-US" sz="2759" dirty="0">
+                <a:solidFill>
+                  <a:srgbClr val="FFFFFF"/>
+                </a:solidFill>
+                <a:latin typeface="Open Sans Light"/>
+              </a:rPr>
+              <a:t> del </a:t>
+            </a:r>
+            <a:r>
+              <a:rPr lang="en-US" sz="2759" dirty="0" err="1">
+                <a:solidFill>
+                  <a:srgbClr val="FFFFFF"/>
+                </a:solidFill>
+                <a:latin typeface="Open Sans Light"/>
+              </a:rPr>
+              <a:t>cliente</a:t>
+            </a:r>
+            <a:r>
+              <a:rPr lang="en-US" sz="2759" dirty="0">
+                <a:solidFill>
+                  <a:srgbClr val="FFFFFF"/>
+                </a:solidFill>
+                <a:latin typeface="Open Sans Light"/>
+              </a:rPr>
+              <a:t> </a:t>
             </a:r>
           </a:p>
         </p:txBody>
@@ -5720,7 +5975,7 @@
         </p:nvSpPr>
         <p:spPr>
           <a:xfrm>
-            <a:off x="1950797" y="5533009"/>
+            <a:off x="1955091" y="6792290"/>
             <a:ext cx="6153852" cy="463314"/>
           </a:xfrm>
           <a:prstGeom prst="rect">
@@ -5742,14 +5997,56 @@
               </a:spcBef>
             </a:pPr>
             <a:r>
-              <a:rPr lang="en-US" sz="2759">
+              <a:rPr lang="en-US" sz="2759" dirty="0" err="1">
                 <a:solidFill>
                   <a:srgbClr val="000000"/>
                 </a:solidFill>
                 <a:latin typeface="Open Sans Light"/>
               </a:rPr>
-              <a:t>Lettura dell'input dall'utente</a:t>
-            </a:r>
+              <a:t>Lettura</a:t>
+            </a:r>
+            <a:r>
+              <a:rPr lang="en-US" sz="2759" dirty="0">
+                <a:solidFill>
+                  <a:srgbClr val="000000"/>
+                </a:solidFill>
+                <a:latin typeface="Open Sans Light"/>
+              </a:rPr>
+              <a:t> </a:t>
+            </a:r>
+            <a:r>
+              <a:rPr lang="en-US" sz="2759" dirty="0" err="1">
+                <a:solidFill>
+                  <a:srgbClr val="000000"/>
+                </a:solidFill>
+                <a:latin typeface="Open Sans Light"/>
+              </a:rPr>
+              <a:t>dell'input</a:t>
+            </a:r>
+            <a:r>
+              <a:rPr lang="en-US" sz="2759" dirty="0">
+                <a:solidFill>
+                  <a:srgbClr val="000000"/>
+                </a:solidFill>
+                <a:latin typeface="Open Sans Light"/>
+              </a:rPr>
+              <a:t> </a:t>
+            </a:r>
+            <a:r>
+              <a:rPr lang="en-US" sz="2759" dirty="0" err="1">
+                <a:solidFill>
+                  <a:srgbClr val="000000"/>
+                </a:solidFill>
+                <a:latin typeface="Open Sans Light"/>
+              </a:rPr>
+              <a:t>dall'utente</a:t>
+            </a:r>
+            <a:endParaRPr lang="en-US" sz="2759" dirty="0">
+              <a:solidFill>
+                <a:srgbClr val="000000"/>
+              </a:solidFill>
+              <a:latin typeface="Open Sans Light"/>
+            </a:endParaRPr>
           </a:p>
         </p:txBody>
       </p:sp>
@@ -5761,7 +6058,7 @@
         </p:nvSpPr>
         <p:spPr>
           <a:xfrm>
-            <a:off x="1950797" y="7159338"/>
+            <a:off x="1955091" y="8418619"/>
             <a:ext cx="6153852" cy="1434864"/>
           </a:xfrm>
           <a:prstGeom prst="rect">
@@ -5783,35 +6080,173 @@
               </a:spcBef>
             </a:pPr>
             <a:r>
-              <a:rPr lang="en-US" sz="2759">
+              <a:rPr lang="en-US" sz="2759" dirty="0" err="1">
                 <a:solidFill>
                   <a:srgbClr val="000000"/>
                 </a:solidFill>
                 <a:latin typeface="Open Sans Light"/>
               </a:rPr>
-              <a:t>Invocazione metodo remoto </a:t>
-            </a:r>
-            <a:r>
-              <a:rPr lang="en-US" sz="2759">
+              <a:t>Invocazione</a:t>
+            </a:r>
+            <a:r>
+              <a:rPr lang="en-US" sz="2759" dirty="0">
                 <a:solidFill>
                   <a:srgbClr val="000000"/>
                 </a:solidFill>
+                <a:latin typeface="Open Sans Light"/>
+              </a:rPr>
+              <a:t> </a:t>
+            </a:r>
+            <a:r>
+              <a:rPr lang="en-US" sz="2759" dirty="0" err="1">
+                <a:solidFill>
+                  <a:srgbClr val="000000"/>
+                </a:solidFill>
+                <a:latin typeface="Open Sans Light"/>
+              </a:rPr>
+              <a:t>metodo</a:t>
+            </a:r>
+            <a:r>
+              <a:rPr lang="en-US" sz="2759" dirty="0">
+                <a:solidFill>
+                  <a:srgbClr val="000000"/>
+                </a:solidFill>
+                <a:latin typeface="Open Sans Light"/>
+              </a:rPr>
+              <a:t> </a:t>
+            </a:r>
+            <a:r>
+              <a:rPr lang="en-US" sz="2759" dirty="0" err="1">
+                <a:solidFill>
+                  <a:srgbClr val="000000"/>
+                </a:solidFill>
+                <a:latin typeface="Open Sans Light"/>
+              </a:rPr>
+              <a:t>remoto</a:t>
+            </a:r>
+            <a:r>
+              <a:rPr lang="en-US" sz="2759" dirty="0">
+                <a:solidFill>
+                  <a:srgbClr val="000000"/>
+                </a:solidFill>
+                <a:latin typeface="Open Sans Light"/>
+              </a:rPr>
+              <a:t> </a:t>
+            </a:r>
+            <a:r>
+              <a:rPr lang="en-US" sz="2759" dirty="0" err="1">
+                <a:solidFill>
+                  <a:srgbClr val="000000"/>
+                </a:solidFill>
                 <a:latin typeface="Open Sans Light Bold"/>
               </a:rPr>
               <a:t>conta_righe</a:t>
             </a:r>
             <a:r>
-              <a:rPr lang="en-US" sz="2759">
+              <a:rPr lang="en-US" sz="2759" dirty="0">
                 <a:solidFill>
                   <a:srgbClr val="000000"/>
                 </a:solidFill>
                 <a:latin typeface="Open Sans Light"/>
               </a:rPr>
-              <a:t> e presentazione del risultato</a:t>
-            </a:r>
-          </a:p>
-        </p:txBody>
-      </p:sp>
+              <a:t> e </a:t>
+            </a:r>
+            <a:r>
+              <a:rPr lang="en-US" sz="2759" dirty="0" err="1">
+                <a:solidFill>
+                  <a:srgbClr val="000000"/>
+                </a:solidFill>
+                <a:latin typeface="Open Sans Light"/>
+              </a:rPr>
+              <a:t>presentazione</a:t>
+            </a:r>
+            <a:r>
+              <a:rPr lang="en-US" sz="2759" dirty="0">
+                <a:solidFill>
+                  <a:srgbClr val="000000"/>
+                </a:solidFill>
+                <a:latin typeface="Open Sans Light"/>
+              </a:rPr>
+              <a:t> del </a:t>
+            </a:r>
+            <a:r>
+              <a:rPr lang="en-US" sz="2759" dirty="0" err="1">
+                <a:solidFill>
+                  <a:srgbClr val="000000"/>
+                </a:solidFill>
+                <a:latin typeface="Open Sans Light"/>
+              </a:rPr>
+              <a:t>risultato</a:t>
+            </a:r>
+            <a:endParaRPr lang="en-US" sz="2759" dirty="0">
+              <a:solidFill>
+                <a:srgbClr val="000000"/>
+              </a:solidFill>
+              <a:latin typeface="Open Sans Light"/>
+            </a:endParaRPr>
+          </a:p>
+        </p:txBody>
+      </p:sp>
+      <p:pic>
+        <p:nvPicPr>
+          <p:cNvPr id="42" name="Picture 41">
+            <a:extLst>
+              <a:ext uri="{FF2B5EF4-FFF2-40B4-BE49-F238E27FC236}">
+                <a16:creationId xmlns:a16="http://schemas.microsoft.com/office/drawing/2014/main" id="{638FC788-BC0B-4F85-BF0C-A3422573D731}"/>
+              </a:ext>
+            </a:extLst>
+          </p:cNvPr>
+          <p:cNvPicPr>
+            <a:picLocks noChangeAspect="1"/>
+          </p:cNvPicPr>
+          <p:nvPr/>
+        </p:nvPicPr>
+        <p:blipFill>
+          <a:blip r:embed="rId2"/>
+          <a:stretch>
+            <a:fillRect/>
+          </a:stretch>
+        </p:blipFill>
+        <p:spPr>
+          <a:xfrm>
+            <a:off x="9499956" y="3474164"/>
+            <a:ext cx="7525800" cy="2619741"/>
+          </a:xfrm>
+          <a:prstGeom prst="rect">
+            <a:avLst/>
+          </a:prstGeom>
+        </p:spPr>
+      </p:pic>
+      <p:pic>
+        <p:nvPicPr>
+          <p:cNvPr id="44" name="Picture 43">
+            <a:extLst>
+              <a:ext uri="{FF2B5EF4-FFF2-40B4-BE49-F238E27FC236}">
+                <a16:creationId xmlns:a16="http://schemas.microsoft.com/office/drawing/2014/main" id="{49E53BBE-9FDA-4DFF-917F-E241537A4AFC}"/>
+              </a:ext>
+            </a:extLst>
+          </p:cNvPr>
+          <p:cNvPicPr>
+            <a:picLocks noChangeAspect="1"/>
+          </p:cNvPicPr>
+          <p:nvPr/>
+        </p:nvPicPr>
+        <p:blipFill>
+          <a:blip r:embed="rId3"/>
+          <a:stretch>
+            <a:fillRect/>
+          </a:stretch>
+        </p:blipFill>
+        <p:spPr>
+          <a:xfrm>
+            <a:off x="881601" y="4348649"/>
+            <a:ext cx="7487695" cy="1933845"/>
+          </a:xfrm>
+          <a:prstGeom prst="rect">
+            <a:avLst/>
+          </a:prstGeom>
+        </p:spPr>
+      </p:pic>
     </p:spTree>
   </p:cSld>
   <p:clrMapOvr>
@@ -6069,14 +6504,14 @@
         <p:spPr>
           <a:xfrm>
             <a:off x="383721" y="1884589"/>
-            <a:ext cx="2120057" cy="877570"/>
+            <a:ext cx="2740479" cy="877570"/>
           </a:xfrm>
           <a:prstGeom prst="rect">
             <a:avLst/>
           </a:prstGeom>
         </p:spPr>
         <p:txBody>
-          <a:bodyPr lIns="0" tIns="0" rIns="0" bIns="0" rtlCol="0" anchor="t">
+          <a:bodyPr wrap="square" lIns="0" tIns="0" rIns="0" bIns="0" rtlCol="0" anchor="t">
             <a:spAutoFit/>
           </a:bodyPr>
           <a:lstStyle/>
@@ -6087,7 +6522,7 @@
               </a:lnSpc>
             </a:pPr>
             <a:r>
-              <a:rPr lang="en-US" sz="5199">
+              <a:rPr lang="en-US" sz="5199" dirty="0" err="1">
                 <a:solidFill>
                   <a:srgbClr val="000000"/>
                 </a:solidFill>
@@ -6095,6 +6530,12 @@
               </a:rPr>
               <a:t>Cliente</a:t>
             </a:r>
+            <a:endParaRPr lang="en-US" sz="5199" dirty="0">
+              <a:solidFill>
+                <a:srgbClr val="000000"/>
+              </a:solidFill>
+              <a:latin typeface="Open Sans"/>
+            </a:endParaRPr>
           </a:p>
         </p:txBody>
       </p:sp>
@@ -6106,7 +6547,7 @@
         </p:nvSpPr>
         <p:spPr>
           <a:xfrm>
-            <a:off x="9144000" y="1884589"/>
+            <a:off x="9128236" y="660019"/>
             <a:ext cx="2759273" cy="877570"/>
           </a:xfrm>
           <a:prstGeom prst="rect">
@@ -6125,7 +6566,7 @@
               </a:lnSpc>
             </a:pPr>
             <a:r>
-              <a:rPr lang="en-US" sz="5199">
+              <a:rPr lang="en-US" sz="5199" dirty="0" err="1">
                 <a:solidFill>
                   <a:srgbClr val="FFFFFF"/>
                 </a:solidFill>
@@ -6133,6 +6574,12 @@
               </a:rPr>
               <a:t>Servitore</a:t>
             </a:r>
+            <a:endParaRPr lang="en-US" sz="5199" dirty="0">
+              <a:solidFill>
+                <a:srgbClr val="FFFFFF"/>
+              </a:solidFill>
+              <a:latin typeface="Open Sans"/>
+            </a:endParaRPr>
           </a:p>
         </p:txBody>
       </p:sp>
@@ -6144,7 +6591,7 @@
         </p:nvGrpSpPr>
         <p:grpSpPr>
           <a:xfrm>
-            <a:off x="383721" y="3213424"/>
+            <a:off x="383721" y="2929943"/>
             <a:ext cx="1289957" cy="1289957"/>
             <a:chOff x="0" y="0"/>
             <a:chExt cx="1719943" cy="1719943"/>
@@ -6266,7 +6713,7 @@
         </p:nvGrpSpPr>
         <p:grpSpPr>
           <a:xfrm>
-            <a:off x="383721" y="5143500"/>
+            <a:off x="383721" y="6360996"/>
             <a:ext cx="1289957" cy="1289957"/>
             <a:chOff x="0" y="0"/>
             <a:chExt cx="1719943" cy="1719943"/>
@@ -6368,7 +6815,7 @@
                 </a:lnSpc>
               </a:pPr>
               <a:r>
-                <a:rPr lang="en-US" sz="3399">
+                <a:rPr lang="en-US" sz="3399" dirty="0">
                   <a:solidFill>
                     <a:srgbClr val="FFFFFF"/>
                   </a:solidFill>
@@ -6388,7 +6835,7 @@
         </p:nvGrpSpPr>
         <p:grpSpPr>
           <a:xfrm>
-            <a:off x="383721" y="7255604"/>
+            <a:off x="383721" y="8473100"/>
             <a:ext cx="1289957" cy="1289957"/>
             <a:chOff x="0" y="0"/>
             <a:chExt cx="1719943" cy="1719943"/>
@@ -6510,7 +6957,7 @@
         </p:nvGrpSpPr>
         <p:grpSpPr>
           <a:xfrm>
-            <a:off x="8992365" y="3213424"/>
+            <a:off x="9007983" y="1737967"/>
             <a:ext cx="1289957" cy="1289957"/>
             <a:chOff x="0" y="0"/>
             <a:chExt cx="1719943" cy="1719943"/>
@@ -6612,7 +7059,7 @@
                 </a:lnSpc>
               </a:pPr>
               <a:r>
-                <a:rPr lang="en-US" sz="3399">
+                <a:rPr lang="en-US" sz="3399" dirty="0">
                   <a:solidFill>
                     <a:srgbClr val="FFFFFF"/>
                   </a:solidFill>
@@ -6632,7 +7079,7 @@
         </p:nvGrpSpPr>
         <p:grpSpPr>
           <a:xfrm>
-            <a:off x="8992365" y="5143500"/>
+            <a:off x="8976601" y="6177693"/>
             <a:ext cx="1289957" cy="1289957"/>
             <a:chOff x="0" y="0"/>
             <a:chExt cx="1719943" cy="1719943"/>
@@ -6754,7 +7201,7 @@
         </p:nvGrpSpPr>
         <p:grpSpPr>
           <a:xfrm>
-            <a:off x="8992365" y="7255604"/>
+            <a:off x="8976601" y="8289797"/>
             <a:ext cx="1289957" cy="1289957"/>
             <a:chOff x="0" y="0"/>
             <a:chExt cx="1719943" cy="1719943"/>
@@ -6876,7 +7323,7 @@
         </p:nvSpPr>
         <p:spPr>
           <a:xfrm>
-            <a:off x="1828332" y="3311405"/>
+            <a:off x="1828332" y="3027924"/>
             <a:ext cx="6153852" cy="949089"/>
           </a:xfrm>
           <a:prstGeom prst="rect">
@@ -6917,7 +7364,7 @@
         </p:nvSpPr>
         <p:spPr>
           <a:xfrm>
-            <a:off x="1828332" y="5484368"/>
+            <a:off x="1828332" y="6701864"/>
             <a:ext cx="6153852" cy="463314"/>
           </a:xfrm>
           <a:prstGeom prst="rect">
@@ -6939,14 +7386,56 @@
               </a:spcBef>
             </a:pPr>
             <a:r>
-              <a:rPr lang="en-US" sz="2759">
+              <a:rPr lang="en-US" sz="2759" dirty="0" err="1">
                 <a:solidFill>
                   <a:srgbClr val="000000"/>
                 </a:solidFill>
                 <a:latin typeface="Open Sans Light"/>
               </a:rPr>
-              <a:t>Lettura dell'input dall'utente</a:t>
-            </a:r>
+              <a:t>Lettura</a:t>
+            </a:r>
+            <a:r>
+              <a:rPr lang="en-US" sz="2759" dirty="0">
+                <a:solidFill>
+                  <a:srgbClr val="000000"/>
+                </a:solidFill>
+                <a:latin typeface="Open Sans Light"/>
+              </a:rPr>
+              <a:t> </a:t>
+            </a:r>
+            <a:r>
+              <a:rPr lang="en-US" sz="2759" dirty="0" err="1">
+                <a:solidFill>
+                  <a:srgbClr val="000000"/>
+                </a:solidFill>
+                <a:latin typeface="Open Sans Light"/>
+              </a:rPr>
+              <a:t>dell'input</a:t>
+            </a:r>
+            <a:r>
+              <a:rPr lang="en-US" sz="2759" dirty="0">
+                <a:solidFill>
+                  <a:srgbClr val="000000"/>
+                </a:solidFill>
+                <a:latin typeface="Open Sans Light"/>
+              </a:rPr>
+              <a:t> </a:t>
+            </a:r>
+            <a:r>
+              <a:rPr lang="en-US" sz="2759" dirty="0" err="1">
+                <a:solidFill>
+                  <a:srgbClr val="000000"/>
+                </a:solidFill>
+                <a:latin typeface="Open Sans Light"/>
+              </a:rPr>
+              <a:t>dall'utente</a:t>
+            </a:r>
+            <a:endParaRPr lang="en-US" sz="2759" dirty="0">
+              <a:solidFill>
+                <a:srgbClr val="000000"/>
+              </a:solidFill>
+              <a:latin typeface="Open Sans Light"/>
+            </a:endParaRPr>
           </a:p>
         </p:txBody>
       </p:sp>
@@ -6958,7 +7447,7 @@
         </p:nvSpPr>
         <p:spPr>
           <a:xfrm>
-            <a:off x="1828332" y="7110697"/>
+            <a:off x="1828332" y="8328193"/>
             <a:ext cx="6153852" cy="1434864"/>
           </a:xfrm>
           <a:prstGeom prst="rect">
@@ -7017,7 +7506,7 @@
         </p:nvSpPr>
         <p:spPr>
           <a:xfrm>
-            <a:off x="10523637" y="7402225"/>
+            <a:off x="10507873" y="8436418"/>
             <a:ext cx="6387405" cy="949089"/>
           </a:xfrm>
           <a:prstGeom prst="rect">
@@ -7071,7 +7560,7 @@
         </p:nvSpPr>
         <p:spPr>
           <a:xfrm>
-            <a:off x="10492255" y="3360046"/>
+            <a:off x="10507873" y="1884589"/>
             <a:ext cx="7446466" cy="949089"/>
           </a:xfrm>
           <a:prstGeom prst="rect">
@@ -7093,14 +7582,128 @@
               </a:spcBef>
             </a:pPr>
             <a:r>
-              <a:rPr lang="en-US" sz="2759">
+              <a:rPr lang="en-US" sz="2759" dirty="0" err="1">
                 <a:solidFill>
                   <a:srgbClr val="FFFFFF"/>
                 </a:solidFill>
                 <a:latin typeface="Open Sans Light"/>
               </a:rPr>
-              <a:t>Registrare il riferimento remoto sul registry alla locazione corretta</a:t>
-            </a:r>
+              <a:t>Registrare</a:t>
+            </a:r>
+            <a:r>
+              <a:rPr lang="en-US" sz="2759" dirty="0">
+                <a:solidFill>
+                  <a:srgbClr val="FFFFFF"/>
+                </a:solidFill>
+                <a:latin typeface="Open Sans Light"/>
+              </a:rPr>
+              <a:t> il </a:t>
+            </a:r>
+            <a:r>
+              <a:rPr lang="en-US" sz="2759" dirty="0" err="1">
+                <a:solidFill>
+                  <a:srgbClr val="FFFFFF"/>
+                </a:solidFill>
+                <a:latin typeface="Open Sans Light"/>
+              </a:rPr>
+              <a:t>riferimento</a:t>
+            </a:r>
+            <a:r>
+              <a:rPr lang="en-US" sz="2759" dirty="0">
+                <a:solidFill>
+                  <a:srgbClr val="FFFFFF"/>
+                </a:solidFill>
+                <a:latin typeface="Open Sans Light"/>
+              </a:rPr>
+              <a:t> </a:t>
+            </a:r>
+            <a:r>
+              <a:rPr lang="en-US" sz="2759" dirty="0" err="1">
+                <a:solidFill>
+                  <a:srgbClr val="FFFFFF"/>
+                </a:solidFill>
+                <a:latin typeface="Open Sans Light"/>
+              </a:rPr>
+              <a:t>remoto</a:t>
+            </a:r>
+            <a:r>
+              <a:rPr lang="en-US" sz="2759" dirty="0">
+                <a:solidFill>
+                  <a:srgbClr val="FFFFFF"/>
+                </a:solidFill>
+                <a:latin typeface="Open Sans Light"/>
+              </a:rPr>
+              <a:t> </a:t>
+            </a:r>
+            <a:r>
+              <a:rPr lang="en-US" sz="2759" dirty="0" err="1">
+                <a:solidFill>
+                  <a:srgbClr val="FFFFFF"/>
+                </a:solidFill>
+                <a:latin typeface="Open Sans Light"/>
+              </a:rPr>
+              <a:t>sul</a:t>
+            </a:r>
+            <a:r>
+              <a:rPr lang="en-US" sz="2759" dirty="0">
+                <a:solidFill>
+                  <a:srgbClr val="FFFFFF"/>
+                </a:solidFill>
+                <a:latin typeface="Open Sans Light"/>
+              </a:rPr>
+              <a:t> registry </a:t>
+            </a:r>
+            <a:r>
+              <a:rPr lang="en-US" sz="2759" dirty="0" err="1">
+                <a:solidFill>
+                  <a:srgbClr val="FFFFFF"/>
+                </a:solidFill>
+                <a:latin typeface="Open Sans Light"/>
+              </a:rPr>
+              <a:t>alla</a:t>
+            </a:r>
+            <a:r>
+              <a:rPr lang="en-US" sz="2759" dirty="0">
+                <a:solidFill>
+                  <a:srgbClr val="FFFFFF"/>
+                </a:solidFill>
+                <a:latin typeface="Open Sans Light"/>
+              </a:rPr>
+              <a:t> </a:t>
+            </a:r>
+            <a:r>
+              <a:rPr lang="en-US" sz="2759" dirty="0" err="1">
+                <a:solidFill>
+                  <a:srgbClr val="FFFFFF"/>
+                </a:solidFill>
+                <a:latin typeface="Open Sans Light"/>
+              </a:rPr>
+              <a:t>locazione</a:t>
+            </a:r>
+            <a:r>
+              <a:rPr lang="en-US" sz="2759" dirty="0">
+                <a:solidFill>
+                  <a:srgbClr val="FFFFFF"/>
+                </a:solidFill>
+                <a:latin typeface="Open Sans Light"/>
+              </a:rPr>
+              <a:t> </a:t>
+            </a:r>
+            <a:r>
+              <a:rPr lang="en-US" sz="2759" dirty="0" err="1">
+                <a:solidFill>
+                  <a:srgbClr val="FFFFFF"/>
+                </a:solidFill>
+                <a:latin typeface="Open Sans Light"/>
+              </a:rPr>
+              <a:t>corretta</a:t>
+            </a:r>
+            <a:endParaRPr lang="en-US" sz="2759" dirty="0">
+              <a:solidFill>
+                <a:srgbClr val="FFFFFF"/>
+              </a:solidFill>
+              <a:latin typeface="Open Sans Light"/>
+            </a:endParaRPr>
           </a:p>
         </p:txBody>
       </p:sp>
@@ -7112,7 +7715,7 @@
         </p:nvSpPr>
         <p:spPr>
           <a:xfrm>
-            <a:off x="10523637" y="5533009"/>
+            <a:off x="10507873" y="6567202"/>
             <a:ext cx="6432352" cy="463314"/>
           </a:xfrm>
           <a:prstGeom prst="rect">
@@ -7145,6 +7748,66 @@
           </a:p>
         </p:txBody>
       </p:sp>
+      <p:pic>
+        <p:nvPicPr>
+          <p:cNvPr id="44" name="Picture 43">
+            <a:extLst>
+              <a:ext uri="{FF2B5EF4-FFF2-40B4-BE49-F238E27FC236}">
+                <a16:creationId xmlns:a16="http://schemas.microsoft.com/office/drawing/2014/main" id="{B9FEB9AC-3341-4B3A-9FA7-E8488B60467A}"/>
+              </a:ext>
+            </a:extLst>
+          </p:cNvPr>
+          <p:cNvPicPr>
+            <a:picLocks noChangeAspect="1"/>
+          </p:cNvPicPr>
+          <p:nvPr/>
+        </p:nvPicPr>
+        <p:blipFill>
+          <a:blip r:embed="rId2"/>
+          <a:stretch>
+            <a:fillRect/>
+          </a:stretch>
+        </p:blipFill>
+        <p:spPr>
+          <a:xfrm>
+            <a:off x="9499243" y="3330140"/>
+            <a:ext cx="7525800" cy="2619741"/>
+          </a:xfrm>
+          <a:prstGeom prst="rect">
+            <a:avLst/>
+          </a:prstGeom>
+        </p:spPr>
+      </p:pic>
+      <p:pic>
+        <p:nvPicPr>
+          <p:cNvPr id="46" name="Picture 45">
+            <a:extLst>
+              <a:ext uri="{FF2B5EF4-FFF2-40B4-BE49-F238E27FC236}">
+                <a16:creationId xmlns:a16="http://schemas.microsoft.com/office/drawing/2014/main" id="{D071A827-9D14-4490-AD84-F40CAF523C67}"/>
+              </a:ext>
+            </a:extLst>
+          </p:cNvPr>
+          <p:cNvPicPr>
+            <a:picLocks noChangeAspect="1"/>
+          </p:cNvPicPr>
+          <p:nvPr/>
+        </p:nvPicPr>
+        <p:blipFill>
+          <a:blip r:embed="rId3"/>
+          <a:stretch>
+            <a:fillRect/>
+          </a:stretch>
+        </p:blipFill>
+        <p:spPr>
+          <a:xfrm>
+            <a:off x="906363" y="4323525"/>
+            <a:ext cx="7487695" cy="1933845"/>
+          </a:xfrm>
+          <a:prstGeom prst="rect">
+            <a:avLst/>
+          </a:prstGeom>
+        </p:spPr>
+      </p:pic>
     </p:spTree>
   </p:cSld>
   <p:clrMapOvr>
@@ -7363,7 +8026,7 @@
         </p:nvSpPr>
         <p:spPr>
           <a:xfrm>
-            <a:off x="350490" y="588737"/>
+            <a:off x="350490" y="181872"/>
             <a:ext cx="7924949" cy="688974"/>
           </a:xfrm>
           <a:prstGeom prst="rect">
@@ -7382,13 +8045,40 @@
               </a:lnSpc>
             </a:pPr>
             <a:r>
-              <a:rPr lang="en-US" sz="4000">
+              <a:rPr lang="en-US" sz="4000" dirty="0" err="1">
                 <a:solidFill>
                   <a:srgbClr val="000000"/>
                 </a:solidFill>
                 <a:latin typeface="Open Sans Extra Bold"/>
               </a:rPr>
-              <a:t>Implementazione conta_righe </a:t>
+              <a:t>Implementazione</a:t>
+            </a:r>
+            <a:r>
+              <a:rPr lang="en-US" sz="4000" dirty="0">
+                <a:solidFill>
+                  <a:srgbClr val="000000"/>
+                </a:solidFill>
+                <a:latin typeface="Open Sans Extra Bold"/>
+              </a:rPr>
+              <a:t> </a:t>
+            </a:r>
+            <a:r>
+              <a:rPr lang="en-US" sz="4000" dirty="0" err="1">
+                <a:solidFill>
+                  <a:srgbClr val="000000"/>
+                </a:solidFill>
+                <a:latin typeface="Open Sans Extra Bold"/>
+              </a:rPr>
+              <a:t>conta_righe</a:t>
+            </a:r>
+            <a:r>
+              <a:rPr lang="en-US" sz="4000" dirty="0">
+                <a:solidFill>
+                  <a:srgbClr val="000000"/>
+                </a:solidFill>
+                <a:latin typeface="Open Sans Extra Bold"/>
+              </a:rPr>
+              <a:t> </a:t>
             </a:r>
           </a:p>
         </p:txBody>
@@ -7401,7 +8091,7 @@
         </p:nvSpPr>
         <p:spPr>
           <a:xfrm>
-            <a:off x="475538" y="1884589"/>
+            <a:off x="475538" y="3397118"/>
             <a:ext cx="5470497" cy="877570"/>
           </a:xfrm>
           <a:prstGeom prst="rect">
@@ -7445,7 +8135,7 @@
         </p:nvSpPr>
         <p:spPr>
           <a:xfrm>
-            <a:off x="9083359" y="0"/>
+            <a:off x="9170003" y="1316621"/>
             <a:ext cx="6951218" cy="877570"/>
           </a:xfrm>
           <a:prstGeom prst="rect">
@@ -7503,7 +8193,7 @@
         </p:blipFill>
         <p:spPr>
           <a:xfrm>
-            <a:off x="381866" y="3220088"/>
+            <a:off x="381866" y="4732617"/>
             <a:ext cx="7992590" cy="5182323"/>
           </a:xfrm>
           <a:prstGeom prst="rect">
@@ -7533,7 +8223,7 @@
         </p:blipFill>
         <p:spPr>
           <a:xfrm>
-            <a:off x="9157148" y="3390900"/>
+            <a:off x="9152074" y="2644548"/>
             <a:ext cx="7411484" cy="6716062"/>
           </a:xfrm>
           <a:prstGeom prst="rect">
@@ -7541,84 +8231,6 @@
           </a:prstGeom>
         </p:spPr>
       </p:pic>
-      <p:sp>
-        <p:nvSpPr>
-          <p:cNvPr id="19" name="TextBox 18">
-            <a:extLst>
-              <a:ext uri="{FF2B5EF4-FFF2-40B4-BE49-F238E27FC236}">
-                <a16:creationId xmlns:a16="http://schemas.microsoft.com/office/drawing/2014/main" id="{89D6BF0B-954F-4609-9991-D79722D28A8E}"/>
-              </a:ext>
-            </a:extLst>
-          </p:cNvPr>
-          <p:cNvSpPr txBox="1"/>
-          <p:nvPr/>
-        </p:nvSpPr>
-        <p:spPr>
-          <a:xfrm>
-            <a:off x="8685579" y="1238258"/>
-            <a:ext cx="393056" cy="584775"/>
-          </a:xfrm>
-          <a:prstGeom prst="rect">
-            <a:avLst/>
-          </a:prstGeom>
-          <a:noFill/>
-        </p:spPr>
-        <p:txBody>
-          <a:bodyPr wrap="none" rtlCol="0">
-            <a:spAutoFit/>
-          </a:bodyPr>
-          <a:lstStyle/>
-          <a:p>
-            <a:r>
-              <a:rPr lang="it-IT" sz="3200" dirty="0">
-                <a:solidFill>
-                  <a:schemeClr val="bg1"/>
-                </a:solidFill>
-              </a:rPr>
-              <a:t>1</a:t>
-            </a:r>
-          </a:p>
-        </p:txBody>
-      </p:sp>
-      <p:sp>
-        <p:nvSpPr>
-          <p:cNvPr id="20" name="TextBox 19">
-            <a:extLst>
-              <a:ext uri="{FF2B5EF4-FFF2-40B4-BE49-F238E27FC236}">
-                <a16:creationId xmlns:a16="http://schemas.microsoft.com/office/drawing/2014/main" id="{837E5857-7F13-4353-83B0-A83C6A51A119}"/>
-              </a:ext>
-            </a:extLst>
-          </p:cNvPr>
-          <p:cNvSpPr txBox="1"/>
-          <p:nvPr/>
-        </p:nvSpPr>
-        <p:spPr>
-          <a:xfrm>
-            <a:off x="8712149" y="3122847"/>
-            <a:ext cx="393056" cy="584775"/>
-          </a:xfrm>
-          <a:prstGeom prst="rect">
-            <a:avLst/>
-          </a:prstGeom>
-          <a:noFill/>
-        </p:spPr>
-        <p:txBody>
-          <a:bodyPr wrap="none" rtlCol="0">
-            <a:spAutoFit/>
-          </a:bodyPr>
-          <a:lstStyle/>
-          <a:p>
-            <a:r>
-              <a:rPr lang="it-IT" sz="3200" dirty="0">
-                <a:solidFill>
-                  <a:schemeClr val="bg1"/>
-                </a:solidFill>
-              </a:rPr>
-              <a:t>2</a:t>
-            </a:r>
-          </a:p>
-        </p:txBody>
-      </p:sp>
       <p:pic>
         <p:nvPicPr>
           <p:cNvPr id="22" name="Picture 21">
@@ -7641,7 +8253,7 @@
         </p:blipFill>
         <p:spPr>
           <a:xfrm>
-            <a:off x="9144000" y="1304786"/>
+            <a:off x="475538" y="1336455"/>
             <a:ext cx="7059010" cy="1390844"/>
           </a:xfrm>
           <a:prstGeom prst="rect">
@@ -7745,7 +8357,7 @@
         </p:nvSpPr>
         <p:spPr>
           <a:xfrm>
-            <a:off x="222349" y="650875"/>
+            <a:off x="217867" y="343650"/>
             <a:ext cx="8248650" cy="662939"/>
           </a:xfrm>
           <a:prstGeom prst="rect">
@@ -7764,13 +8376,40 @@
               </a:lnSpc>
             </a:pPr>
             <a:r>
-              <a:rPr lang="en-US" sz="3900">
+              <a:rPr lang="en-US" sz="3900" dirty="0" err="1">
                 <a:solidFill>
                   <a:srgbClr val="000000"/>
                 </a:solidFill>
                 <a:latin typeface="Open Sans Extra Bold"/>
               </a:rPr>
-              <a:t>Implementazione elimina_righe </a:t>
+              <a:t>Implementazione</a:t>
+            </a:r>
+            <a:r>
+              <a:rPr lang="en-US" sz="3900" dirty="0">
+                <a:solidFill>
+                  <a:srgbClr val="000000"/>
+                </a:solidFill>
+                <a:latin typeface="Open Sans Extra Bold"/>
+              </a:rPr>
+              <a:t> </a:t>
+            </a:r>
+            <a:r>
+              <a:rPr lang="en-US" sz="3900" dirty="0" err="1">
+                <a:solidFill>
+                  <a:srgbClr val="000000"/>
+                </a:solidFill>
+                <a:latin typeface="Open Sans Extra Bold"/>
+              </a:rPr>
+              <a:t>elimina_righe</a:t>
+            </a:r>
+            <a:r>
+              <a:rPr lang="en-US" sz="3900" dirty="0">
+                <a:solidFill>
+                  <a:srgbClr val="000000"/>
+                </a:solidFill>
+                <a:latin typeface="Open Sans Extra Bold"/>
+              </a:rPr>
+              <a:t> </a:t>
             </a:r>
           </a:p>
         </p:txBody>
@@ -7783,7 +8422,7 @@
         </p:nvSpPr>
         <p:spPr>
           <a:xfrm>
-            <a:off x="455127" y="1884589"/>
+            <a:off x="450645" y="3162300"/>
             <a:ext cx="5470497" cy="877570"/>
           </a:xfrm>
           <a:prstGeom prst="rect">
@@ -7821,7 +8460,7 @@
         </p:nvSpPr>
         <p:spPr>
           <a:xfrm>
-            <a:off x="8940627" y="-95135"/>
+            <a:off x="9144000" y="1353677"/>
             <a:ext cx="6951218" cy="877570"/>
           </a:xfrm>
           <a:prstGeom prst="rect">
@@ -7854,84 +8493,6 @@
               </a:solidFill>
               <a:latin typeface="Open Sans"/>
             </a:endParaRPr>
-          </a:p>
-        </p:txBody>
-      </p:sp>
-      <p:sp>
-        <p:nvSpPr>
-          <p:cNvPr id="11" name="TextBox 10">
-            <a:extLst>
-              <a:ext uri="{FF2B5EF4-FFF2-40B4-BE49-F238E27FC236}">
-                <a16:creationId xmlns:a16="http://schemas.microsoft.com/office/drawing/2014/main" id="{CB481C6B-CB88-414A-B62F-539E8530A4AF}"/>
-              </a:ext>
-            </a:extLst>
-          </p:cNvPr>
-          <p:cNvSpPr txBox="1"/>
-          <p:nvPr/>
-        </p:nvSpPr>
-        <p:spPr>
-          <a:xfrm>
-            <a:off x="8634132" y="893756"/>
-            <a:ext cx="393056" cy="584775"/>
-          </a:xfrm>
-          <a:prstGeom prst="rect">
-            <a:avLst/>
-          </a:prstGeom>
-          <a:noFill/>
-        </p:spPr>
-        <p:txBody>
-          <a:bodyPr wrap="none" rtlCol="0">
-            <a:spAutoFit/>
-          </a:bodyPr>
-          <a:lstStyle/>
-          <a:p>
-            <a:r>
-              <a:rPr lang="it-IT" sz="3200" dirty="0">
-                <a:solidFill>
-                  <a:schemeClr val="bg1"/>
-                </a:solidFill>
-              </a:rPr>
-              <a:t>1</a:t>
-            </a:r>
-          </a:p>
-        </p:txBody>
-      </p:sp>
-      <p:sp>
-        <p:nvSpPr>
-          <p:cNvPr id="12" name="TextBox 11">
-            <a:extLst>
-              <a:ext uri="{FF2B5EF4-FFF2-40B4-BE49-F238E27FC236}">
-                <a16:creationId xmlns:a16="http://schemas.microsoft.com/office/drawing/2014/main" id="{99955DFA-B384-44DE-A4C5-5915FA847F05}"/>
-              </a:ext>
-            </a:extLst>
-          </p:cNvPr>
-          <p:cNvSpPr txBox="1"/>
-          <p:nvPr/>
-        </p:nvSpPr>
-        <p:spPr>
-          <a:xfrm>
-            <a:off x="8616203" y="2327605"/>
-            <a:ext cx="393056" cy="584775"/>
-          </a:xfrm>
-          <a:prstGeom prst="rect">
-            <a:avLst/>
-          </a:prstGeom>
-          <a:noFill/>
-        </p:spPr>
-        <p:txBody>
-          <a:bodyPr wrap="none" rtlCol="0">
-            <a:spAutoFit/>
-          </a:bodyPr>
-          <a:lstStyle/>
-          <a:p>
-            <a:r>
-              <a:rPr lang="it-IT" sz="3200" dirty="0">
-                <a:solidFill>
-                  <a:schemeClr val="bg1"/>
-                </a:solidFill>
-              </a:rPr>
-              <a:t>2</a:t>
-            </a:r>
           </a:p>
         </p:txBody>
       </p:sp>
@@ -7957,7 +8518,7 @@
         </p:blipFill>
         <p:spPr>
           <a:xfrm>
-            <a:off x="9091979" y="945238"/>
+            <a:off x="217867" y="1550115"/>
             <a:ext cx="7211431" cy="1362265"/>
           </a:xfrm>
           <a:prstGeom prst="rect">
@@ -8121,7 +8682,7 @@
         </p:blipFill>
         <p:spPr>
           <a:xfrm>
-            <a:off x="222349" y="3009900"/>
+            <a:off x="217867" y="4287611"/>
             <a:ext cx="7697274" cy="5553850"/>
           </a:xfrm>
           <a:prstGeom prst="rect">

--- a/esercitazione_6/documents/Esercitazione 6.pptx
+++ b/esercitazione_6/documents/Esercitazione 6.pptx
@@ -11,38 +11,40 @@
     <p:sldId id="259" r:id="rId5"/>
     <p:sldId id="260" r:id="rId6"/>
     <p:sldId id="261" r:id="rId7"/>
-    <p:sldId id="262" r:id="rId8"/>
-    <p:sldId id="263" r:id="rId9"/>
+    <p:sldId id="265" r:id="rId8"/>
+    <p:sldId id="266" r:id="rId9"/>
+    <p:sldId id="262" r:id="rId10"/>
+    <p:sldId id="263" r:id="rId11"/>
   </p:sldIdLst>
   <p:sldSz cx="18288000" cy="10287000"/>
   <p:notesSz cx="6858000" cy="9144000"/>
   <p:embeddedFontLst>
     <p:embeddedFont>
       <p:font typeface="Calibri" panose="020F0502020204030204" pitchFamily="34" charset="0"/>
-      <p:regular r:id="rId10"/>
-      <p:bold r:id="rId11"/>
-      <p:italic r:id="rId12"/>
-      <p:boldItalic r:id="rId13"/>
+      <p:regular r:id="rId12"/>
+      <p:bold r:id="rId13"/>
+      <p:italic r:id="rId14"/>
+      <p:boldItalic r:id="rId15"/>
     </p:embeddedFont>
     <p:embeddedFont>
       <p:font typeface="Open Sans" panose="020B0606030504020204" pitchFamily="34" charset="0"/>
-      <p:regular r:id="rId14"/>
-      <p:bold r:id="rId15"/>
-      <p:italic r:id="rId16"/>
-      <p:boldItalic r:id="rId17"/>
+      <p:regular r:id="rId16"/>
+      <p:bold r:id="rId17"/>
+      <p:italic r:id="rId18"/>
+      <p:boldItalic r:id="rId19"/>
     </p:embeddedFont>
     <p:embeddedFont>
       <p:font typeface="Open Sans Extra Bold" panose="020B0604020202020204" charset="0"/>
-      <p:regular r:id="rId18"/>
+      <p:regular r:id="rId20"/>
     </p:embeddedFont>
     <p:embeddedFont>
       <p:font typeface="Open Sans Light" panose="020B0306030504020204" pitchFamily="34" charset="0"/>
-      <p:regular r:id="rId19"/>
-      <p:italic r:id="rId20"/>
+      <p:regular r:id="rId21"/>
+      <p:italic r:id="rId22"/>
     </p:embeddedFont>
     <p:embeddedFont>
       <p:font typeface="Open Sans Light Bold" panose="020B0604020202020204" charset="0"/>
-      <p:regular r:id="rId21"/>
+      <p:regular r:id="rId23"/>
     </p:embeddedFont>
   </p:embeddedFontLst>
   <p:defaultTextStyle>
@@ -382,7 +384,7 @@
             <a:fld id="{B6F15528-21DE-4FAA-801E-634DDDAF4B2B}" type="slidenum">
               <a:rPr lang="en-US" smtClean="0"/>
               <a:pPr/>
-              <a:t>‹#›</a:t>
+              <a:t>‹N›</a:t>
             </a:fld>
             <a:endParaRPr lang="en-US"/>
           </a:p>
@@ -547,7 +549,7 @@
             <a:fld id="{B6F15528-21DE-4FAA-801E-634DDDAF4B2B}" type="slidenum">
               <a:rPr lang="en-US" smtClean="0"/>
               <a:pPr/>
-              <a:t>‹#›</a:t>
+              <a:t>‹N›</a:t>
             </a:fld>
             <a:endParaRPr lang="en-US"/>
           </a:p>
@@ -722,7 +724,7 @@
             <a:fld id="{B6F15528-21DE-4FAA-801E-634DDDAF4B2B}" type="slidenum">
               <a:rPr lang="en-US" smtClean="0"/>
               <a:pPr/>
-              <a:t>‹#›</a:t>
+              <a:t>‹N›</a:t>
             </a:fld>
             <a:endParaRPr lang="en-US"/>
           </a:p>
@@ -887,7 +889,7 @@
             <a:fld id="{B6F15528-21DE-4FAA-801E-634DDDAF4B2B}" type="slidenum">
               <a:rPr lang="en-US" smtClean="0"/>
               <a:pPr/>
-              <a:t>‹#›</a:t>
+              <a:t>‹N›</a:t>
             </a:fld>
             <a:endParaRPr lang="en-US"/>
           </a:p>
@@ -1129,7 +1131,7 @@
             <a:fld id="{B6F15528-21DE-4FAA-801E-634DDDAF4B2B}" type="slidenum">
               <a:rPr lang="en-US" smtClean="0"/>
               <a:pPr/>
-              <a:t>‹#›</a:t>
+              <a:t>‹N›</a:t>
             </a:fld>
             <a:endParaRPr lang="en-US"/>
           </a:p>
@@ -1411,7 +1413,7 @@
             <a:fld id="{B6F15528-21DE-4FAA-801E-634DDDAF4B2B}" type="slidenum">
               <a:rPr lang="en-US" smtClean="0"/>
               <a:pPr/>
-              <a:t>‹#›</a:t>
+              <a:t>‹N›</a:t>
             </a:fld>
             <a:endParaRPr lang="en-US"/>
           </a:p>
@@ -1827,7 +1829,7 @@
             <a:fld id="{B6F15528-21DE-4FAA-801E-634DDDAF4B2B}" type="slidenum">
               <a:rPr lang="en-US" smtClean="0"/>
               <a:pPr/>
-              <a:t>‹#›</a:t>
+              <a:t>‹N›</a:t>
             </a:fld>
             <a:endParaRPr lang="en-US"/>
           </a:p>
@@ -1941,7 +1943,7 @@
             <a:fld id="{B6F15528-21DE-4FAA-801E-634DDDAF4B2B}" type="slidenum">
               <a:rPr lang="en-US" smtClean="0"/>
               <a:pPr/>
-              <a:t>‹#›</a:t>
+              <a:t>‹N›</a:t>
             </a:fld>
             <a:endParaRPr lang="en-US"/>
           </a:p>
@@ -2033,7 +2035,7 @@
             <a:fld id="{B6F15528-21DE-4FAA-801E-634DDDAF4B2B}" type="slidenum">
               <a:rPr lang="en-US" smtClean="0"/>
               <a:pPr/>
-              <a:t>‹#›</a:t>
+              <a:t>‹N›</a:t>
             </a:fld>
             <a:endParaRPr lang="en-US"/>
           </a:p>
@@ -2305,7 +2307,7 @@
             <a:fld id="{B6F15528-21DE-4FAA-801E-634DDDAF4B2B}" type="slidenum">
               <a:rPr lang="en-US" smtClean="0"/>
               <a:pPr/>
-              <a:t>‹#›</a:t>
+              <a:t>‹N›</a:t>
             </a:fld>
             <a:endParaRPr lang="en-US"/>
           </a:p>
@@ -2554,7 +2556,7 @@
             <a:fld id="{B6F15528-21DE-4FAA-801E-634DDDAF4B2B}" type="slidenum">
               <a:rPr lang="en-US" smtClean="0"/>
               <a:pPr/>
-              <a:t>‹#›</a:t>
+              <a:t>‹N›</a:t>
             </a:fld>
             <a:endParaRPr lang="en-US"/>
           </a:p>
@@ -2798,7 +2800,7 @@
             <a:fld id="{B6F15528-21DE-4FAA-801E-634DDDAF4B2B}" type="slidenum">
               <a:rPr lang="en-US" smtClean="0"/>
               <a:pPr/>
-              <a:t>‹#›</a:t>
+              <a:t>‹N›</a:t>
             </a:fld>
             <a:endParaRPr lang="en-US"/>
           </a:p>
@@ -3517,6 +3519,412 @@
 </p:sld>
 </file>
 
+<file path=ppt/slides/slide10.xml><?xml version="1.0" encoding="utf-8"?>
+<p:sld xmlns:a="http://schemas.openxmlformats.org/drawingml/2006/main" xmlns:r="http://schemas.openxmlformats.org/officeDocument/2006/relationships" xmlns:p="http://schemas.openxmlformats.org/presentationml/2006/main">
+  <p:cSld>
+    <p:bg>
+      <p:bgPr>
+        <a:solidFill>
+          <a:srgbClr val="FF914D"/>
+        </a:solidFill>
+        <a:effectLst/>
+      </p:bgPr>
+    </p:bg>
+    <p:spTree>
+      <p:nvGrpSpPr>
+        <p:cNvPr id="1" name=""/>
+        <p:cNvGrpSpPr/>
+        <p:nvPr/>
+      </p:nvGrpSpPr>
+      <p:grpSpPr>
+        <a:xfrm>
+          <a:off x="0" y="0"/>
+          <a:ext cx="0" cy="0"/>
+          <a:chOff x="0" y="0"/>
+          <a:chExt cx="0" cy="0"/>
+        </a:xfrm>
+      </p:grpSpPr>
+      <p:grpSp>
+        <p:nvGrpSpPr>
+          <p:cNvPr id="2" name="Group 2"/>
+          <p:cNvGrpSpPr/>
+          <p:nvPr/>
+        </p:nvGrpSpPr>
+        <p:grpSpPr>
+          <a:xfrm>
+            <a:off x="0" y="0"/>
+            <a:ext cx="6502854" cy="10287000"/>
+            <a:chOff x="0" y="0"/>
+            <a:chExt cx="2199731" cy="3479800"/>
+          </a:xfrm>
+        </p:grpSpPr>
+        <p:sp>
+          <p:nvSpPr>
+            <p:cNvPr id="3" name="Freeform 3"/>
+            <p:cNvSpPr/>
+            <p:nvPr/>
+          </p:nvSpPr>
+          <p:spPr>
+            <a:xfrm>
+              <a:off x="0" y="0"/>
+              <a:ext cx="2199731" cy="3479800"/>
+            </a:xfrm>
+            <a:custGeom>
+              <a:avLst/>
+              <a:gdLst/>
+              <a:ahLst/>
+              <a:cxnLst/>
+              <a:rect l="l" t="t" r="r" b="b"/>
+              <a:pathLst>
+                <a:path w="2199731" h="3479800">
+                  <a:moveTo>
+                    <a:pt x="0" y="0"/>
+                  </a:moveTo>
+                  <a:lnTo>
+                    <a:pt x="2199731" y="0"/>
+                  </a:lnTo>
+                  <a:lnTo>
+                    <a:pt x="2199731" y="3479800"/>
+                  </a:lnTo>
+                  <a:lnTo>
+                    <a:pt x="0" y="3479800"/>
+                  </a:lnTo>
+                  <a:close/>
+                </a:path>
+              </a:pathLst>
+            </a:custGeom>
+            <a:solidFill>
+              <a:srgbClr val="004AAD"/>
+            </a:solidFill>
+          </p:spPr>
+        </p:sp>
+      </p:grpSp>
+      <p:pic>
+        <p:nvPicPr>
+          <p:cNvPr id="4" name="Picture 4"/>
+          <p:cNvPicPr>
+            <a:picLocks noChangeAspect="1"/>
+          </p:cNvPicPr>
+          <p:nvPr/>
+        </p:nvPicPr>
+        <p:blipFill>
+          <a:blip r:embed="rId2">
+            <a:extLst>
+              <a:ext uri="{28A0092B-C50C-407E-A947-70E740481C1C}">
+                <a14:useLocalDpi xmlns:a14="http://schemas.microsoft.com/office/drawing/2010/main" val="0"/>
+              </a:ext>
+              <a:ext uri="{96DAC541-7B7A-43D3-8B79-37D633B846F1}">
+                <asvg:svgBlip xmlns:asvg="http://schemas.microsoft.com/office/drawing/2016/SVG/main" r:embed="rId3"/>
+              </a:ext>
+            </a:extLst>
+          </a:blip>
+          <a:srcRect/>
+          <a:stretch>
+            <a:fillRect/>
+          </a:stretch>
+        </p:blipFill>
+        <p:spPr>
+          <a:xfrm>
+            <a:off x="1280064" y="1714500"/>
+            <a:ext cx="3942727" cy="4114800"/>
+          </a:xfrm>
+          <a:prstGeom prst="rect">
+            <a:avLst/>
+          </a:prstGeom>
+        </p:spPr>
+      </p:pic>
+      <p:sp>
+        <p:nvSpPr>
+          <p:cNvPr id="5" name="TextBox 5"/>
+          <p:cNvSpPr txBox="1"/>
+          <p:nvPr/>
+        </p:nvSpPr>
+        <p:spPr>
+          <a:xfrm>
+            <a:off x="10204581" y="3904615"/>
+            <a:ext cx="4083695" cy="1533525"/>
+          </a:xfrm>
+          <a:prstGeom prst="rect">
+            <a:avLst/>
+          </a:prstGeom>
+        </p:spPr>
+        <p:txBody>
+          <a:bodyPr lIns="0" tIns="0" rIns="0" bIns="0" rtlCol="0" anchor="t">
+            <a:spAutoFit/>
+          </a:bodyPr>
+          <a:lstStyle/>
+          <a:p>
+            <a:pPr algn="ctr">
+              <a:lnSpc>
+                <a:spcPts val="12599"/>
+              </a:lnSpc>
+            </a:pPr>
+            <a:r>
+              <a:rPr lang="en-US" sz="9000">
+                <a:solidFill>
+                  <a:srgbClr val="000000"/>
+                </a:solidFill>
+                <a:latin typeface="Open Sans Extra Bold"/>
+              </a:rPr>
+              <a:t>Grazie!</a:t>
+            </a:r>
+          </a:p>
+        </p:txBody>
+      </p:sp>
+      <p:sp>
+        <p:nvSpPr>
+          <p:cNvPr id="7" name="TextBox 7"/>
+          <p:cNvSpPr txBox="1"/>
+          <p:nvPr/>
+        </p:nvSpPr>
+        <p:spPr>
+          <a:xfrm>
+            <a:off x="1698483" y="6360020"/>
+            <a:ext cx="3681264" cy="2380615"/>
+          </a:xfrm>
+          <a:prstGeom prst="rect">
+            <a:avLst/>
+          </a:prstGeom>
+        </p:spPr>
+        <p:txBody>
+          <a:bodyPr lIns="0" tIns="0" rIns="0" bIns="0" rtlCol="0" anchor="t">
+            <a:spAutoFit/>
+          </a:bodyPr>
+          <a:lstStyle/>
+          <a:p>
+            <a:pPr algn="ctr">
+              <a:lnSpc>
+                <a:spcPts val="4759"/>
+              </a:lnSpc>
+            </a:pPr>
+            <a:r>
+              <a:rPr lang="en-US" sz="3399">
+                <a:solidFill>
+                  <a:srgbClr val="FFFFFF"/>
+                </a:solidFill>
+                <a:latin typeface="Open Sans Light"/>
+              </a:rPr>
+              <a:t>Bernardini Claudio</a:t>
+            </a:r>
+          </a:p>
+          <a:p>
+            <a:pPr algn="ctr">
+              <a:lnSpc>
+                <a:spcPts val="4759"/>
+              </a:lnSpc>
+            </a:pPr>
+            <a:r>
+              <a:rPr lang="en-US" sz="3399">
+                <a:solidFill>
+                  <a:srgbClr val="FFFFFF"/>
+                </a:solidFill>
+                <a:latin typeface="Open Sans Light"/>
+              </a:rPr>
+              <a:t>Corsetti Luca</a:t>
+            </a:r>
+          </a:p>
+          <a:p>
+            <a:pPr algn="ctr">
+              <a:lnSpc>
+                <a:spcPts val="4759"/>
+              </a:lnSpc>
+            </a:pPr>
+            <a:r>
+              <a:rPr lang="en-US" sz="3399">
+                <a:solidFill>
+                  <a:srgbClr val="FFFFFF"/>
+                </a:solidFill>
+                <a:latin typeface="Open Sans Light"/>
+              </a:rPr>
+              <a:t> Giardina Gianluca</a:t>
+            </a:r>
+          </a:p>
+          <a:p>
+            <a:pPr algn="ctr">
+              <a:lnSpc>
+                <a:spcPts val="4759"/>
+              </a:lnSpc>
+            </a:pPr>
+            <a:r>
+              <a:rPr lang="en-US" sz="3399">
+                <a:solidFill>
+                  <a:srgbClr val="FFFFFF"/>
+                </a:solidFill>
+                <a:latin typeface="Open Sans Light"/>
+              </a:rPr>
+              <a:t>Straccali Leonardo </a:t>
+            </a:r>
+          </a:p>
+        </p:txBody>
+      </p:sp>
+      <p:sp>
+        <p:nvSpPr>
+          <p:cNvPr id="8" name="TextBox 8"/>
+          <p:cNvSpPr txBox="1"/>
+          <p:nvPr/>
+        </p:nvSpPr>
+        <p:spPr>
+          <a:xfrm>
+            <a:off x="13793242" y="448310"/>
+            <a:ext cx="3718471" cy="580390"/>
+          </a:xfrm>
+          <a:prstGeom prst="rect">
+            <a:avLst/>
+          </a:prstGeom>
+        </p:spPr>
+        <p:txBody>
+          <a:bodyPr lIns="0" tIns="0" rIns="0" bIns="0" rtlCol="0" anchor="t">
+            <a:spAutoFit/>
+          </a:bodyPr>
+          <a:lstStyle/>
+          <a:p>
+            <a:pPr algn="ctr">
+              <a:lnSpc>
+                <a:spcPts val="4759"/>
+              </a:lnSpc>
+            </a:pPr>
+            <a:r>
+              <a:rPr lang="en-US" sz="3399">
+                <a:solidFill>
+                  <a:srgbClr val="000000"/>
+                </a:solidFill>
+                <a:latin typeface="Open Sans Light"/>
+              </a:rPr>
+              <a:t>23 Novembre 2021</a:t>
+            </a:r>
+          </a:p>
+        </p:txBody>
+      </p:sp>
+      <p:grpSp>
+        <p:nvGrpSpPr>
+          <p:cNvPr id="9" name="Group 9"/>
+          <p:cNvGrpSpPr/>
+          <p:nvPr/>
+        </p:nvGrpSpPr>
+        <p:grpSpPr>
+          <a:xfrm>
+            <a:off x="16658290" y="8740635"/>
+            <a:ext cx="1289957" cy="1289957"/>
+            <a:chOff x="0" y="0"/>
+            <a:chExt cx="1719943" cy="1719943"/>
+          </a:xfrm>
+        </p:grpSpPr>
+        <p:grpSp>
+          <p:nvGrpSpPr>
+            <p:cNvPr id="10" name="Group 10"/>
+            <p:cNvGrpSpPr/>
+            <p:nvPr/>
+          </p:nvGrpSpPr>
+          <p:grpSpPr>
+            <a:xfrm>
+              <a:off x="0" y="0"/>
+              <a:ext cx="1719943" cy="1719943"/>
+              <a:chOff x="0" y="0"/>
+              <a:chExt cx="6350000" cy="6350000"/>
+            </a:xfrm>
+          </p:grpSpPr>
+          <p:sp>
+            <p:nvSpPr>
+              <p:cNvPr id="11" name="Freeform 11"/>
+              <p:cNvSpPr/>
+              <p:nvPr/>
+            </p:nvSpPr>
+            <p:spPr>
+              <a:xfrm>
+                <a:off x="14167" y="0"/>
+                <a:ext cx="6321665" cy="6350000"/>
+              </a:xfrm>
+              <a:custGeom>
+                <a:avLst/>
+                <a:gdLst/>
+                <a:ahLst/>
+                <a:cxnLst/>
+                <a:rect l="l" t="t" r="r" b="b"/>
+                <a:pathLst>
+                  <a:path w="6321665" h="6350000">
+                    <a:moveTo>
+                      <a:pt x="3160833" y="0"/>
+                    </a:moveTo>
+                    <a:lnTo>
+                      <a:pt x="3160833" y="0"/>
+                    </a:lnTo>
+                    <a:cubicBezTo>
+                      <a:pt x="4908795" y="7817"/>
+                      <a:pt x="6321666" y="1427021"/>
+                      <a:pt x="6321666" y="3175000"/>
+                    </a:cubicBezTo>
+                    <a:cubicBezTo>
+                      <a:pt x="6321666" y="4922979"/>
+                      <a:pt x="4908795" y="6342183"/>
+                      <a:pt x="3160833" y="6350000"/>
+                    </a:cubicBezTo>
+                    <a:cubicBezTo>
+                      <a:pt x="1412871" y="6342183"/>
+                      <a:pt x="0" y="4922979"/>
+                      <a:pt x="0" y="3175000"/>
+                    </a:cubicBezTo>
+                    <a:cubicBezTo>
+                      <a:pt x="0" y="1427021"/>
+                      <a:pt x="1412871" y="7817"/>
+                      <a:pt x="3160833" y="0"/>
+                    </a:cubicBezTo>
+                    <a:close/>
+                  </a:path>
+                </a:pathLst>
+              </a:custGeom>
+              <a:solidFill>
+                <a:srgbClr val="004AAD"/>
+              </a:solidFill>
+            </p:spPr>
+          </p:sp>
+        </p:grpSp>
+        <p:sp>
+          <p:nvSpPr>
+            <p:cNvPr id="12" name="TextBox 12"/>
+            <p:cNvSpPr txBox="1"/>
+            <p:nvPr/>
+          </p:nvSpPr>
+          <p:spPr>
+            <a:xfrm>
+              <a:off x="350345" y="477173"/>
+              <a:ext cx="1019250" cy="765595"/>
+            </a:xfrm>
+            <a:prstGeom prst="rect">
+              <a:avLst/>
+            </a:prstGeom>
+          </p:spPr>
+          <p:txBody>
+            <a:bodyPr wrap="square" lIns="0" tIns="0" rIns="0" bIns="0" rtlCol="0" anchor="t">
+              <a:spAutoFit/>
+            </a:bodyPr>
+            <a:lstStyle/>
+            <a:p>
+              <a:pPr algn="ctr">
+                <a:lnSpc>
+                  <a:spcPts val="4759"/>
+                </a:lnSpc>
+              </a:pPr>
+              <a:r>
+                <a:rPr lang="en-US" sz="3399" dirty="0">
+                  <a:solidFill>
+                    <a:srgbClr val="FFFFFF"/>
+                  </a:solidFill>
+                  <a:latin typeface="Open Sans Light Bold"/>
+                </a:rPr>
+                <a:t>10</a:t>
+              </a:r>
+            </a:p>
+          </p:txBody>
+        </p:sp>
+      </p:grpSp>
+    </p:spTree>
+  </p:cSld>
+  <p:clrMapOvr>
+    <a:masterClrMapping/>
+  </p:clrMapOvr>
+</p:sld>
+</file>
+
 <file path=ppt/slides/slide2.xml><?xml version="1.0" encoding="utf-8"?>
 <p:sld xmlns:a="http://schemas.openxmlformats.org/drawingml/2006/main" xmlns:r="http://schemas.openxmlformats.org/officeDocument/2006/relationships" xmlns:p="http://schemas.openxmlformats.org/presentationml/2006/main">
   <p:cSld>
@@ -7893,6 +8301,11 @@
             <a:solidFill>
               <a:srgbClr val="004AAD"/>
             </a:solidFill>
+            <a:ln>
+              <a:solidFill>
+                <a:srgbClr val="004AAD"/>
+              </a:solidFill>
+            </a:ln>
           </p:spPr>
         </p:sp>
       </p:grpSp>
@@ -8725,6 +9138,1305 @@
       </p:grpSpPr>
       <p:grpSp>
         <p:nvGrpSpPr>
+          <p:cNvPr id="4" name="Group 4"/>
+          <p:cNvGrpSpPr/>
+          <p:nvPr/>
+        </p:nvGrpSpPr>
+        <p:grpSpPr>
+          <a:xfrm>
+            <a:off x="16648765" y="8740635"/>
+            <a:ext cx="1289957" cy="1289957"/>
+            <a:chOff x="0" y="0"/>
+            <a:chExt cx="1719943" cy="1719943"/>
+          </a:xfrm>
+          <a:solidFill>
+            <a:srgbClr val="004AAD"/>
+          </a:solidFill>
+        </p:grpSpPr>
+        <p:grpSp>
+          <p:nvGrpSpPr>
+            <p:cNvPr id="5" name="Group 5"/>
+            <p:cNvGrpSpPr/>
+            <p:nvPr/>
+          </p:nvGrpSpPr>
+          <p:grpSpPr>
+            <a:xfrm>
+              <a:off x="0" y="0"/>
+              <a:ext cx="1719943" cy="1719943"/>
+              <a:chOff x="0" y="0"/>
+              <a:chExt cx="6350000" cy="6350000"/>
+            </a:xfrm>
+            <a:grpFill/>
+          </p:grpSpPr>
+          <p:sp>
+            <p:nvSpPr>
+              <p:cNvPr id="6" name="Freeform 6"/>
+              <p:cNvSpPr/>
+              <p:nvPr/>
+            </p:nvSpPr>
+            <p:spPr>
+              <a:xfrm>
+                <a:off x="14167" y="0"/>
+                <a:ext cx="6321665" cy="6350000"/>
+              </a:xfrm>
+              <a:custGeom>
+                <a:avLst/>
+                <a:gdLst/>
+                <a:ahLst/>
+                <a:cxnLst/>
+                <a:rect l="l" t="t" r="r" b="b"/>
+                <a:pathLst>
+                  <a:path w="6321665" h="6350000">
+                    <a:moveTo>
+                      <a:pt x="3160833" y="0"/>
+                    </a:moveTo>
+                    <a:lnTo>
+                      <a:pt x="3160833" y="0"/>
+                    </a:lnTo>
+                    <a:cubicBezTo>
+                      <a:pt x="4908795" y="7817"/>
+                      <a:pt x="6321666" y="1427021"/>
+                      <a:pt x="6321666" y="3175000"/>
+                    </a:cubicBezTo>
+                    <a:cubicBezTo>
+                      <a:pt x="6321666" y="4922979"/>
+                      <a:pt x="4908795" y="6342183"/>
+                      <a:pt x="3160833" y="6350000"/>
+                    </a:cubicBezTo>
+                    <a:cubicBezTo>
+                      <a:pt x="1412871" y="6342183"/>
+                      <a:pt x="0" y="4922979"/>
+                      <a:pt x="0" y="3175000"/>
+                    </a:cubicBezTo>
+                    <a:cubicBezTo>
+                      <a:pt x="0" y="1427021"/>
+                      <a:pt x="1412871" y="7817"/>
+                      <a:pt x="3160833" y="0"/>
+                    </a:cubicBezTo>
+                    <a:close/>
+                  </a:path>
+                </a:pathLst>
+              </a:custGeom>
+              <a:grpFill/>
+              <a:ln>
+                <a:solidFill>
+                  <a:srgbClr val="FF914D"/>
+                </a:solidFill>
+              </a:ln>
+            </p:spPr>
+          </p:sp>
+        </p:grpSp>
+        <p:sp>
+          <p:nvSpPr>
+            <p:cNvPr id="7" name="TextBox 7"/>
+            <p:cNvSpPr txBox="1"/>
+            <p:nvPr/>
+          </p:nvSpPr>
+          <p:spPr>
+            <a:xfrm>
+              <a:off x="696856" y="450820"/>
+              <a:ext cx="326231" cy="751628"/>
+            </a:xfrm>
+            <a:prstGeom prst="rect">
+              <a:avLst/>
+            </a:prstGeom>
+            <a:grpFill/>
+            <a:ln>
+              <a:noFill/>
+            </a:ln>
+          </p:spPr>
+          <p:txBody>
+            <a:bodyPr lIns="0" tIns="0" rIns="0" bIns="0" rtlCol="0" anchor="t">
+              <a:spAutoFit/>
+            </a:bodyPr>
+            <a:lstStyle/>
+            <a:p>
+              <a:pPr algn="ctr">
+                <a:lnSpc>
+                  <a:spcPts val="4759"/>
+                </a:lnSpc>
+              </a:pPr>
+              <a:r>
+                <a:rPr lang="en-US" sz="3399" dirty="0">
+                  <a:solidFill>
+                    <a:srgbClr val="FFFFFF"/>
+                  </a:solidFill>
+                  <a:latin typeface="Open Sans Light Bold"/>
+                </a:rPr>
+                <a:t>7</a:t>
+              </a:r>
+            </a:p>
+          </p:txBody>
+        </p:sp>
+      </p:grpSp>
+      <p:sp>
+        <p:nvSpPr>
+          <p:cNvPr id="14" name="TextBox 14"/>
+          <p:cNvSpPr txBox="1"/>
+          <p:nvPr/>
+        </p:nvSpPr>
+        <p:spPr>
+          <a:xfrm>
+            <a:off x="533932" y="516255"/>
+            <a:ext cx="12191468" cy="909736"/>
+          </a:xfrm>
+          <a:prstGeom prst="rect">
+            <a:avLst/>
+          </a:prstGeom>
+        </p:spPr>
+        <p:txBody>
+          <a:bodyPr wrap="square" lIns="0" tIns="0" rIns="0" bIns="0" rtlCol="0" anchor="t">
+            <a:spAutoFit/>
+          </a:bodyPr>
+          <a:lstStyle/>
+          <a:p>
+            <a:pPr>
+              <a:lnSpc>
+                <a:spcPts val="7559"/>
+              </a:lnSpc>
+            </a:pPr>
+            <a:r>
+              <a:rPr lang="en-US" sz="5400" dirty="0">
+                <a:solidFill>
+                  <a:srgbClr val="000000"/>
+                </a:solidFill>
+                <a:latin typeface="Open Sans Extra Bold"/>
+              </a:rPr>
+              <a:t>Benchmark – </a:t>
+            </a:r>
+            <a:r>
+              <a:rPr lang="en-US" sz="5400" dirty="0" err="1">
+                <a:solidFill>
+                  <a:srgbClr val="000000"/>
+                </a:solidFill>
+                <a:latin typeface="Open Sans Extra Bold"/>
+              </a:rPr>
+              <a:t>conta_righe</a:t>
+            </a:r>
+            <a:endParaRPr lang="en-US" sz="5400" dirty="0">
+              <a:solidFill>
+                <a:srgbClr val="000000"/>
+              </a:solidFill>
+              <a:latin typeface="Open Sans Extra Bold"/>
+            </a:endParaRPr>
+          </a:p>
+        </p:txBody>
+      </p:sp>
+      <p:pic>
+        <p:nvPicPr>
+          <p:cNvPr id="24" name="Immagine 23">
+            <a:extLst>
+              <a:ext uri="{FF2B5EF4-FFF2-40B4-BE49-F238E27FC236}">
+                <a16:creationId xmlns:a16="http://schemas.microsoft.com/office/drawing/2014/main" id="{546AE2AD-2BFB-4A83-9BDC-EB64D0894EFC}"/>
+              </a:ext>
+            </a:extLst>
+          </p:cNvPr>
+          <p:cNvPicPr>
+            <a:picLocks noChangeAspect="1"/>
+          </p:cNvPicPr>
+          <p:nvPr/>
+        </p:nvPicPr>
+        <p:blipFill>
+          <a:blip r:embed="rId2" cstate="print">
+            <a:extLst>
+              <a:ext uri="{28A0092B-C50C-407E-A947-70E740481C1C}">
+                <a14:useLocalDpi xmlns:a14="http://schemas.microsoft.com/office/drawing/2010/main" val="0"/>
+              </a:ext>
+            </a:extLst>
+          </a:blip>
+          <a:stretch>
+            <a:fillRect/>
+          </a:stretch>
+        </p:blipFill>
+        <p:spPr>
+          <a:xfrm>
+            <a:off x="3124200" y="2705100"/>
+            <a:ext cx="11502048" cy="5209664"/>
+          </a:xfrm>
+          <a:prstGeom prst="rect">
+            <a:avLst/>
+          </a:prstGeom>
+        </p:spPr>
+      </p:pic>
+      <p:sp>
+        <p:nvSpPr>
+          <p:cNvPr id="28" name="TextBox 8">
+            <a:extLst>
+              <a:ext uri="{FF2B5EF4-FFF2-40B4-BE49-F238E27FC236}">
+                <a16:creationId xmlns:a16="http://schemas.microsoft.com/office/drawing/2014/main" id="{A3FFC28A-EA6B-4C35-B2CE-4D7BD2BBCA8E}"/>
+              </a:ext>
+            </a:extLst>
+          </p:cNvPr>
+          <p:cNvSpPr txBox="1"/>
+          <p:nvPr/>
+        </p:nvSpPr>
+        <p:spPr>
+          <a:xfrm>
+            <a:off x="501711" y="1606009"/>
+            <a:ext cx="17284578" cy="618054"/>
+          </a:xfrm>
+          <a:prstGeom prst="rect">
+            <a:avLst/>
+          </a:prstGeom>
+        </p:spPr>
+        <p:txBody>
+          <a:bodyPr wrap="square" lIns="0" tIns="0" rIns="0" bIns="0" rtlCol="0" anchor="t">
+            <a:spAutoFit/>
+          </a:bodyPr>
+          <a:lstStyle/>
+          <a:p>
+            <a:pPr algn="ctr">
+              <a:lnSpc>
+                <a:spcPts val="5600"/>
+              </a:lnSpc>
+            </a:pPr>
+            <a:r>
+              <a:rPr lang="en-US" sz="2400" dirty="0">
+                <a:solidFill>
+                  <a:srgbClr val="000000"/>
+                </a:solidFill>
+                <a:latin typeface="Open Sans Extra Bold"/>
+              </a:rPr>
+              <a:t>I </a:t>
+            </a:r>
+            <a:r>
+              <a:rPr lang="en-US" sz="2400" dirty="0" err="1">
+                <a:solidFill>
+                  <a:srgbClr val="000000"/>
+                </a:solidFill>
+                <a:latin typeface="Open Sans Extra Bold"/>
+              </a:rPr>
+              <a:t>valori</a:t>
+            </a:r>
+            <a:r>
+              <a:rPr lang="en-US" sz="2400" dirty="0">
+                <a:solidFill>
+                  <a:srgbClr val="000000"/>
+                </a:solidFill>
+                <a:latin typeface="Open Sans Extra Bold"/>
+              </a:rPr>
+              <a:t> </a:t>
+            </a:r>
+            <a:r>
+              <a:rPr lang="en-US" sz="2400" dirty="0" err="1">
+                <a:solidFill>
+                  <a:srgbClr val="000000"/>
+                </a:solidFill>
+                <a:latin typeface="Open Sans Extra Bold"/>
+              </a:rPr>
+              <a:t>riportati</a:t>
+            </a:r>
+            <a:r>
+              <a:rPr lang="en-US" sz="2400" dirty="0">
+                <a:solidFill>
+                  <a:srgbClr val="000000"/>
+                </a:solidFill>
+                <a:latin typeface="Open Sans Extra Bold"/>
+              </a:rPr>
+              <a:t> </a:t>
+            </a:r>
+            <a:r>
+              <a:rPr lang="en-US" sz="2400" dirty="0" err="1">
+                <a:solidFill>
+                  <a:srgbClr val="000000"/>
+                </a:solidFill>
+                <a:latin typeface="Open Sans Extra Bold"/>
+              </a:rPr>
+              <a:t>nel</a:t>
+            </a:r>
+            <a:r>
+              <a:rPr lang="en-US" sz="2400" dirty="0">
+                <a:solidFill>
+                  <a:srgbClr val="000000"/>
+                </a:solidFill>
+                <a:latin typeface="Open Sans Extra Bold"/>
+              </a:rPr>
+              <a:t> </a:t>
+            </a:r>
+            <a:r>
+              <a:rPr lang="en-US" sz="2400" dirty="0" err="1">
+                <a:solidFill>
+                  <a:srgbClr val="000000"/>
+                </a:solidFill>
+                <a:latin typeface="Open Sans Extra Bold"/>
+              </a:rPr>
+              <a:t>grafico</a:t>
+            </a:r>
+            <a:r>
+              <a:rPr lang="en-US" sz="2400" dirty="0">
+                <a:solidFill>
+                  <a:srgbClr val="000000"/>
+                </a:solidFill>
+                <a:latin typeface="Open Sans Extra Bold"/>
+              </a:rPr>
+              <a:t> </a:t>
+            </a:r>
+            <a:r>
+              <a:rPr lang="en-US" sz="2400" dirty="0" err="1">
+                <a:solidFill>
+                  <a:srgbClr val="000000"/>
+                </a:solidFill>
+                <a:latin typeface="Open Sans Extra Bold"/>
+              </a:rPr>
+              <a:t>sono</a:t>
+            </a:r>
+            <a:r>
+              <a:rPr lang="en-US" sz="2400" dirty="0">
+                <a:solidFill>
+                  <a:srgbClr val="000000"/>
+                </a:solidFill>
+                <a:latin typeface="Open Sans Extra Bold"/>
+              </a:rPr>
+              <a:t> il </a:t>
+            </a:r>
+            <a:r>
+              <a:rPr lang="en-US" sz="2400" dirty="0" err="1">
+                <a:solidFill>
+                  <a:srgbClr val="000000"/>
+                </a:solidFill>
+                <a:latin typeface="Open Sans Extra Bold"/>
+              </a:rPr>
+              <a:t>risultato</a:t>
+            </a:r>
+            <a:r>
+              <a:rPr lang="en-US" sz="2400" dirty="0">
+                <a:solidFill>
+                  <a:srgbClr val="000000"/>
+                </a:solidFill>
+                <a:latin typeface="Open Sans Extra Bold"/>
+              </a:rPr>
+              <a:t> </a:t>
+            </a:r>
+            <a:r>
+              <a:rPr lang="en-US" sz="2400" dirty="0" err="1">
+                <a:solidFill>
+                  <a:srgbClr val="000000"/>
+                </a:solidFill>
+                <a:latin typeface="Open Sans Extra Bold"/>
+              </a:rPr>
+              <a:t>della</a:t>
+            </a:r>
+            <a:r>
+              <a:rPr lang="en-US" sz="2400" dirty="0">
+                <a:solidFill>
+                  <a:srgbClr val="000000"/>
+                </a:solidFill>
+                <a:latin typeface="Open Sans Extra Bold"/>
+              </a:rPr>
+              <a:t> media </a:t>
+            </a:r>
+            <a:r>
+              <a:rPr lang="en-US" sz="2400" dirty="0" err="1">
+                <a:solidFill>
+                  <a:srgbClr val="000000"/>
+                </a:solidFill>
+                <a:latin typeface="Open Sans Extra Bold"/>
+              </a:rPr>
+              <a:t>dei</a:t>
+            </a:r>
+            <a:r>
+              <a:rPr lang="en-US" sz="2400" dirty="0">
+                <a:solidFill>
+                  <a:srgbClr val="000000"/>
+                </a:solidFill>
+                <a:latin typeface="Open Sans Extra Bold"/>
+              </a:rPr>
+              <a:t> </a:t>
+            </a:r>
+            <a:r>
+              <a:rPr lang="en-US" sz="2400" dirty="0" err="1">
+                <a:solidFill>
+                  <a:srgbClr val="000000"/>
+                </a:solidFill>
+                <a:latin typeface="Open Sans Extra Bold"/>
+              </a:rPr>
+              <a:t>valori</a:t>
+            </a:r>
+            <a:r>
+              <a:rPr lang="en-US" sz="2400" dirty="0">
+                <a:solidFill>
+                  <a:srgbClr val="000000"/>
+                </a:solidFill>
+                <a:latin typeface="Open Sans Extra Bold"/>
+              </a:rPr>
+              <a:t> </a:t>
+            </a:r>
+            <a:r>
+              <a:rPr lang="en-US" sz="2400" dirty="0" err="1">
+                <a:solidFill>
+                  <a:srgbClr val="000000"/>
+                </a:solidFill>
+                <a:latin typeface="Open Sans Extra Bold"/>
+              </a:rPr>
+              <a:t>ottenuti</a:t>
+            </a:r>
+            <a:r>
+              <a:rPr lang="en-US" sz="2400" dirty="0">
+                <a:solidFill>
+                  <a:srgbClr val="000000"/>
+                </a:solidFill>
+                <a:latin typeface="Open Sans Extra Bold"/>
+              </a:rPr>
+              <a:t> </a:t>
+            </a:r>
+            <a:r>
+              <a:rPr lang="en-US" sz="2400" dirty="0" err="1">
+                <a:solidFill>
+                  <a:srgbClr val="000000"/>
+                </a:solidFill>
+                <a:latin typeface="Open Sans Extra Bold"/>
+              </a:rPr>
+              <a:t>durante</a:t>
+            </a:r>
+            <a:r>
+              <a:rPr lang="en-US" sz="2400" dirty="0">
+                <a:solidFill>
+                  <a:srgbClr val="000000"/>
+                </a:solidFill>
+                <a:latin typeface="Open Sans Extra Bold"/>
+              </a:rPr>
+              <a:t> 20 </a:t>
+            </a:r>
+            <a:r>
+              <a:rPr lang="en-US" sz="2400" dirty="0" err="1">
+                <a:solidFill>
+                  <a:srgbClr val="000000"/>
+                </a:solidFill>
+                <a:latin typeface="Open Sans Extra Bold"/>
+              </a:rPr>
+              <a:t>esecuzioni</a:t>
+            </a:r>
+            <a:r>
+              <a:rPr lang="en-US" sz="2400" dirty="0">
+                <a:solidFill>
+                  <a:srgbClr val="000000"/>
+                </a:solidFill>
+                <a:latin typeface="Open Sans Extra Bold"/>
+              </a:rPr>
+              <a:t>.</a:t>
+            </a:r>
+          </a:p>
+        </p:txBody>
+      </p:sp>
+      <p:sp>
+        <p:nvSpPr>
+          <p:cNvPr id="29" name="TextBox 8">
+            <a:extLst>
+              <a:ext uri="{FF2B5EF4-FFF2-40B4-BE49-F238E27FC236}">
+                <a16:creationId xmlns:a16="http://schemas.microsoft.com/office/drawing/2014/main" id="{6664802B-16AA-4661-A500-6D150D6733DC}"/>
+              </a:ext>
+            </a:extLst>
+          </p:cNvPr>
+          <p:cNvSpPr txBox="1"/>
+          <p:nvPr/>
+        </p:nvSpPr>
+        <p:spPr>
+          <a:xfrm>
+            <a:off x="551138" y="8600666"/>
+            <a:ext cx="17284578" cy="616066"/>
+          </a:xfrm>
+          <a:prstGeom prst="rect">
+            <a:avLst/>
+          </a:prstGeom>
+        </p:spPr>
+        <p:txBody>
+          <a:bodyPr wrap="square" lIns="0" tIns="0" rIns="0" bIns="0" rtlCol="0" anchor="t">
+            <a:spAutoFit/>
+          </a:bodyPr>
+          <a:lstStyle/>
+          <a:p>
+            <a:pPr algn="ctr">
+              <a:lnSpc>
+                <a:spcPts val="5600"/>
+              </a:lnSpc>
+            </a:pPr>
+            <a:r>
+              <a:rPr lang="en-US" sz="2400" dirty="0" err="1">
+                <a:solidFill>
+                  <a:srgbClr val="000000"/>
+                </a:solidFill>
+                <a:latin typeface="Open Sans Extra Bold"/>
+              </a:rPr>
+              <a:t>Caratteristiche</a:t>
+            </a:r>
+            <a:r>
+              <a:rPr lang="en-US" sz="2400" dirty="0">
+                <a:solidFill>
+                  <a:srgbClr val="000000"/>
+                </a:solidFill>
+                <a:latin typeface="Open Sans Extra Bold"/>
+              </a:rPr>
+              <a:t> </a:t>
+            </a:r>
+            <a:r>
+              <a:rPr lang="en-US" sz="2400" dirty="0" err="1">
+                <a:solidFill>
+                  <a:srgbClr val="000000"/>
+                </a:solidFill>
+                <a:latin typeface="Open Sans Extra Bold"/>
+              </a:rPr>
+              <a:t>elaboratore</a:t>
+            </a:r>
+            <a:r>
+              <a:rPr lang="en-US" sz="2400" dirty="0">
+                <a:solidFill>
+                  <a:srgbClr val="000000"/>
+                </a:solidFill>
+                <a:latin typeface="Open Sans Extra Bold"/>
+              </a:rPr>
+              <a:t>: </a:t>
+            </a:r>
+            <a:r>
+              <a:rPr lang="it-IT" sz="2400" dirty="0">
+                <a:solidFill>
+                  <a:srgbClr val="000000"/>
+                </a:solidFill>
+                <a:latin typeface="Open Sans Extra Bold"/>
+              </a:rPr>
+              <a:t>CPU </a:t>
+            </a:r>
+            <a:r>
+              <a:rPr lang="it-IT" sz="2400" dirty="0" err="1">
+                <a:solidFill>
+                  <a:srgbClr val="000000"/>
+                </a:solidFill>
+                <a:latin typeface="Open Sans Extra Bold"/>
+              </a:rPr>
+              <a:t>Ryzen</a:t>
+            </a:r>
+            <a:r>
+              <a:rPr lang="it-IT" sz="2400" dirty="0">
+                <a:solidFill>
+                  <a:srgbClr val="000000"/>
+                </a:solidFill>
+                <a:latin typeface="Open Sans Extra Bold"/>
+              </a:rPr>
+              <a:t> 7 5800X | RAM 16gb ddr4 3600mhz</a:t>
+            </a:r>
+          </a:p>
+        </p:txBody>
+      </p:sp>
+    </p:spTree>
+    <p:extLst>
+      <p:ext uri="{BB962C8B-B14F-4D97-AF65-F5344CB8AC3E}">
+        <p14:creationId xmlns:p14="http://schemas.microsoft.com/office/powerpoint/2010/main" val="2348509409"/>
+      </p:ext>
+    </p:extLst>
+  </p:cSld>
+  <p:clrMapOvr>
+    <a:masterClrMapping/>
+  </p:clrMapOvr>
+</p:sld>
+</file>
+
+<file path=ppt/slides/slide8.xml><?xml version="1.0" encoding="utf-8"?>
+<p:sld xmlns:a="http://schemas.openxmlformats.org/drawingml/2006/main" xmlns:r="http://schemas.openxmlformats.org/officeDocument/2006/relationships" xmlns:p="http://schemas.openxmlformats.org/presentationml/2006/main">
+  <p:cSld>
+    <p:spTree>
+      <p:nvGrpSpPr>
+        <p:cNvPr id="1" name=""/>
+        <p:cNvGrpSpPr/>
+        <p:nvPr/>
+      </p:nvGrpSpPr>
+      <p:grpSpPr>
+        <a:xfrm>
+          <a:off x="0" y="0"/>
+          <a:ext cx="0" cy="0"/>
+          <a:chOff x="0" y="0"/>
+          <a:chExt cx="0" cy="0"/>
+        </a:xfrm>
+      </p:grpSpPr>
+      <p:grpSp>
+        <p:nvGrpSpPr>
+          <p:cNvPr id="2" name="Group 2"/>
+          <p:cNvGrpSpPr/>
+          <p:nvPr/>
+        </p:nvGrpSpPr>
+        <p:grpSpPr>
+          <a:xfrm>
+            <a:off x="0" y="0"/>
+            <a:ext cx="18288000" cy="10287000"/>
+            <a:chOff x="0" y="0"/>
+            <a:chExt cx="2199731" cy="3479800"/>
+          </a:xfrm>
+        </p:grpSpPr>
+        <p:sp>
+          <p:nvSpPr>
+            <p:cNvPr id="3" name="Freeform 3"/>
+            <p:cNvSpPr/>
+            <p:nvPr/>
+          </p:nvSpPr>
+          <p:spPr>
+            <a:xfrm>
+              <a:off x="0" y="0"/>
+              <a:ext cx="2199731" cy="3479800"/>
+            </a:xfrm>
+            <a:custGeom>
+              <a:avLst/>
+              <a:gdLst/>
+              <a:ahLst/>
+              <a:cxnLst/>
+              <a:rect l="l" t="t" r="r" b="b"/>
+              <a:pathLst>
+                <a:path w="2199731" h="3479800">
+                  <a:moveTo>
+                    <a:pt x="0" y="0"/>
+                  </a:moveTo>
+                  <a:lnTo>
+                    <a:pt x="2199731" y="0"/>
+                  </a:lnTo>
+                  <a:lnTo>
+                    <a:pt x="2199731" y="3479800"/>
+                  </a:lnTo>
+                  <a:lnTo>
+                    <a:pt x="0" y="3479800"/>
+                  </a:lnTo>
+                  <a:close/>
+                </a:path>
+              </a:pathLst>
+            </a:custGeom>
+            <a:solidFill>
+              <a:srgbClr val="004AAD"/>
+            </a:solidFill>
+          </p:spPr>
+        </p:sp>
+      </p:grpSp>
+      <p:grpSp>
+        <p:nvGrpSpPr>
+          <p:cNvPr id="9" name="Group 9"/>
+          <p:cNvGrpSpPr/>
+          <p:nvPr/>
+        </p:nvGrpSpPr>
+        <p:grpSpPr>
+          <a:xfrm>
+            <a:off x="16658290" y="8740635"/>
+            <a:ext cx="1289957" cy="1289957"/>
+            <a:chOff x="0" y="0"/>
+            <a:chExt cx="1719943" cy="1719943"/>
+          </a:xfrm>
+          <a:solidFill>
+            <a:srgbClr val="FF914D"/>
+          </a:solidFill>
+        </p:grpSpPr>
+        <p:grpSp>
+          <p:nvGrpSpPr>
+            <p:cNvPr id="10" name="Group 10"/>
+            <p:cNvGrpSpPr/>
+            <p:nvPr/>
+          </p:nvGrpSpPr>
+          <p:grpSpPr>
+            <a:xfrm>
+              <a:off x="0" y="0"/>
+              <a:ext cx="1719943" cy="1719943"/>
+              <a:chOff x="0" y="0"/>
+              <a:chExt cx="6350000" cy="6350000"/>
+            </a:xfrm>
+            <a:grpFill/>
+          </p:grpSpPr>
+          <p:sp>
+            <p:nvSpPr>
+              <p:cNvPr id="11" name="Freeform 11"/>
+              <p:cNvSpPr/>
+              <p:nvPr/>
+            </p:nvSpPr>
+            <p:spPr>
+              <a:xfrm>
+                <a:off x="14167" y="0"/>
+                <a:ext cx="6321665" cy="6350000"/>
+              </a:xfrm>
+              <a:custGeom>
+                <a:avLst/>
+                <a:gdLst/>
+                <a:ahLst/>
+                <a:cxnLst/>
+                <a:rect l="l" t="t" r="r" b="b"/>
+                <a:pathLst>
+                  <a:path w="6321665" h="6350000">
+                    <a:moveTo>
+                      <a:pt x="3160833" y="0"/>
+                    </a:moveTo>
+                    <a:lnTo>
+                      <a:pt x="3160833" y="0"/>
+                    </a:lnTo>
+                    <a:cubicBezTo>
+                      <a:pt x="4908795" y="7817"/>
+                      <a:pt x="6321666" y="1427021"/>
+                      <a:pt x="6321666" y="3175000"/>
+                    </a:cubicBezTo>
+                    <a:cubicBezTo>
+                      <a:pt x="6321666" y="4922979"/>
+                      <a:pt x="4908795" y="6342183"/>
+                      <a:pt x="3160833" y="6350000"/>
+                    </a:cubicBezTo>
+                    <a:cubicBezTo>
+                      <a:pt x="1412871" y="6342183"/>
+                      <a:pt x="0" y="4922979"/>
+                      <a:pt x="0" y="3175000"/>
+                    </a:cubicBezTo>
+                    <a:cubicBezTo>
+                      <a:pt x="0" y="1427021"/>
+                      <a:pt x="1412871" y="7817"/>
+                      <a:pt x="3160833" y="0"/>
+                    </a:cubicBezTo>
+                    <a:close/>
+                  </a:path>
+                </a:pathLst>
+              </a:custGeom>
+              <a:grpFill/>
+            </p:spPr>
+          </p:sp>
+        </p:grpSp>
+        <p:sp>
+          <p:nvSpPr>
+            <p:cNvPr id="12" name="TextBox 12"/>
+            <p:cNvSpPr txBox="1"/>
+            <p:nvPr/>
+          </p:nvSpPr>
+          <p:spPr>
+            <a:xfrm>
+              <a:off x="696856" y="450820"/>
+              <a:ext cx="326231" cy="751628"/>
+            </a:xfrm>
+            <a:prstGeom prst="rect">
+              <a:avLst/>
+            </a:prstGeom>
+            <a:grpFill/>
+          </p:spPr>
+          <p:txBody>
+            <a:bodyPr lIns="0" tIns="0" rIns="0" bIns="0" rtlCol="0" anchor="t">
+              <a:spAutoFit/>
+            </a:bodyPr>
+            <a:lstStyle/>
+            <a:p>
+              <a:pPr algn="ctr">
+                <a:lnSpc>
+                  <a:spcPts val="4759"/>
+                </a:lnSpc>
+              </a:pPr>
+              <a:r>
+                <a:rPr lang="en-US" sz="3399">
+                  <a:solidFill>
+                    <a:srgbClr val="FFFFFF"/>
+                  </a:solidFill>
+                  <a:latin typeface="Open Sans Light Bold"/>
+                </a:rPr>
+                <a:t>8</a:t>
+              </a:r>
+            </a:p>
+          </p:txBody>
+        </p:sp>
+      </p:grpSp>
+      <p:pic>
+        <p:nvPicPr>
+          <p:cNvPr id="13" name="Immagine 12">
+            <a:extLst>
+              <a:ext uri="{FF2B5EF4-FFF2-40B4-BE49-F238E27FC236}">
+                <a16:creationId xmlns:a16="http://schemas.microsoft.com/office/drawing/2014/main" id="{8D48EA23-9072-47A8-AF2E-06D19629B1DE}"/>
+              </a:ext>
+            </a:extLst>
+          </p:cNvPr>
+          <p:cNvPicPr>
+            <a:picLocks noChangeAspect="1"/>
+          </p:cNvPicPr>
+          <p:nvPr/>
+        </p:nvPicPr>
+        <p:blipFill>
+          <a:blip r:embed="rId2" cstate="print">
+            <a:extLst>
+              <a:ext uri="{28A0092B-C50C-407E-A947-70E740481C1C}">
+                <a14:useLocalDpi xmlns:a14="http://schemas.microsoft.com/office/drawing/2010/main" val="0"/>
+              </a:ext>
+            </a:extLst>
+          </a:blip>
+          <a:stretch>
+            <a:fillRect/>
+          </a:stretch>
+        </p:blipFill>
+        <p:spPr>
+          <a:xfrm>
+            <a:off x="3200400" y="3467100"/>
+            <a:ext cx="12278017" cy="5422722"/>
+          </a:xfrm>
+          <a:prstGeom prst="rect">
+            <a:avLst/>
+          </a:prstGeom>
+        </p:spPr>
+      </p:pic>
+      <p:sp>
+        <p:nvSpPr>
+          <p:cNvPr id="14" name="TextBox 14">
+            <a:extLst>
+              <a:ext uri="{FF2B5EF4-FFF2-40B4-BE49-F238E27FC236}">
+                <a16:creationId xmlns:a16="http://schemas.microsoft.com/office/drawing/2014/main" id="{6FA4F431-DAA4-4A8D-B235-8F221F01F4F0}"/>
+              </a:ext>
+            </a:extLst>
+          </p:cNvPr>
+          <p:cNvSpPr txBox="1"/>
+          <p:nvPr/>
+        </p:nvSpPr>
+        <p:spPr>
+          <a:xfrm>
+            <a:off x="501711" y="362972"/>
+            <a:ext cx="12191468" cy="909736"/>
+          </a:xfrm>
+          <a:prstGeom prst="rect">
+            <a:avLst/>
+          </a:prstGeom>
+        </p:spPr>
+        <p:txBody>
+          <a:bodyPr wrap="square" lIns="0" tIns="0" rIns="0" bIns="0" rtlCol="0" anchor="t">
+            <a:spAutoFit/>
+          </a:bodyPr>
+          <a:lstStyle/>
+          <a:p>
+            <a:pPr>
+              <a:lnSpc>
+                <a:spcPts val="7559"/>
+              </a:lnSpc>
+            </a:pPr>
+            <a:r>
+              <a:rPr lang="en-US" sz="5400" dirty="0">
+                <a:solidFill>
+                  <a:schemeClr val="bg1"/>
+                </a:solidFill>
+                <a:latin typeface="Open Sans Extra Bold"/>
+              </a:rPr>
+              <a:t>Benchmark – </a:t>
+            </a:r>
+            <a:r>
+              <a:rPr lang="en-US" sz="5400" dirty="0" err="1">
+                <a:solidFill>
+                  <a:schemeClr val="bg1"/>
+                </a:solidFill>
+                <a:latin typeface="Open Sans Extra Bold"/>
+              </a:rPr>
+              <a:t>elimina_riga</a:t>
+            </a:r>
+            <a:endParaRPr lang="en-US" sz="5400" dirty="0">
+              <a:solidFill>
+                <a:schemeClr val="bg1"/>
+              </a:solidFill>
+              <a:latin typeface="Open Sans Extra Bold"/>
+            </a:endParaRPr>
+          </a:p>
+        </p:txBody>
+      </p:sp>
+      <p:sp>
+        <p:nvSpPr>
+          <p:cNvPr id="16" name="TextBox 8">
+            <a:extLst>
+              <a:ext uri="{FF2B5EF4-FFF2-40B4-BE49-F238E27FC236}">
+                <a16:creationId xmlns:a16="http://schemas.microsoft.com/office/drawing/2014/main" id="{A395B70E-15CC-420D-A038-BCA05C9265B7}"/>
+              </a:ext>
+            </a:extLst>
+          </p:cNvPr>
+          <p:cNvSpPr txBox="1"/>
+          <p:nvPr/>
+        </p:nvSpPr>
+        <p:spPr>
+          <a:xfrm>
+            <a:off x="2046463" y="1485900"/>
+            <a:ext cx="14585889" cy="1336200"/>
+          </a:xfrm>
+          <a:prstGeom prst="rect">
+            <a:avLst/>
+          </a:prstGeom>
+        </p:spPr>
+        <p:txBody>
+          <a:bodyPr wrap="square" lIns="0" tIns="0" rIns="0" bIns="0" rtlCol="0" anchor="t">
+            <a:spAutoFit/>
+          </a:bodyPr>
+          <a:lstStyle/>
+          <a:p>
+            <a:pPr algn="ctr">
+              <a:lnSpc>
+                <a:spcPts val="5600"/>
+              </a:lnSpc>
+            </a:pPr>
+            <a:r>
+              <a:rPr lang="en-US" sz="2400" dirty="0">
+                <a:solidFill>
+                  <a:schemeClr val="bg1"/>
+                </a:solidFill>
+                <a:latin typeface="Open Sans Extra Bold"/>
+              </a:rPr>
+              <a:t>La </a:t>
+            </a:r>
+            <a:r>
+              <a:rPr lang="en-US" sz="2400" dirty="0" err="1">
+                <a:solidFill>
+                  <a:schemeClr val="bg1"/>
+                </a:solidFill>
+                <a:latin typeface="Open Sans Extra Bold"/>
+              </a:rPr>
+              <a:t>linea</a:t>
+            </a:r>
+            <a:r>
+              <a:rPr lang="en-US" sz="2400" dirty="0">
+                <a:solidFill>
+                  <a:schemeClr val="bg1"/>
+                </a:solidFill>
+                <a:latin typeface="Open Sans Extra Bold"/>
+              </a:rPr>
+              <a:t> </a:t>
+            </a:r>
+            <a:r>
+              <a:rPr lang="en-US" sz="2400" dirty="0" err="1">
+                <a:solidFill>
+                  <a:schemeClr val="bg1"/>
+                </a:solidFill>
+                <a:latin typeface="Open Sans Extra Bold"/>
+              </a:rPr>
+              <a:t>arancione</a:t>
+            </a:r>
+            <a:r>
+              <a:rPr lang="en-US" sz="2400" dirty="0">
+                <a:solidFill>
+                  <a:schemeClr val="bg1"/>
+                </a:solidFill>
+                <a:latin typeface="Open Sans Extra Bold"/>
+              </a:rPr>
+              <a:t> </a:t>
+            </a:r>
+            <a:r>
+              <a:rPr lang="en-US" sz="2400" dirty="0" err="1">
+                <a:solidFill>
+                  <a:schemeClr val="bg1"/>
+                </a:solidFill>
+                <a:latin typeface="Open Sans Extra Bold"/>
+              </a:rPr>
+              <a:t>rappresenta</a:t>
+            </a:r>
+            <a:r>
+              <a:rPr lang="en-US" sz="2400" dirty="0">
+                <a:solidFill>
+                  <a:schemeClr val="bg1"/>
+                </a:solidFill>
+                <a:latin typeface="Open Sans Extra Bold"/>
+              </a:rPr>
+              <a:t> la media </a:t>
+            </a:r>
+            <a:r>
+              <a:rPr lang="en-US" sz="2400" dirty="0" err="1">
+                <a:solidFill>
+                  <a:schemeClr val="bg1"/>
+                </a:solidFill>
+                <a:latin typeface="Open Sans Extra Bold"/>
+              </a:rPr>
+              <a:t>dei</a:t>
+            </a:r>
+            <a:r>
+              <a:rPr lang="en-US" sz="2400" dirty="0">
+                <a:solidFill>
+                  <a:schemeClr val="bg1"/>
+                </a:solidFill>
+                <a:latin typeface="Open Sans Extra Bold"/>
+              </a:rPr>
+              <a:t> </a:t>
+            </a:r>
+            <a:r>
+              <a:rPr lang="en-US" sz="2400" dirty="0" err="1">
+                <a:solidFill>
+                  <a:schemeClr val="bg1"/>
+                </a:solidFill>
+                <a:latin typeface="Open Sans Extra Bold"/>
+              </a:rPr>
+              <a:t>valori</a:t>
+            </a:r>
+            <a:r>
+              <a:rPr lang="en-US" sz="2400" dirty="0">
+                <a:solidFill>
+                  <a:schemeClr val="bg1"/>
+                </a:solidFill>
+                <a:latin typeface="Open Sans Extra Bold"/>
+              </a:rPr>
+              <a:t> </a:t>
+            </a:r>
+            <a:r>
+              <a:rPr lang="en-US" sz="2400" dirty="0" err="1">
+                <a:solidFill>
+                  <a:schemeClr val="bg1"/>
+                </a:solidFill>
+                <a:latin typeface="Open Sans Extra Bold"/>
+              </a:rPr>
+              <a:t>ottenuti</a:t>
+            </a:r>
+            <a:r>
+              <a:rPr lang="en-US" sz="2400" dirty="0">
+                <a:solidFill>
+                  <a:schemeClr val="bg1"/>
+                </a:solidFill>
+                <a:latin typeface="Open Sans Extra Bold"/>
+              </a:rPr>
+              <a:t> </a:t>
+            </a:r>
+            <a:r>
+              <a:rPr lang="en-US" sz="2400" dirty="0" err="1">
+                <a:solidFill>
+                  <a:schemeClr val="bg1"/>
+                </a:solidFill>
+                <a:latin typeface="Open Sans Extra Bold"/>
+              </a:rPr>
+              <a:t>durante</a:t>
+            </a:r>
+            <a:r>
+              <a:rPr lang="en-US" sz="2400" dirty="0">
+                <a:solidFill>
+                  <a:schemeClr val="bg1"/>
+                </a:solidFill>
+                <a:latin typeface="Open Sans Extra Bold"/>
+              </a:rPr>
+              <a:t> 40 </a:t>
+            </a:r>
+            <a:r>
+              <a:rPr lang="en-US" sz="2400" dirty="0" err="1">
+                <a:solidFill>
+                  <a:schemeClr val="bg1"/>
+                </a:solidFill>
+                <a:latin typeface="Open Sans Extra Bold"/>
+              </a:rPr>
+              <a:t>esecuzioni</a:t>
+            </a:r>
+            <a:r>
+              <a:rPr lang="en-US" sz="2400" dirty="0">
+                <a:solidFill>
+                  <a:schemeClr val="bg1"/>
+                </a:solidFill>
+                <a:latin typeface="Open Sans Extra Bold"/>
+              </a:rPr>
+              <a:t>, </a:t>
+            </a:r>
+            <a:r>
+              <a:rPr lang="en-US" sz="2400" dirty="0" err="1">
+                <a:solidFill>
+                  <a:schemeClr val="bg1"/>
+                </a:solidFill>
+                <a:latin typeface="Open Sans Extra Bold"/>
+              </a:rPr>
+              <a:t>effettuate</a:t>
+            </a:r>
+            <a:r>
+              <a:rPr lang="en-US" sz="2400" dirty="0">
+                <a:solidFill>
+                  <a:schemeClr val="bg1"/>
+                </a:solidFill>
+                <a:latin typeface="Open Sans Extra Bold"/>
+              </a:rPr>
+              <a:t> </a:t>
+            </a:r>
+            <a:r>
+              <a:rPr lang="en-US" sz="2400" dirty="0" err="1">
+                <a:solidFill>
+                  <a:schemeClr val="bg1"/>
+                </a:solidFill>
+                <a:latin typeface="Open Sans Extra Bold"/>
+              </a:rPr>
+              <a:t>su</a:t>
+            </a:r>
+            <a:r>
+              <a:rPr lang="en-US" sz="2400" dirty="0">
+                <a:solidFill>
+                  <a:schemeClr val="bg1"/>
+                </a:solidFill>
+                <a:latin typeface="Open Sans Extra Bold"/>
+              </a:rPr>
+              <a:t> lo </a:t>
+            </a:r>
+            <a:r>
+              <a:rPr lang="en-US" sz="2400" dirty="0" err="1">
+                <a:solidFill>
+                  <a:schemeClr val="bg1"/>
+                </a:solidFill>
+                <a:latin typeface="Open Sans Extra Bold"/>
+              </a:rPr>
+              <a:t>stesso</a:t>
+            </a:r>
+            <a:r>
+              <a:rPr lang="en-US" sz="2400" dirty="0">
+                <a:solidFill>
+                  <a:schemeClr val="bg1"/>
+                </a:solidFill>
+                <a:latin typeface="Open Sans Extra Bold"/>
+              </a:rPr>
+              <a:t> file di </a:t>
+            </a:r>
+            <a:r>
+              <a:rPr lang="en-US" sz="2400" dirty="0" err="1">
+                <a:solidFill>
+                  <a:schemeClr val="bg1"/>
+                </a:solidFill>
+                <a:latin typeface="Open Sans Extra Bold"/>
+              </a:rPr>
+              <a:t>dimensione</a:t>
+            </a:r>
+            <a:r>
+              <a:rPr lang="en-US" sz="2400" dirty="0">
+                <a:solidFill>
+                  <a:schemeClr val="bg1"/>
+                </a:solidFill>
+                <a:latin typeface="Open Sans Extra Bold"/>
+              </a:rPr>
+              <a:t> </a:t>
+            </a:r>
+            <a:r>
+              <a:rPr lang="en-US" sz="2400" dirty="0" err="1">
+                <a:solidFill>
+                  <a:schemeClr val="bg1"/>
+                </a:solidFill>
+                <a:latin typeface="Open Sans Extra Bold"/>
+              </a:rPr>
+              <a:t>fissa</a:t>
+            </a:r>
+            <a:r>
+              <a:rPr lang="en-US" sz="2400" dirty="0">
+                <a:solidFill>
+                  <a:schemeClr val="bg1"/>
+                </a:solidFill>
+                <a:latin typeface="Open Sans Extra Bold"/>
+              </a:rPr>
+              <a:t> 3136 KB.</a:t>
+            </a:r>
+          </a:p>
+        </p:txBody>
+      </p:sp>
+      <p:sp>
+        <p:nvSpPr>
+          <p:cNvPr id="17" name="TextBox 8">
+            <a:extLst>
+              <a:ext uri="{FF2B5EF4-FFF2-40B4-BE49-F238E27FC236}">
+                <a16:creationId xmlns:a16="http://schemas.microsoft.com/office/drawing/2014/main" id="{D5389795-F800-4935-AF47-D127AC0F22E4}"/>
+              </a:ext>
+            </a:extLst>
+          </p:cNvPr>
+          <p:cNvSpPr txBox="1"/>
+          <p:nvPr/>
+        </p:nvSpPr>
+        <p:spPr>
+          <a:xfrm>
+            <a:off x="501711" y="9026405"/>
+            <a:ext cx="17284578" cy="616066"/>
+          </a:xfrm>
+          <a:prstGeom prst="rect">
+            <a:avLst/>
+          </a:prstGeom>
+        </p:spPr>
+        <p:txBody>
+          <a:bodyPr wrap="square" lIns="0" tIns="0" rIns="0" bIns="0" rtlCol="0" anchor="t">
+            <a:spAutoFit/>
+          </a:bodyPr>
+          <a:lstStyle/>
+          <a:p>
+            <a:pPr algn="ctr">
+              <a:lnSpc>
+                <a:spcPts val="5600"/>
+              </a:lnSpc>
+            </a:pPr>
+            <a:r>
+              <a:rPr lang="en-US" sz="2400" dirty="0" err="1">
+                <a:solidFill>
+                  <a:schemeClr val="bg1"/>
+                </a:solidFill>
+                <a:latin typeface="Open Sans Extra Bold"/>
+              </a:rPr>
+              <a:t>Caratteristiche</a:t>
+            </a:r>
+            <a:r>
+              <a:rPr lang="en-US" sz="2400" dirty="0">
+                <a:solidFill>
+                  <a:schemeClr val="bg1"/>
+                </a:solidFill>
+                <a:latin typeface="Open Sans Extra Bold"/>
+              </a:rPr>
+              <a:t> </a:t>
+            </a:r>
+            <a:r>
+              <a:rPr lang="en-US" sz="2400" dirty="0" err="1">
+                <a:solidFill>
+                  <a:schemeClr val="bg1"/>
+                </a:solidFill>
+                <a:latin typeface="Open Sans Extra Bold"/>
+              </a:rPr>
+              <a:t>elaboratore</a:t>
+            </a:r>
+            <a:r>
+              <a:rPr lang="en-US" sz="2400" dirty="0">
+                <a:solidFill>
+                  <a:schemeClr val="bg1"/>
+                </a:solidFill>
+                <a:latin typeface="Open Sans Extra Bold"/>
+              </a:rPr>
+              <a:t>: </a:t>
+            </a:r>
+            <a:r>
+              <a:rPr lang="it-IT" sz="2400" dirty="0">
+                <a:solidFill>
+                  <a:schemeClr val="bg1"/>
+                </a:solidFill>
+                <a:latin typeface="Open Sans Extra Bold"/>
+              </a:rPr>
+              <a:t>CPU </a:t>
+            </a:r>
+            <a:r>
+              <a:rPr lang="it-IT" sz="2400" dirty="0" err="1">
+                <a:solidFill>
+                  <a:schemeClr val="bg1"/>
+                </a:solidFill>
+                <a:latin typeface="Open Sans Extra Bold"/>
+              </a:rPr>
+              <a:t>Ryzen</a:t>
+            </a:r>
+            <a:r>
+              <a:rPr lang="it-IT" sz="2400" dirty="0">
+                <a:solidFill>
+                  <a:schemeClr val="bg1"/>
+                </a:solidFill>
+                <a:latin typeface="Open Sans Extra Bold"/>
+              </a:rPr>
+              <a:t> 7 5800X | RAM 16gb ddr4 3600mhz</a:t>
+            </a:r>
+          </a:p>
+        </p:txBody>
+      </p:sp>
+    </p:spTree>
+    <p:extLst>
+      <p:ext uri="{BB962C8B-B14F-4D97-AF65-F5344CB8AC3E}">
+        <p14:creationId xmlns:p14="http://schemas.microsoft.com/office/powerpoint/2010/main" val="1930754640"/>
+      </p:ext>
+    </p:extLst>
+  </p:cSld>
+  <p:clrMapOvr>
+    <a:masterClrMapping/>
+  </p:clrMapOvr>
+</p:sld>
+</file>
+
+<file path=ppt/slides/slide9.xml><?xml version="1.0" encoding="utf-8"?>
+<p:sld xmlns:a="http://schemas.openxmlformats.org/drawingml/2006/main" xmlns:r="http://schemas.openxmlformats.org/officeDocument/2006/relationships" xmlns:p="http://schemas.openxmlformats.org/presentationml/2006/main">
+  <p:cSld>
+    <p:bg>
+      <p:bgPr>
+        <a:solidFill>
+          <a:srgbClr val="FF914D"/>
+        </a:solidFill>
+        <a:effectLst/>
+      </p:bgPr>
+    </p:bg>
+    <p:spTree>
+      <p:nvGrpSpPr>
+        <p:cNvPr id="1" name=""/>
+        <p:cNvGrpSpPr/>
+        <p:nvPr/>
+      </p:nvGrpSpPr>
+      <p:grpSpPr>
+        <a:xfrm>
+          <a:off x="0" y="0"/>
+          <a:ext cx="0" cy="0"/>
+          <a:chOff x="0" y="0"/>
+          <a:chExt cx="0" cy="0"/>
+        </a:xfrm>
+      </p:grpSpPr>
+      <p:grpSp>
+        <p:nvGrpSpPr>
           <p:cNvPr id="2" name="Group 2"/>
           <p:cNvGrpSpPr/>
           <p:nvPr/>
@@ -8869,15 +10581,15 @@
           </p:nvSpPr>
           <p:spPr>
             <a:xfrm>
-              <a:off x="696856" y="450820"/>
-              <a:ext cx="326231" cy="751628"/>
+              <a:off x="420375" y="477173"/>
+              <a:ext cx="879191" cy="765595"/>
             </a:xfrm>
             <a:prstGeom prst="rect">
               <a:avLst/>
             </a:prstGeom>
           </p:spPr>
           <p:txBody>
-            <a:bodyPr lIns="0" tIns="0" rIns="0" bIns="0" rtlCol="0" anchor="t">
+            <a:bodyPr wrap="square" lIns="0" tIns="0" rIns="0" bIns="0" rtlCol="0" anchor="t">
               <a:spAutoFit/>
             </a:bodyPr>
             <a:lstStyle/>
@@ -8888,13 +10600,13 @@
                 </a:lnSpc>
               </a:pPr>
               <a:r>
-                <a:rPr lang="en-US" sz="3399">
+                <a:rPr lang="en-US" sz="3399" dirty="0">
                   <a:solidFill>
                     <a:srgbClr val="FFFFFF"/>
                   </a:solidFill>
                   <a:latin typeface="Open Sans Light Bold"/>
                 </a:rPr>
-                <a:t>7</a:t>
+                <a:t>9</a:t>
               </a:r>
             </a:p>
           </p:txBody>
@@ -9097,7 +10809,45 @@
         <p:spPr>
           <a:xfrm>
             <a:off x="533932" y="1884589"/>
-            <a:ext cx="2144018" cy="877570"/>
+            <a:ext cx="2595068" cy="874214"/>
+          </a:xfrm>
+          <a:prstGeom prst="rect">
+            <a:avLst/>
+          </a:prstGeom>
+        </p:spPr>
+        <p:txBody>
+          <a:bodyPr wrap="square" lIns="0" tIns="0" rIns="0" bIns="0" rtlCol="0" anchor="t">
+            <a:spAutoFit/>
+          </a:bodyPr>
+          <a:lstStyle/>
+          <a:p>
+            <a:pPr>
+              <a:lnSpc>
+                <a:spcPts val="7279"/>
+              </a:lnSpc>
+            </a:pPr>
+            <a:r>
+              <a:rPr lang="en-US" sz="5199" dirty="0">
+                <a:solidFill>
+                  <a:srgbClr val="000000"/>
+                </a:solidFill>
+                <a:latin typeface="Open Sans"/>
+              </a:rPr>
+              <a:t>Coding</a:t>
+            </a:r>
+          </a:p>
+        </p:txBody>
+      </p:sp>
+      <p:sp>
+        <p:nvSpPr>
+          <p:cNvPr id="16" name="TextBox 16"/>
+          <p:cNvSpPr txBox="1"/>
+          <p:nvPr/>
+        </p:nvSpPr>
+        <p:spPr>
+          <a:xfrm>
+            <a:off x="9286875" y="1884589"/>
+            <a:ext cx="1709291" cy="877570"/>
           </a:xfrm>
           <a:prstGeom prst="rect">
             <a:avLst/>
@@ -9117,497 +10867,15 @@
             <a:r>
               <a:rPr lang="en-US" sz="5199">
                 <a:solidFill>
-                  <a:srgbClr val="000000"/>
+                  <a:srgbClr val="FFFFFF"/>
                 </a:solidFill>
                 <a:latin typeface="Open Sans"/>
               </a:rPr>
-              <a:t>Coding</a:t>
+              <a:t>Team</a:t>
             </a:r>
           </a:p>
         </p:txBody>
       </p:sp>
-      <p:sp>
-        <p:nvSpPr>
-          <p:cNvPr id="16" name="TextBox 16"/>
-          <p:cNvSpPr txBox="1"/>
-          <p:nvPr/>
-        </p:nvSpPr>
-        <p:spPr>
-          <a:xfrm>
-            <a:off x="9286875" y="1884589"/>
-            <a:ext cx="1709291" cy="877570"/>
-          </a:xfrm>
-          <a:prstGeom prst="rect">
-            <a:avLst/>
-          </a:prstGeom>
-        </p:spPr>
-        <p:txBody>
-          <a:bodyPr lIns="0" tIns="0" rIns="0" bIns="0" rtlCol="0" anchor="t">
-            <a:spAutoFit/>
-          </a:bodyPr>
-          <a:lstStyle/>
-          <a:p>
-            <a:pPr>
-              <a:lnSpc>
-                <a:spcPts val="7279"/>
-              </a:lnSpc>
-            </a:pPr>
-            <a:r>
-              <a:rPr lang="en-US" sz="5199">
-                <a:solidFill>
-                  <a:srgbClr val="FFFFFF"/>
-                </a:solidFill>
-                <a:latin typeface="Open Sans"/>
-              </a:rPr>
-              <a:t>Team</a:t>
-            </a:r>
-          </a:p>
-        </p:txBody>
-      </p:sp>
-    </p:spTree>
-  </p:cSld>
-  <p:clrMapOvr>
-    <a:masterClrMapping/>
-  </p:clrMapOvr>
-</p:sld>
-</file>
-
-<file path=ppt/slides/slide8.xml><?xml version="1.0" encoding="utf-8"?>
-<p:sld xmlns:a="http://schemas.openxmlformats.org/drawingml/2006/main" xmlns:r="http://schemas.openxmlformats.org/officeDocument/2006/relationships" xmlns:p="http://schemas.openxmlformats.org/presentationml/2006/main">
-  <p:cSld>
-    <p:bg>
-      <p:bgPr>
-        <a:solidFill>
-          <a:srgbClr val="FF914D"/>
-        </a:solidFill>
-        <a:effectLst/>
-      </p:bgPr>
-    </p:bg>
-    <p:spTree>
-      <p:nvGrpSpPr>
-        <p:cNvPr id="1" name=""/>
-        <p:cNvGrpSpPr/>
-        <p:nvPr/>
-      </p:nvGrpSpPr>
-      <p:grpSpPr>
-        <a:xfrm>
-          <a:off x="0" y="0"/>
-          <a:ext cx="0" cy="0"/>
-          <a:chOff x="0" y="0"/>
-          <a:chExt cx="0" cy="0"/>
-        </a:xfrm>
-      </p:grpSpPr>
-      <p:grpSp>
-        <p:nvGrpSpPr>
-          <p:cNvPr id="2" name="Group 2"/>
-          <p:cNvGrpSpPr/>
-          <p:nvPr/>
-        </p:nvGrpSpPr>
-        <p:grpSpPr>
-          <a:xfrm>
-            <a:off x="0" y="0"/>
-            <a:ext cx="6502854" cy="10287000"/>
-            <a:chOff x="0" y="0"/>
-            <a:chExt cx="2199731" cy="3479800"/>
-          </a:xfrm>
-        </p:grpSpPr>
-        <p:sp>
-          <p:nvSpPr>
-            <p:cNvPr id="3" name="Freeform 3"/>
-            <p:cNvSpPr/>
-            <p:nvPr/>
-          </p:nvSpPr>
-          <p:spPr>
-            <a:xfrm>
-              <a:off x="0" y="0"/>
-              <a:ext cx="2199731" cy="3479800"/>
-            </a:xfrm>
-            <a:custGeom>
-              <a:avLst/>
-              <a:gdLst/>
-              <a:ahLst/>
-              <a:cxnLst/>
-              <a:rect l="l" t="t" r="r" b="b"/>
-              <a:pathLst>
-                <a:path w="2199731" h="3479800">
-                  <a:moveTo>
-                    <a:pt x="0" y="0"/>
-                  </a:moveTo>
-                  <a:lnTo>
-                    <a:pt x="2199731" y="0"/>
-                  </a:lnTo>
-                  <a:lnTo>
-                    <a:pt x="2199731" y="3479800"/>
-                  </a:lnTo>
-                  <a:lnTo>
-                    <a:pt x="0" y="3479800"/>
-                  </a:lnTo>
-                  <a:close/>
-                </a:path>
-              </a:pathLst>
-            </a:custGeom>
-            <a:solidFill>
-              <a:srgbClr val="004AAD"/>
-            </a:solidFill>
-          </p:spPr>
-        </p:sp>
-      </p:grpSp>
-      <p:pic>
-        <p:nvPicPr>
-          <p:cNvPr id="4" name="Picture 4"/>
-          <p:cNvPicPr>
-            <a:picLocks noChangeAspect="1"/>
-          </p:cNvPicPr>
-          <p:nvPr/>
-        </p:nvPicPr>
-        <p:blipFill>
-          <a:blip r:embed="rId2">
-            <a:extLst>
-              <a:ext uri="{28A0092B-C50C-407E-A947-70E740481C1C}">
-                <a14:useLocalDpi xmlns:a14="http://schemas.microsoft.com/office/drawing/2010/main" val="0"/>
-              </a:ext>
-              <a:ext uri="{96DAC541-7B7A-43D3-8B79-37D633B846F1}">
-                <asvg:svgBlip xmlns:asvg="http://schemas.microsoft.com/office/drawing/2016/SVG/main" r:embed="rId3"/>
-              </a:ext>
-            </a:extLst>
-          </a:blip>
-          <a:srcRect/>
-          <a:stretch>
-            <a:fillRect/>
-          </a:stretch>
-        </p:blipFill>
-        <p:spPr>
-          <a:xfrm>
-            <a:off x="1280064" y="1714500"/>
-            <a:ext cx="3942727" cy="4114800"/>
-          </a:xfrm>
-          <a:prstGeom prst="rect">
-            <a:avLst/>
-          </a:prstGeom>
-        </p:spPr>
-      </p:pic>
-      <p:sp>
-        <p:nvSpPr>
-          <p:cNvPr id="5" name="TextBox 5"/>
-          <p:cNvSpPr txBox="1"/>
-          <p:nvPr/>
-        </p:nvSpPr>
-        <p:spPr>
-          <a:xfrm>
-            <a:off x="10204581" y="3904615"/>
-            <a:ext cx="4083695" cy="1533525"/>
-          </a:xfrm>
-          <a:prstGeom prst="rect">
-            <a:avLst/>
-          </a:prstGeom>
-        </p:spPr>
-        <p:txBody>
-          <a:bodyPr lIns="0" tIns="0" rIns="0" bIns="0" rtlCol="0" anchor="t">
-            <a:spAutoFit/>
-          </a:bodyPr>
-          <a:lstStyle/>
-          <a:p>
-            <a:pPr algn="ctr">
-              <a:lnSpc>
-                <a:spcPts val="12599"/>
-              </a:lnSpc>
-            </a:pPr>
-            <a:r>
-              <a:rPr lang="en-US" sz="9000">
-                <a:solidFill>
-                  <a:srgbClr val="000000"/>
-                </a:solidFill>
-                <a:latin typeface="Open Sans Extra Bold"/>
-              </a:rPr>
-              <a:t>Grazie!</a:t>
-            </a:r>
-          </a:p>
-        </p:txBody>
-      </p:sp>
-      <p:sp>
-        <p:nvSpPr>
-          <p:cNvPr id="6" name="TextBox 6"/>
-          <p:cNvSpPr txBox="1"/>
-          <p:nvPr/>
-        </p:nvSpPr>
-        <p:spPr>
-          <a:xfrm>
-            <a:off x="7834568" y="5342890"/>
-            <a:ext cx="8823722" cy="877570"/>
-          </a:xfrm>
-          <a:prstGeom prst="rect">
-            <a:avLst/>
-          </a:prstGeom>
-        </p:spPr>
-        <p:txBody>
-          <a:bodyPr lIns="0" tIns="0" rIns="0" bIns="0" rtlCol="0" anchor="t">
-            <a:spAutoFit/>
-          </a:bodyPr>
-          <a:lstStyle/>
-          <a:p>
-            <a:pPr algn="ctr">
-              <a:lnSpc>
-                <a:spcPts val="7279"/>
-              </a:lnSpc>
-            </a:pPr>
-            <a:r>
-              <a:rPr lang="en-US" sz="5199">
-                <a:solidFill>
-                  <a:srgbClr val="000000"/>
-                </a:solidFill>
-                <a:latin typeface="Open Sans"/>
-              </a:rPr>
-              <a:t>Introduzione alle JAVA RMI</a:t>
-            </a:r>
-          </a:p>
-        </p:txBody>
-      </p:sp>
-      <p:sp>
-        <p:nvSpPr>
-          <p:cNvPr id="7" name="TextBox 7"/>
-          <p:cNvSpPr txBox="1"/>
-          <p:nvPr/>
-        </p:nvSpPr>
-        <p:spPr>
-          <a:xfrm>
-            <a:off x="1698483" y="6360020"/>
-            <a:ext cx="3681264" cy="2380615"/>
-          </a:xfrm>
-          <a:prstGeom prst="rect">
-            <a:avLst/>
-          </a:prstGeom>
-        </p:spPr>
-        <p:txBody>
-          <a:bodyPr lIns="0" tIns="0" rIns="0" bIns="0" rtlCol="0" anchor="t">
-            <a:spAutoFit/>
-          </a:bodyPr>
-          <a:lstStyle/>
-          <a:p>
-            <a:pPr algn="ctr">
-              <a:lnSpc>
-                <a:spcPts val="4759"/>
-              </a:lnSpc>
-            </a:pPr>
-            <a:r>
-              <a:rPr lang="en-US" sz="3399">
-                <a:solidFill>
-                  <a:srgbClr val="FFFFFF"/>
-                </a:solidFill>
-                <a:latin typeface="Open Sans Light"/>
-              </a:rPr>
-              <a:t>Bernardini Claudio</a:t>
-            </a:r>
-          </a:p>
-          <a:p>
-            <a:pPr algn="ctr">
-              <a:lnSpc>
-                <a:spcPts val="4759"/>
-              </a:lnSpc>
-            </a:pPr>
-            <a:r>
-              <a:rPr lang="en-US" sz="3399">
-                <a:solidFill>
-                  <a:srgbClr val="FFFFFF"/>
-                </a:solidFill>
-                <a:latin typeface="Open Sans Light"/>
-              </a:rPr>
-              <a:t>Corsetti Luca</a:t>
-            </a:r>
-          </a:p>
-          <a:p>
-            <a:pPr algn="ctr">
-              <a:lnSpc>
-                <a:spcPts val="4759"/>
-              </a:lnSpc>
-            </a:pPr>
-            <a:r>
-              <a:rPr lang="en-US" sz="3399">
-                <a:solidFill>
-                  <a:srgbClr val="FFFFFF"/>
-                </a:solidFill>
-                <a:latin typeface="Open Sans Light"/>
-              </a:rPr>
-              <a:t> Giardina Gianluca</a:t>
-            </a:r>
-          </a:p>
-          <a:p>
-            <a:pPr algn="ctr">
-              <a:lnSpc>
-                <a:spcPts val="4759"/>
-              </a:lnSpc>
-            </a:pPr>
-            <a:r>
-              <a:rPr lang="en-US" sz="3399">
-                <a:solidFill>
-                  <a:srgbClr val="FFFFFF"/>
-                </a:solidFill>
-                <a:latin typeface="Open Sans Light"/>
-              </a:rPr>
-              <a:t>Straccali Leonardo </a:t>
-            </a:r>
-          </a:p>
-        </p:txBody>
-      </p:sp>
-      <p:sp>
-        <p:nvSpPr>
-          <p:cNvPr id="8" name="TextBox 8"/>
-          <p:cNvSpPr txBox="1"/>
-          <p:nvPr/>
-        </p:nvSpPr>
-        <p:spPr>
-          <a:xfrm>
-            <a:off x="13793242" y="448310"/>
-            <a:ext cx="3718471" cy="580390"/>
-          </a:xfrm>
-          <a:prstGeom prst="rect">
-            <a:avLst/>
-          </a:prstGeom>
-        </p:spPr>
-        <p:txBody>
-          <a:bodyPr lIns="0" tIns="0" rIns="0" bIns="0" rtlCol="0" anchor="t">
-            <a:spAutoFit/>
-          </a:bodyPr>
-          <a:lstStyle/>
-          <a:p>
-            <a:pPr algn="ctr">
-              <a:lnSpc>
-                <a:spcPts val="4759"/>
-              </a:lnSpc>
-            </a:pPr>
-            <a:r>
-              <a:rPr lang="en-US" sz="3399">
-                <a:solidFill>
-                  <a:srgbClr val="000000"/>
-                </a:solidFill>
-                <a:latin typeface="Open Sans Light"/>
-              </a:rPr>
-              <a:t>23 Novembre 2021</a:t>
-            </a:r>
-          </a:p>
-        </p:txBody>
-      </p:sp>
-      <p:grpSp>
-        <p:nvGrpSpPr>
-          <p:cNvPr id="9" name="Group 9"/>
-          <p:cNvGrpSpPr/>
-          <p:nvPr/>
-        </p:nvGrpSpPr>
-        <p:grpSpPr>
-          <a:xfrm>
-            <a:off x="16658290" y="8740635"/>
-            <a:ext cx="1289957" cy="1289957"/>
-            <a:chOff x="0" y="0"/>
-            <a:chExt cx="1719943" cy="1719943"/>
-          </a:xfrm>
-        </p:grpSpPr>
-        <p:grpSp>
-          <p:nvGrpSpPr>
-            <p:cNvPr id="10" name="Group 10"/>
-            <p:cNvGrpSpPr/>
-            <p:nvPr/>
-          </p:nvGrpSpPr>
-          <p:grpSpPr>
-            <a:xfrm>
-              <a:off x="0" y="0"/>
-              <a:ext cx="1719943" cy="1719943"/>
-              <a:chOff x="0" y="0"/>
-              <a:chExt cx="6350000" cy="6350000"/>
-            </a:xfrm>
-          </p:grpSpPr>
-          <p:sp>
-            <p:nvSpPr>
-              <p:cNvPr id="11" name="Freeform 11"/>
-              <p:cNvSpPr/>
-              <p:nvPr/>
-            </p:nvSpPr>
-            <p:spPr>
-              <a:xfrm>
-                <a:off x="14167" y="0"/>
-                <a:ext cx="6321665" cy="6350000"/>
-              </a:xfrm>
-              <a:custGeom>
-                <a:avLst/>
-                <a:gdLst/>
-                <a:ahLst/>
-                <a:cxnLst/>
-                <a:rect l="l" t="t" r="r" b="b"/>
-                <a:pathLst>
-                  <a:path w="6321665" h="6350000">
-                    <a:moveTo>
-                      <a:pt x="3160833" y="0"/>
-                    </a:moveTo>
-                    <a:lnTo>
-                      <a:pt x="3160833" y="0"/>
-                    </a:lnTo>
-                    <a:cubicBezTo>
-                      <a:pt x="4908795" y="7817"/>
-                      <a:pt x="6321666" y="1427021"/>
-                      <a:pt x="6321666" y="3175000"/>
-                    </a:cubicBezTo>
-                    <a:cubicBezTo>
-                      <a:pt x="6321666" y="4922979"/>
-                      <a:pt x="4908795" y="6342183"/>
-                      <a:pt x="3160833" y="6350000"/>
-                    </a:cubicBezTo>
-                    <a:cubicBezTo>
-                      <a:pt x="1412871" y="6342183"/>
-                      <a:pt x="0" y="4922979"/>
-                      <a:pt x="0" y="3175000"/>
-                    </a:cubicBezTo>
-                    <a:cubicBezTo>
-                      <a:pt x="0" y="1427021"/>
-                      <a:pt x="1412871" y="7817"/>
-                      <a:pt x="3160833" y="0"/>
-                    </a:cubicBezTo>
-                    <a:close/>
-                  </a:path>
-                </a:pathLst>
-              </a:custGeom>
-              <a:solidFill>
-                <a:srgbClr val="004AAD"/>
-              </a:solidFill>
-            </p:spPr>
-          </p:sp>
-        </p:grpSp>
-        <p:sp>
-          <p:nvSpPr>
-            <p:cNvPr id="12" name="TextBox 12"/>
-            <p:cNvSpPr txBox="1"/>
-            <p:nvPr/>
-          </p:nvSpPr>
-          <p:spPr>
-            <a:xfrm>
-              <a:off x="696856" y="450820"/>
-              <a:ext cx="326231" cy="751628"/>
-            </a:xfrm>
-            <a:prstGeom prst="rect">
-              <a:avLst/>
-            </a:prstGeom>
-          </p:spPr>
-          <p:txBody>
-            <a:bodyPr lIns="0" tIns="0" rIns="0" bIns="0" rtlCol="0" anchor="t">
-              <a:spAutoFit/>
-            </a:bodyPr>
-            <a:lstStyle/>
-            <a:p>
-              <a:pPr algn="ctr">
-                <a:lnSpc>
-                  <a:spcPts val="4759"/>
-                </a:lnSpc>
-              </a:pPr>
-              <a:r>
-                <a:rPr lang="en-US" sz="3399">
-                  <a:solidFill>
-                    <a:srgbClr val="FFFFFF"/>
-                  </a:solidFill>
-                  <a:latin typeface="Open Sans Light Bold"/>
-                </a:rPr>
-                <a:t>8</a:t>
-              </a:r>
-            </a:p>
-          </p:txBody>
-        </p:sp>
-      </p:grpSp>
     </p:spTree>
   </p:cSld>
   <p:clrMapOvr>
